--- a/module/JavaScript模块化PPT.pptx
+++ b/module/JavaScript模块化PPT.pptx
@@ -76,13 +76,13 @@
         </a:solidFill>
         <a:effectLst/>
         <a:uFillTx/>
-        <a:latin typeface="Arial"/>
-        <a:ea typeface="Arial"/>
-        <a:cs typeface="Arial"/>
-        <a:sym typeface="Arial"/>
+        <a:latin typeface="+mn-lt"/>
+        <a:ea typeface="+mn-ea"/>
+        <a:cs typeface="+mn-cs"/>
+        <a:sym typeface="Helvetica"/>
       </a:defRPr>
     </a:lvl1pPr>
-    <a:lvl2pPr marL="0" marR="0" indent="457200" algn="l" defTabSz="457200" rtl="0" fontAlgn="auto" latinLnBrk="0" hangingPunct="0">
+    <a:lvl2pPr marL="0" marR="0" indent="0" algn="l" defTabSz="457200" rtl="0" fontAlgn="auto" latinLnBrk="0" hangingPunct="0">
       <a:lnSpc>
         <a:spcPct val="100000"/>
       </a:lnSpc>
@@ -106,13 +106,13 @@
         </a:solidFill>
         <a:effectLst/>
         <a:uFillTx/>
-        <a:latin typeface="Arial"/>
-        <a:ea typeface="Arial"/>
-        <a:cs typeface="Arial"/>
-        <a:sym typeface="Arial"/>
+        <a:latin typeface="+mn-lt"/>
+        <a:ea typeface="+mn-ea"/>
+        <a:cs typeface="+mn-cs"/>
+        <a:sym typeface="Helvetica"/>
       </a:defRPr>
     </a:lvl2pPr>
-    <a:lvl3pPr marL="0" marR="0" indent="914400" algn="l" defTabSz="457200" rtl="0" fontAlgn="auto" latinLnBrk="0" hangingPunct="0">
+    <a:lvl3pPr marL="0" marR="0" indent="0" algn="l" defTabSz="457200" rtl="0" fontAlgn="auto" latinLnBrk="0" hangingPunct="0">
       <a:lnSpc>
         <a:spcPct val="100000"/>
       </a:lnSpc>
@@ -136,13 +136,13 @@
         </a:solidFill>
         <a:effectLst/>
         <a:uFillTx/>
-        <a:latin typeface="Arial"/>
-        <a:ea typeface="Arial"/>
-        <a:cs typeface="Arial"/>
-        <a:sym typeface="Arial"/>
+        <a:latin typeface="+mn-lt"/>
+        <a:ea typeface="+mn-ea"/>
+        <a:cs typeface="+mn-cs"/>
+        <a:sym typeface="Helvetica"/>
       </a:defRPr>
     </a:lvl3pPr>
-    <a:lvl4pPr marL="0" marR="0" indent="1371600" algn="l" defTabSz="457200" rtl="0" fontAlgn="auto" latinLnBrk="0" hangingPunct="0">
+    <a:lvl4pPr marL="0" marR="0" indent="0" algn="l" defTabSz="457200" rtl="0" fontAlgn="auto" latinLnBrk="0" hangingPunct="0">
       <a:lnSpc>
         <a:spcPct val="100000"/>
       </a:lnSpc>
@@ -166,13 +166,13 @@
         </a:solidFill>
         <a:effectLst/>
         <a:uFillTx/>
-        <a:latin typeface="Arial"/>
-        <a:ea typeface="Arial"/>
-        <a:cs typeface="Arial"/>
-        <a:sym typeface="Arial"/>
+        <a:latin typeface="+mn-lt"/>
+        <a:ea typeface="+mn-ea"/>
+        <a:cs typeface="+mn-cs"/>
+        <a:sym typeface="Helvetica"/>
       </a:defRPr>
     </a:lvl4pPr>
-    <a:lvl5pPr marL="0" marR="0" indent="1828800" algn="l" defTabSz="457200" rtl="0" fontAlgn="auto" latinLnBrk="0" hangingPunct="0">
+    <a:lvl5pPr marL="0" marR="0" indent="0" algn="l" defTabSz="457200" rtl="0" fontAlgn="auto" latinLnBrk="0" hangingPunct="0">
       <a:lnSpc>
         <a:spcPct val="100000"/>
       </a:lnSpc>
@@ -196,13 +196,13 @@
         </a:solidFill>
         <a:effectLst/>
         <a:uFillTx/>
-        <a:latin typeface="Arial"/>
-        <a:ea typeface="Arial"/>
-        <a:cs typeface="Arial"/>
-        <a:sym typeface="Arial"/>
+        <a:latin typeface="+mn-lt"/>
+        <a:ea typeface="+mn-ea"/>
+        <a:cs typeface="+mn-cs"/>
+        <a:sym typeface="Helvetica"/>
       </a:defRPr>
     </a:lvl5pPr>
-    <a:lvl6pPr marL="0" marR="0" indent="2286000" algn="l" defTabSz="457200" rtl="0" fontAlgn="auto" latinLnBrk="0" hangingPunct="0">
+    <a:lvl6pPr marL="0" marR="0" indent="0" algn="l" defTabSz="457200" rtl="0" fontAlgn="auto" latinLnBrk="0" hangingPunct="0">
       <a:lnSpc>
         <a:spcPct val="100000"/>
       </a:lnSpc>
@@ -226,13 +226,13 @@
         </a:solidFill>
         <a:effectLst/>
         <a:uFillTx/>
-        <a:latin typeface="Arial"/>
-        <a:ea typeface="Arial"/>
-        <a:cs typeface="Arial"/>
-        <a:sym typeface="Arial"/>
+        <a:latin typeface="+mn-lt"/>
+        <a:ea typeface="+mn-ea"/>
+        <a:cs typeface="+mn-cs"/>
+        <a:sym typeface="Helvetica"/>
       </a:defRPr>
     </a:lvl6pPr>
-    <a:lvl7pPr marL="0" marR="0" indent="2743200" algn="l" defTabSz="457200" rtl="0" fontAlgn="auto" latinLnBrk="0" hangingPunct="0">
+    <a:lvl7pPr marL="0" marR="0" indent="0" algn="l" defTabSz="457200" rtl="0" fontAlgn="auto" latinLnBrk="0" hangingPunct="0">
       <a:lnSpc>
         <a:spcPct val="100000"/>
       </a:lnSpc>
@@ -256,13 +256,13 @@
         </a:solidFill>
         <a:effectLst/>
         <a:uFillTx/>
-        <a:latin typeface="Arial"/>
-        <a:ea typeface="Arial"/>
-        <a:cs typeface="Arial"/>
-        <a:sym typeface="Arial"/>
+        <a:latin typeface="+mn-lt"/>
+        <a:ea typeface="+mn-ea"/>
+        <a:cs typeface="+mn-cs"/>
+        <a:sym typeface="Helvetica"/>
       </a:defRPr>
     </a:lvl7pPr>
-    <a:lvl8pPr marL="0" marR="0" indent="3200400" algn="l" defTabSz="457200" rtl="0" fontAlgn="auto" latinLnBrk="0" hangingPunct="0">
+    <a:lvl8pPr marL="0" marR="0" indent="0" algn="l" defTabSz="457200" rtl="0" fontAlgn="auto" latinLnBrk="0" hangingPunct="0">
       <a:lnSpc>
         <a:spcPct val="100000"/>
       </a:lnSpc>
@@ -286,13 +286,13 @@
         </a:solidFill>
         <a:effectLst/>
         <a:uFillTx/>
-        <a:latin typeface="Arial"/>
-        <a:ea typeface="Arial"/>
-        <a:cs typeface="Arial"/>
-        <a:sym typeface="Arial"/>
+        <a:latin typeface="+mn-lt"/>
+        <a:ea typeface="+mn-ea"/>
+        <a:cs typeface="+mn-cs"/>
+        <a:sym typeface="Helvetica"/>
       </a:defRPr>
     </a:lvl8pPr>
-    <a:lvl9pPr marL="0" marR="0" indent="3657600" algn="l" defTabSz="457200" rtl="0" fontAlgn="auto" latinLnBrk="0" hangingPunct="0">
+    <a:lvl9pPr marL="0" marR="0" indent="0" algn="l" defTabSz="457200" rtl="0" fontAlgn="auto" latinLnBrk="0" hangingPunct="0">
       <a:lnSpc>
         <a:spcPct val="100000"/>
       </a:lnSpc>
@@ -316,10 +316,10 @@
         </a:solidFill>
         <a:effectLst/>
         <a:uFillTx/>
-        <a:latin typeface="Arial"/>
-        <a:ea typeface="Arial"/>
-        <a:cs typeface="Arial"/>
-        <a:sym typeface="Arial"/>
+        <a:latin typeface="+mn-lt"/>
+        <a:ea typeface="+mn-ea"/>
+        <a:cs typeface="+mn-cs"/>
+        <a:sym typeface="Helvetica"/>
       </a:defRPr>
     </a:lvl9pPr>
   </p:defaultTextStyle>
@@ -349,7 +349,7 @@
       </p:grpSpPr>
       <p:sp>
         <p:nvSpPr>
-          <p:cNvPr id="125" name="Shape 125"/>
+          <p:cNvPr id="144" name="Shape 144"/>
           <p:cNvSpPr/>
           <p:nvPr>
             <p:ph type="sldImg"/>
@@ -374,7 +374,7 @@
       </p:sp>
       <p:sp>
         <p:nvSpPr>
-          <p:cNvPr id="126" name="Shape 126"/>
+          <p:cNvPr id="145" name="Shape 145"/>
           <p:cNvSpPr/>
           <p:nvPr>
             <p:ph type="body" sz="quarter" idx="1"/>
@@ -518,9 +518,9 @@
         <p:grpSpPr>
           <a:xfrm>
             <a:off x="-1" y="-1685365"/>
-            <a:ext cx="12199354" cy="1730133"/>
+            <a:ext cx="12199354" cy="1730131"/>
             <a:chOff x="0" y="0"/>
-            <a:chExt cx="12199352" cy="1730132"/>
+            <a:chExt cx="12199353" cy="1730130"/>
           </a:xfrm>
         </p:grpSpPr>
         <p:sp>
@@ -531,8 +531,8 @@
           </p:nvSpPr>
           <p:spPr>
             <a:xfrm>
-              <a:off x="0" y="0"/>
-              <a:ext cx="12192000" cy="1582225"/>
+              <a:off x="0" y="-1"/>
+              <a:ext cx="12192002" cy="1582227"/>
             </a:xfrm>
             <a:prstGeom prst="rect">
               <a:avLst/>
@@ -547,7 +547,7 @@
             <a:effectLst/>
           </p:spPr>
           <p:txBody>
-            <a:bodyPr wrap="square" lIns="45719" tIns="45719" rIns="45719" bIns="45719" numCol="1" anchor="ctr">
+            <a:bodyPr wrap="square" lIns="45718" tIns="45718" rIns="45718" bIns="45718" numCol="1" anchor="ctr">
               <a:noAutofit/>
             </a:bodyPr>
             <a:lstStyle/>
@@ -557,6 +557,10 @@
                   <a:solidFill>
                     <a:srgbClr val="FFFFFF"/>
                   </a:solidFill>
+                  <a:latin typeface="Arial"/>
+                  <a:ea typeface="Arial"/>
+                  <a:cs typeface="Arial"/>
+                  <a:sym typeface="Arial"/>
                 </a:defRPr>
               </a:pPr>
             </a:p>
@@ -571,7 +575,7 @@
           <p:spPr>
             <a:xfrm>
               <a:off x="475128" y="192432"/>
-              <a:ext cx="528095" cy="528095"/>
+              <a:ext cx="528097" cy="528097"/>
             </a:xfrm>
             <a:prstGeom prst="ellipse">
               <a:avLst/>
@@ -586,7 +590,7 @@
             <a:effectLst/>
           </p:spPr>
           <p:txBody>
-            <a:bodyPr wrap="square" lIns="45719" tIns="45719" rIns="45719" bIns="45719" numCol="1" anchor="ctr">
+            <a:bodyPr wrap="square" lIns="45718" tIns="45718" rIns="45718" bIns="45718" numCol="1" anchor="ctr">
               <a:noAutofit/>
             </a:bodyPr>
             <a:lstStyle/>
@@ -596,6 +600,10 @@
                   <a:solidFill>
                     <a:srgbClr val="0B5395"/>
                   </a:solidFill>
+                  <a:latin typeface="Arial"/>
+                  <a:ea typeface="Arial"/>
+                  <a:cs typeface="Arial"/>
+                  <a:sym typeface="Arial"/>
                 </a:defRPr>
               </a:pPr>
             </a:p>
@@ -610,7 +618,7 @@
           <p:spPr>
             <a:xfrm>
               <a:off x="1858245" y="192432"/>
-              <a:ext cx="528095" cy="528095"/>
+              <a:ext cx="528097" cy="528097"/>
             </a:xfrm>
             <a:prstGeom prst="ellipse">
               <a:avLst/>
@@ -625,7 +633,7 @@
             <a:effectLst/>
           </p:spPr>
           <p:txBody>
-            <a:bodyPr wrap="square" lIns="45719" tIns="45719" rIns="45719" bIns="45719" numCol="1" anchor="ctr">
+            <a:bodyPr wrap="square" lIns="45718" tIns="45718" rIns="45718" bIns="45718" numCol="1" anchor="ctr">
               <a:noAutofit/>
             </a:bodyPr>
             <a:lstStyle/>
@@ -635,6 +643,10 @@
                   <a:solidFill>
                     <a:srgbClr val="FFFFFF"/>
                   </a:solidFill>
+                  <a:latin typeface="Arial"/>
+                  <a:ea typeface="Arial"/>
+                  <a:cs typeface="Arial"/>
+                  <a:sym typeface="Arial"/>
                 </a:defRPr>
               </a:pPr>
             </a:p>
@@ -649,7 +661,7 @@
           <p:spPr>
             <a:xfrm>
               <a:off x="3241363" y="192432"/>
-              <a:ext cx="528095" cy="528095"/>
+              <a:ext cx="528097" cy="528097"/>
             </a:xfrm>
             <a:prstGeom prst="ellipse">
               <a:avLst/>
@@ -664,7 +676,7 @@
             <a:effectLst/>
           </p:spPr>
           <p:txBody>
-            <a:bodyPr wrap="square" lIns="45719" tIns="45719" rIns="45719" bIns="45719" numCol="1" anchor="ctr">
+            <a:bodyPr wrap="square" lIns="45718" tIns="45718" rIns="45718" bIns="45718" numCol="1" anchor="ctr">
               <a:noAutofit/>
             </a:bodyPr>
             <a:lstStyle/>
@@ -674,6 +686,10 @@
                   <a:solidFill>
                     <a:srgbClr val="FFFFFF"/>
                   </a:solidFill>
+                  <a:latin typeface="Arial"/>
+                  <a:ea typeface="Arial"/>
+                  <a:cs typeface="Arial"/>
+                  <a:sym typeface="Arial"/>
                 </a:defRPr>
               </a:pPr>
             </a:p>
@@ -688,7 +704,7 @@
           <p:spPr>
             <a:xfrm>
               <a:off x="82748" y="798571"/>
-              <a:ext cx="1352352" cy="688341"/>
+              <a:ext cx="1352353" cy="688339"/>
             </a:xfrm>
             <a:prstGeom prst="rect">
               <a:avLst/>
@@ -706,7 +722,7 @@
             </a:extLst>
           </p:spPr>
           <p:txBody>
-            <a:bodyPr wrap="square" lIns="45719" tIns="45719" rIns="45719" bIns="45719" numCol="1" anchor="t">
+            <a:bodyPr wrap="square" lIns="45718" tIns="45718" rIns="45718" bIns="45718" numCol="1" anchor="t">
               <a:spAutoFit/>
             </a:bodyPr>
             <a:lstStyle/>
@@ -716,10 +732,6 @@
                   <a:solidFill>
                     <a:srgbClr val="043B90"/>
                   </a:solidFill>
-                  <a:latin typeface="+mn-lt"/>
-                  <a:ea typeface="+mn-ea"/>
-                  <a:cs typeface="+mn-cs"/>
-                  <a:sym typeface="Helvetica"/>
                 </a:defRPr>
               </a:pPr>
               <a:r>
@@ -732,10 +744,6 @@
                   <a:solidFill>
                     <a:srgbClr val="043B90"/>
                   </a:solidFill>
-                  <a:latin typeface="+mn-lt"/>
-                  <a:ea typeface="+mn-ea"/>
-                  <a:cs typeface="+mn-cs"/>
-                  <a:sym typeface="Helvetica"/>
                 </a:defRPr>
               </a:pPr>
               <a:r>
@@ -753,7 +761,7 @@
           <p:spPr>
             <a:xfrm>
               <a:off x="1452292" y="798571"/>
-              <a:ext cx="1336310" cy="688341"/>
+              <a:ext cx="1336311" cy="688339"/>
             </a:xfrm>
             <a:prstGeom prst="rect">
               <a:avLst/>
@@ -771,7 +779,7 @@
             </a:extLst>
           </p:spPr>
           <p:txBody>
-            <a:bodyPr wrap="square" lIns="45719" tIns="45719" rIns="45719" bIns="45719" numCol="1" anchor="t">
+            <a:bodyPr wrap="square" lIns="45718" tIns="45718" rIns="45718" bIns="45718" numCol="1" anchor="t">
               <a:spAutoFit/>
             </a:bodyPr>
             <a:lstStyle/>
@@ -781,10 +789,6 @@
                   <a:solidFill>
                     <a:schemeClr val="accent1"/>
                   </a:solidFill>
-                  <a:latin typeface="+mn-lt"/>
-                  <a:ea typeface="+mn-ea"/>
-                  <a:cs typeface="+mn-cs"/>
-                  <a:sym typeface="Helvetica"/>
                 </a:defRPr>
               </a:pPr>
               <a:r>
@@ -797,10 +801,6 @@
                   <a:solidFill>
                     <a:schemeClr val="accent1"/>
                   </a:solidFill>
-                  <a:latin typeface="+mn-lt"/>
-                  <a:ea typeface="+mn-ea"/>
-                  <a:cs typeface="+mn-cs"/>
-                  <a:sym typeface="Helvetica"/>
                 </a:defRPr>
               </a:pPr>
               <a:r>
@@ -818,7 +818,7 @@
           <p:spPr>
             <a:xfrm>
               <a:off x="2661416" y="798571"/>
-              <a:ext cx="1684367" cy="688341"/>
+              <a:ext cx="1684368" cy="688339"/>
             </a:xfrm>
             <a:prstGeom prst="rect">
               <a:avLst/>
@@ -836,7 +836,7 @@
             </a:extLst>
           </p:spPr>
           <p:txBody>
-            <a:bodyPr wrap="square" lIns="45719" tIns="45719" rIns="45719" bIns="45719" numCol="1" anchor="t">
+            <a:bodyPr wrap="square" lIns="45718" tIns="45718" rIns="45718" bIns="45718" numCol="1" anchor="t">
               <a:spAutoFit/>
             </a:bodyPr>
             <a:lstStyle/>
@@ -846,10 +846,6 @@
                   <a:solidFill>
                     <a:schemeClr val="accent2"/>
                   </a:solidFill>
-                  <a:latin typeface="+mn-lt"/>
-                  <a:ea typeface="+mn-ea"/>
-                  <a:cs typeface="+mn-cs"/>
-                  <a:sym typeface="Helvetica"/>
                 </a:defRPr>
               </a:pPr>
               <a:r>
@@ -862,10 +858,6 @@
                   <a:solidFill>
                     <a:schemeClr val="accent2"/>
                   </a:solidFill>
-                  <a:latin typeface="+mn-lt"/>
-                  <a:ea typeface="+mn-ea"/>
-                  <a:cs typeface="+mn-cs"/>
-                  <a:sym typeface="Helvetica"/>
                 </a:defRPr>
               </a:pPr>
               <a:r>
@@ -883,7 +875,7 @@
           <p:spPr>
             <a:xfrm>
               <a:off x="6007596" y="192432"/>
-              <a:ext cx="528095" cy="528095"/>
+              <a:ext cx="528097" cy="528097"/>
             </a:xfrm>
             <a:prstGeom prst="ellipse">
               <a:avLst/>
@@ -898,7 +890,7 @@
             <a:effectLst/>
           </p:spPr>
           <p:txBody>
-            <a:bodyPr wrap="square" lIns="45719" tIns="45719" rIns="45719" bIns="45719" numCol="1" anchor="ctr">
+            <a:bodyPr wrap="square" lIns="45718" tIns="45718" rIns="45718" bIns="45718" numCol="1" anchor="ctr">
               <a:noAutofit/>
             </a:bodyPr>
             <a:lstStyle/>
@@ -908,6 +900,10 @@
                   <a:solidFill>
                     <a:srgbClr val="FFFFFF"/>
                   </a:solidFill>
+                  <a:latin typeface="Arial"/>
+                  <a:ea typeface="Arial"/>
+                  <a:cs typeface="Arial"/>
+                  <a:sym typeface="Arial"/>
                 </a:defRPr>
               </a:pPr>
             </a:p>
@@ -922,7 +918,7 @@
           <p:spPr>
             <a:xfrm>
               <a:off x="5519106" y="798571"/>
-              <a:ext cx="1490610" cy="688341"/>
+              <a:ext cx="1490611" cy="688339"/>
             </a:xfrm>
             <a:prstGeom prst="rect">
               <a:avLst/>
@@ -940,7 +936,7 @@
             </a:extLst>
           </p:spPr>
           <p:txBody>
-            <a:bodyPr wrap="square" lIns="45719" tIns="45719" rIns="45719" bIns="45719" numCol="1" anchor="t">
+            <a:bodyPr wrap="square" lIns="45718" tIns="45718" rIns="45718" bIns="45718" numCol="1" anchor="t">
               <a:spAutoFit/>
             </a:bodyPr>
             <a:lstStyle/>
@@ -950,10 +946,6 @@
                   <a:solidFill>
                     <a:schemeClr val="accent4"/>
                   </a:solidFill>
-                  <a:latin typeface="+mn-lt"/>
-                  <a:ea typeface="+mn-ea"/>
-                  <a:cs typeface="+mn-cs"/>
-                  <a:sym typeface="Helvetica"/>
                 </a:defRPr>
               </a:pPr>
               <a:r>
@@ -966,10 +958,6 @@
                   <a:solidFill>
                     <a:schemeClr val="accent4"/>
                   </a:solidFill>
-                  <a:latin typeface="+mn-lt"/>
-                  <a:ea typeface="+mn-ea"/>
-                  <a:cs typeface="+mn-cs"/>
-                  <a:sym typeface="Helvetica"/>
                 </a:defRPr>
               </a:pPr>
               <a:r>
@@ -987,7 +975,7 @@
           <p:spPr>
             <a:xfrm>
               <a:off x="4624480" y="192432"/>
-              <a:ext cx="528095" cy="528095"/>
+              <a:ext cx="528097" cy="528097"/>
             </a:xfrm>
             <a:prstGeom prst="ellipse">
               <a:avLst/>
@@ -1002,7 +990,7 @@
             <a:effectLst/>
           </p:spPr>
           <p:txBody>
-            <a:bodyPr wrap="square" lIns="45719" tIns="45719" rIns="45719" bIns="45719" numCol="1" anchor="ctr">
+            <a:bodyPr wrap="square" lIns="45718" tIns="45718" rIns="45718" bIns="45718" numCol="1" anchor="ctr">
               <a:noAutofit/>
             </a:bodyPr>
             <a:lstStyle/>
@@ -1012,6 +1000,10 @@
                   <a:solidFill>
                     <a:srgbClr val="FFFFFF"/>
                   </a:solidFill>
+                  <a:latin typeface="Arial"/>
+                  <a:ea typeface="Arial"/>
+                  <a:cs typeface="Arial"/>
+                  <a:sym typeface="Arial"/>
                 </a:defRPr>
               </a:pPr>
             </a:p>
@@ -1026,7 +1018,7 @@
           <p:spPr>
             <a:xfrm>
               <a:off x="4042135" y="798571"/>
-              <a:ext cx="1684367" cy="688341"/>
+              <a:ext cx="1684368" cy="688339"/>
             </a:xfrm>
             <a:prstGeom prst="rect">
               <a:avLst/>
@@ -1044,7 +1036,7 @@
             </a:extLst>
           </p:spPr>
           <p:txBody>
-            <a:bodyPr wrap="square" lIns="45719" tIns="45719" rIns="45719" bIns="45719" numCol="1" anchor="t">
+            <a:bodyPr wrap="square" lIns="45718" tIns="45718" rIns="45718" bIns="45718" numCol="1" anchor="t">
               <a:spAutoFit/>
             </a:bodyPr>
             <a:lstStyle/>
@@ -1054,10 +1046,6 @@
                   <a:solidFill>
                     <a:schemeClr val="accent3"/>
                   </a:solidFill>
-                  <a:latin typeface="+mn-lt"/>
-                  <a:ea typeface="+mn-ea"/>
-                  <a:cs typeface="+mn-cs"/>
-                  <a:sym typeface="Helvetica"/>
                 </a:defRPr>
               </a:pPr>
               <a:r>
@@ -1070,10 +1058,6 @@
                   <a:solidFill>
                     <a:schemeClr val="accent3"/>
                   </a:solidFill>
-                  <a:latin typeface="+mn-lt"/>
-                  <a:ea typeface="+mn-ea"/>
-                  <a:cs typeface="+mn-cs"/>
-                  <a:sym typeface="Helvetica"/>
                 </a:defRPr>
               </a:pPr>
               <a:r>
@@ -1090,8 +1074,8 @@
           </p:nvSpPr>
           <p:spPr>
             <a:xfrm>
-              <a:off x="9790944" y="36235"/>
-              <a:ext cx="2408409" cy="1693898"/>
+              <a:off x="9790945" y="36235"/>
+              <a:ext cx="2408410" cy="1693896"/>
             </a:xfrm>
             <a:prstGeom prst="rect">
               <a:avLst/>
@@ -1109,88 +1093,100 @@
             </a:extLst>
           </p:spPr>
           <p:txBody>
-            <a:bodyPr wrap="square" lIns="45719" tIns="45719" rIns="45719" bIns="45719" numCol="1" anchor="t">
+            <a:bodyPr wrap="square" lIns="45718" tIns="45718" rIns="45718" bIns="45718" numCol="1" anchor="t">
               <a:spAutoFit/>
             </a:bodyPr>
             <a:lstStyle/>
             <a:p>
               <a:pPr/>
               <a:r>
-                <a:rPr>
-                  <a:latin typeface="+mn-lt"/>
-                  <a:ea typeface="+mn-ea"/>
-                  <a:cs typeface="+mn-cs"/>
-                  <a:sym typeface="Helvetica"/>
-                </a:rPr>
                 <a:t>标题：微软雅黑</a:t>
               </a:r>
+              <a:endParaRPr>
+                <a:latin typeface="Arial"/>
+                <a:ea typeface="Arial"/>
+                <a:cs typeface="Arial"/>
+                <a:sym typeface="Arial"/>
+              </a:endParaRPr>
             </a:p>
             <a:p>
               <a:pPr/>
               <a:r>
-                <a:rPr>
-                  <a:latin typeface="+mn-lt"/>
-                  <a:ea typeface="+mn-ea"/>
-                  <a:cs typeface="+mn-cs"/>
-                  <a:sym typeface="Helvetica"/>
-                </a:rPr>
                 <a:t>字号：</a:t>
               </a:r>
               <a:r>
+                <a:rPr>
+                  <a:latin typeface="Arial"/>
+                  <a:ea typeface="Arial"/>
+                  <a:cs typeface="Arial"/>
+                  <a:sym typeface="Arial"/>
+                </a:rPr>
                 <a:t>28-32-48(</a:t>
               </a:r>
               <a:r>
-                <a:rPr>
-                  <a:latin typeface="+mn-lt"/>
-                  <a:ea typeface="+mn-ea"/>
-                  <a:cs typeface="+mn-cs"/>
-                  <a:sym typeface="Helvetica"/>
-                </a:rPr>
                 <a:t>封面</a:t>
               </a:r>
               <a:r>
+                <a:rPr>
+                  <a:latin typeface="Arial"/>
+                  <a:ea typeface="Arial"/>
+                  <a:cs typeface="Arial"/>
+                  <a:sym typeface="Arial"/>
+                </a:rPr>
                 <a:t>)</a:t>
               </a:r>
+              <a:endParaRPr>
+                <a:latin typeface="Arial"/>
+                <a:ea typeface="Arial"/>
+                <a:cs typeface="Arial"/>
+                <a:sym typeface="Arial"/>
+              </a:endParaRPr>
             </a:p>
             <a:p>
               <a:pPr/>
               <a:r>
-                <a:rPr>
-                  <a:latin typeface="+mn-lt"/>
-                  <a:ea typeface="+mn-ea"/>
-                  <a:cs typeface="+mn-cs"/>
-                  <a:sym typeface="Helvetica"/>
-                </a:rPr>
                 <a:t>正文：微软雅黑</a:t>
               </a:r>
+              <a:endParaRPr>
+                <a:latin typeface="Arial"/>
+                <a:ea typeface="Arial"/>
+                <a:cs typeface="Arial"/>
+                <a:sym typeface="Arial"/>
+              </a:endParaRPr>
             </a:p>
             <a:p>
               <a:pPr/>
               <a:r>
-                <a:rPr>
-                  <a:latin typeface="+mn-lt"/>
-                  <a:ea typeface="+mn-ea"/>
-                  <a:cs typeface="+mn-cs"/>
-                  <a:sym typeface="Helvetica"/>
-                </a:rPr>
                 <a:t>字号：</a:t>
               </a:r>
               <a:r>
+                <a:rPr>
+                  <a:latin typeface="Arial"/>
+                  <a:ea typeface="Arial"/>
+                  <a:cs typeface="Arial"/>
+                  <a:sym typeface="Arial"/>
+                </a:rPr>
                 <a:t>14-18-22</a:t>
               </a:r>
+              <a:endParaRPr>
+                <a:latin typeface="Arial"/>
+                <a:ea typeface="Arial"/>
+                <a:cs typeface="Arial"/>
+                <a:sym typeface="Arial"/>
+              </a:endParaRPr>
             </a:p>
             <a:p>
               <a:pPr/>
               <a:r>
-                <a:rPr>
-                  <a:latin typeface="+mn-lt"/>
-                  <a:ea typeface="+mn-ea"/>
-                  <a:cs typeface="+mn-cs"/>
-                  <a:sym typeface="Helvetica"/>
-                </a:rPr>
                 <a:t>行距：</a:t>
               </a:r>
               <a:r>
+                <a:rPr>
+                  <a:latin typeface="Arial"/>
+                  <a:ea typeface="Arial"/>
+                  <a:cs typeface="Arial"/>
+                  <a:sym typeface="Arial"/>
+                </a:rPr>
                 <a:t>1.2-1.3</a:t>
               </a:r>
             </a:p>
@@ -1205,7 +1201,7 @@
           <p:spPr>
             <a:xfrm>
               <a:off x="7390713" y="192432"/>
-              <a:ext cx="528096" cy="528095"/>
+              <a:ext cx="528098" cy="528097"/>
             </a:xfrm>
             <a:prstGeom prst="ellipse">
               <a:avLst/>
@@ -1220,7 +1216,7 @@
             <a:effectLst/>
           </p:spPr>
           <p:txBody>
-            <a:bodyPr wrap="square" lIns="45719" tIns="45719" rIns="45719" bIns="45719" numCol="1" anchor="ctr">
+            <a:bodyPr wrap="square" lIns="45718" tIns="45718" rIns="45718" bIns="45718" numCol="1" anchor="ctr">
               <a:noAutofit/>
             </a:bodyPr>
             <a:lstStyle/>
@@ -1230,6 +1226,10 @@
                   <a:solidFill>
                     <a:srgbClr val="FFFFFF"/>
                   </a:solidFill>
+                  <a:latin typeface="Arial"/>
+                  <a:ea typeface="Arial"/>
+                  <a:cs typeface="Arial"/>
+                  <a:sym typeface="Arial"/>
                 </a:defRPr>
               </a:pPr>
             </a:p>
@@ -1243,8 +1243,8 @@
           </p:nvSpPr>
           <p:spPr>
             <a:xfrm>
-              <a:off x="6914614" y="798571"/>
-              <a:ext cx="1490610" cy="688341"/>
+              <a:off x="6914615" y="798571"/>
+              <a:ext cx="1490611" cy="688339"/>
             </a:xfrm>
             <a:prstGeom prst="rect">
               <a:avLst/>
@@ -1262,7 +1262,7 @@
             </a:extLst>
           </p:spPr>
           <p:txBody>
-            <a:bodyPr wrap="square" lIns="45719" tIns="45719" rIns="45719" bIns="45719" numCol="1" anchor="t">
+            <a:bodyPr wrap="square" lIns="45718" tIns="45718" rIns="45718" bIns="45718" numCol="1" anchor="t">
               <a:spAutoFit/>
             </a:bodyPr>
             <a:lstStyle/>
@@ -1272,10 +1272,6 @@
                   <a:solidFill>
                     <a:schemeClr val="accent5"/>
                   </a:solidFill>
-                  <a:latin typeface="+mn-lt"/>
-                  <a:ea typeface="+mn-ea"/>
-                  <a:cs typeface="+mn-cs"/>
-                  <a:sym typeface="Helvetica"/>
                 </a:defRPr>
               </a:pPr>
               <a:r>
@@ -1288,10 +1284,6 @@
                   <a:solidFill>
                     <a:schemeClr val="accent5"/>
                   </a:solidFill>
-                  <a:latin typeface="+mn-lt"/>
-                  <a:ea typeface="+mn-ea"/>
-                  <a:cs typeface="+mn-cs"/>
-                  <a:sym typeface="Helvetica"/>
                 </a:defRPr>
               </a:pPr>
               <a:r>
@@ -1309,7 +1301,7 @@
           <p:spPr>
             <a:xfrm>
               <a:off x="8773831" y="192432"/>
-              <a:ext cx="528095" cy="528095"/>
+              <a:ext cx="528097" cy="528097"/>
             </a:xfrm>
             <a:prstGeom prst="ellipse">
               <a:avLst/>
@@ -1324,7 +1316,7 @@
             <a:effectLst/>
           </p:spPr>
           <p:txBody>
-            <a:bodyPr wrap="square" lIns="45719" tIns="45719" rIns="45719" bIns="45719" numCol="1" anchor="ctr">
+            <a:bodyPr wrap="square" lIns="45718" tIns="45718" rIns="45718" bIns="45718" numCol="1" anchor="ctr">
               <a:noAutofit/>
             </a:bodyPr>
             <a:lstStyle/>
@@ -1334,6 +1326,10 @@
                   <a:solidFill>
                     <a:srgbClr val="FFFFFF"/>
                   </a:solidFill>
+                  <a:latin typeface="Arial"/>
+                  <a:ea typeface="Arial"/>
+                  <a:cs typeface="Arial"/>
+                  <a:sym typeface="Arial"/>
                 </a:defRPr>
               </a:pPr>
             </a:p>
@@ -1348,7 +1344,7 @@
           <p:spPr>
             <a:xfrm>
               <a:off x="8310122" y="798571"/>
-              <a:ext cx="1490611" cy="688341"/>
+              <a:ext cx="1490613" cy="688339"/>
             </a:xfrm>
             <a:prstGeom prst="rect">
               <a:avLst/>
@@ -1366,7 +1362,7 @@
             </a:extLst>
           </p:spPr>
           <p:txBody>
-            <a:bodyPr wrap="square" lIns="45719" tIns="45719" rIns="45719" bIns="45719" numCol="1" anchor="t">
+            <a:bodyPr wrap="square" lIns="45718" tIns="45718" rIns="45718" bIns="45718" numCol="1" anchor="t">
               <a:spAutoFit/>
             </a:bodyPr>
             <a:lstStyle/>
@@ -1376,10 +1372,6 @@
                   <a:solidFill>
                     <a:schemeClr val="accent6"/>
                   </a:solidFill>
-                  <a:latin typeface="+mn-lt"/>
-                  <a:ea typeface="+mn-ea"/>
-                  <a:cs typeface="+mn-cs"/>
-                  <a:sym typeface="Helvetica"/>
                 </a:defRPr>
               </a:pPr>
               <a:r>
@@ -1392,10 +1384,6 @@
                   <a:solidFill>
                     <a:schemeClr val="accent6"/>
                   </a:solidFill>
-                  <a:latin typeface="+mn-lt"/>
-                  <a:ea typeface="+mn-ea"/>
-                  <a:cs typeface="+mn-cs"/>
-                  <a:sym typeface="Helvetica"/>
                 </a:defRPr>
               </a:pPr>
               <a:r>
@@ -1417,15 +1405,15 @@
           <a:blip r:embed="rId2">
             <a:extLst/>
           </a:blip>
-          <a:srcRect l="0" t="0" r="7637" b="5465"/>
+          <a:srcRect l="0" t="0" r="7636" b="5465"/>
           <a:stretch>
             <a:fillRect/>
           </a:stretch>
         </p:blipFill>
         <p:spPr>
           <a:xfrm>
-            <a:off x="5710892" y="109173"/>
-            <a:ext cx="6481108" cy="6748829"/>
+            <a:off x="5710892" y="109172"/>
+            <a:ext cx="6481108" cy="6748831"/>
           </a:xfrm>
           <a:prstGeom prst="rect">
             <a:avLst/>
@@ -1454,7 +1442,7 @@
         <p:spPr>
           <a:xfrm>
             <a:off x="809654" y="4401701"/>
-            <a:ext cx="664523" cy="54870"/>
+            <a:ext cx="664524" cy="54871"/>
           </a:xfrm>
           <a:prstGeom prst="rect">
             <a:avLst/>
@@ -1482,8 +1470,8 @@
         </p:blipFill>
         <p:spPr>
           <a:xfrm>
-            <a:off x="797799" y="5363800"/>
-            <a:ext cx="5511264" cy="1426589"/>
+            <a:off x="797798" y="5363800"/>
+            <a:ext cx="5511265" cy="1426590"/>
           </a:xfrm>
           <a:prstGeom prst="rect">
             <a:avLst/>
@@ -1511,8 +1499,8 @@
         </p:blipFill>
         <p:spPr>
           <a:xfrm>
-            <a:off x="8784807" y="495784"/>
-            <a:ext cx="3017784" cy="347503"/>
+            <a:off x="8784807" y="495783"/>
+            <a:ext cx="3017785" cy="347504"/>
           </a:xfrm>
           <a:prstGeom prst="rect">
             <a:avLst/>
@@ -1533,7 +1521,7 @@
         <p:spPr>
           <a:xfrm>
             <a:off x="690108" y="1071138"/>
-            <a:ext cx="9023236" cy="1429298"/>
+            <a:ext cx="9023237" cy="1429299"/>
           </a:xfrm>
           <a:prstGeom prst="rect">
             <a:avLst/>
@@ -1569,7 +1557,7 @@
         <p:spPr>
           <a:xfrm>
             <a:off x="724614" y="2757607"/>
-            <a:ext cx="5369913" cy="484099"/>
+            <a:ext cx="5369913" cy="484100"/>
           </a:xfrm>
           <a:prstGeom prst="rect">
             <a:avLst/>
@@ -1616,7 +1604,7 @@
                 <a:sym typeface="Arial"/>
               </a:defRPr>
             </a:lvl2pPr>
-            <a:lvl3pPr marL="1234439" indent="-320039">
+            <a:lvl3pPr marL="1234438" indent="-320038">
               <a:lnSpc>
                 <a:spcPct val="90000"/>
               </a:lnSpc>
@@ -1717,8 +1705,8 @@
         </p:nvSpPr>
         <p:spPr>
           <a:xfrm>
-            <a:off x="5892800" y="6172200"/>
-            <a:ext cx="2844800" cy="368301"/>
+            <a:off x="8463946" y="6224224"/>
+            <a:ext cx="273654" cy="264253"/>
           </a:xfrm>
           <a:prstGeom prst="rect">
             <a:avLst/>
@@ -1776,10 +1764,10 @@
         </p:nvGrpSpPr>
         <p:grpSpPr>
           <a:xfrm>
-            <a:off x="0" y="-1685365"/>
-            <a:ext cx="12218114" cy="1752097"/>
+            <a:off x="0" y="-1685366"/>
+            <a:ext cx="12218115" cy="1752096"/>
             <a:chOff x="0" y="0"/>
-            <a:chExt cx="12218113" cy="1752096"/>
+            <a:chExt cx="12218114" cy="1752094"/>
           </a:xfrm>
         </p:grpSpPr>
         <p:sp>
@@ -1790,8 +1778,8 @@
           </p:nvSpPr>
           <p:spPr>
             <a:xfrm>
-              <a:off x="0" y="0"/>
-              <a:ext cx="12192000" cy="1582225"/>
+              <a:off x="0" y="-1"/>
+              <a:ext cx="12192002" cy="1582226"/>
             </a:xfrm>
             <a:prstGeom prst="rect">
               <a:avLst/>
@@ -1806,7 +1794,7 @@
             <a:effectLst/>
           </p:spPr>
           <p:txBody>
-            <a:bodyPr wrap="square" lIns="45719" tIns="45719" rIns="45719" bIns="45719" numCol="1" anchor="ctr">
+            <a:bodyPr wrap="square" lIns="45718" tIns="45718" rIns="45718" bIns="45718" numCol="1" anchor="ctr">
               <a:noAutofit/>
             </a:bodyPr>
             <a:lstStyle/>
@@ -1816,6 +1804,10 @@
                   <a:solidFill>
                     <a:srgbClr val="FFFFFF"/>
                   </a:solidFill>
+                  <a:latin typeface="Arial"/>
+                  <a:ea typeface="Arial"/>
+                  <a:cs typeface="Arial"/>
+                  <a:sym typeface="Arial"/>
                 </a:defRPr>
               </a:pPr>
             </a:p>
@@ -1829,8 +1821,8 @@
           </p:nvSpPr>
           <p:spPr>
             <a:xfrm>
-              <a:off x="410960" y="192432"/>
-              <a:ext cx="528095" cy="528095"/>
+              <a:off x="410959" y="192432"/>
+              <a:ext cx="528097" cy="528097"/>
             </a:xfrm>
             <a:prstGeom prst="ellipse">
               <a:avLst/>
@@ -1845,7 +1837,7 @@
             <a:effectLst/>
           </p:spPr>
           <p:txBody>
-            <a:bodyPr wrap="square" lIns="45719" tIns="45719" rIns="45719" bIns="45719" numCol="1" anchor="ctr">
+            <a:bodyPr wrap="square" lIns="45718" tIns="45718" rIns="45718" bIns="45718" numCol="1" anchor="ctr">
               <a:noAutofit/>
             </a:bodyPr>
             <a:lstStyle/>
@@ -1855,6 +1847,10 @@
                   <a:solidFill>
                     <a:srgbClr val="0B5395"/>
                   </a:solidFill>
+                  <a:latin typeface="Arial"/>
+                  <a:ea typeface="Arial"/>
+                  <a:cs typeface="Arial"/>
+                  <a:sym typeface="Arial"/>
                 </a:defRPr>
               </a:pPr>
             </a:p>
@@ -1869,7 +1865,7 @@
           <p:spPr>
             <a:xfrm>
               <a:off x="1778035" y="192432"/>
-              <a:ext cx="528095" cy="528095"/>
+              <a:ext cx="528097" cy="528097"/>
             </a:xfrm>
             <a:prstGeom prst="ellipse">
               <a:avLst/>
@@ -1884,7 +1880,7 @@
             <a:effectLst/>
           </p:spPr>
           <p:txBody>
-            <a:bodyPr wrap="square" lIns="45719" tIns="45719" rIns="45719" bIns="45719" numCol="1" anchor="ctr">
+            <a:bodyPr wrap="square" lIns="45718" tIns="45718" rIns="45718" bIns="45718" numCol="1" anchor="ctr">
               <a:noAutofit/>
             </a:bodyPr>
             <a:lstStyle/>
@@ -1894,6 +1890,10 @@
                   <a:solidFill>
                     <a:srgbClr val="FFFFFF"/>
                   </a:solidFill>
+                  <a:latin typeface="Arial"/>
+                  <a:ea typeface="Arial"/>
+                  <a:cs typeface="Arial"/>
+                  <a:sym typeface="Arial"/>
                 </a:defRPr>
               </a:pPr>
             </a:p>
@@ -1908,7 +1908,7 @@
           <p:spPr>
             <a:xfrm>
               <a:off x="3145110" y="192432"/>
-              <a:ext cx="528095" cy="528095"/>
+              <a:ext cx="528097" cy="528097"/>
             </a:xfrm>
             <a:prstGeom prst="ellipse">
               <a:avLst/>
@@ -1923,7 +1923,7 @@
             <a:effectLst/>
           </p:spPr>
           <p:txBody>
-            <a:bodyPr wrap="square" lIns="45719" tIns="45719" rIns="45719" bIns="45719" numCol="1" anchor="ctr">
+            <a:bodyPr wrap="square" lIns="45718" tIns="45718" rIns="45718" bIns="45718" numCol="1" anchor="ctr">
               <a:noAutofit/>
             </a:bodyPr>
             <a:lstStyle/>
@@ -1933,6 +1933,10 @@
                   <a:solidFill>
                     <a:srgbClr val="FFFFFF"/>
                   </a:solidFill>
+                  <a:latin typeface="Arial"/>
+                  <a:ea typeface="Arial"/>
+                  <a:cs typeface="Arial"/>
+                  <a:sym typeface="Arial"/>
                 </a:defRPr>
               </a:pPr>
             </a:p>
@@ -1946,8 +1950,8 @@
           </p:nvSpPr>
           <p:spPr>
             <a:xfrm>
-              <a:off x="18580" y="798571"/>
-              <a:ext cx="1352352" cy="688341"/>
+              <a:off x="18579" y="798571"/>
+              <a:ext cx="1352353" cy="688339"/>
             </a:xfrm>
             <a:prstGeom prst="rect">
               <a:avLst/>
@@ -1965,7 +1969,7 @@
             </a:extLst>
           </p:spPr>
           <p:txBody>
-            <a:bodyPr wrap="square" lIns="45719" tIns="45719" rIns="45719" bIns="45719" numCol="1" anchor="t">
+            <a:bodyPr wrap="square" lIns="45718" tIns="45718" rIns="45718" bIns="45718" numCol="1" anchor="t">
               <a:spAutoFit/>
             </a:bodyPr>
             <a:lstStyle/>
@@ -1975,10 +1979,6 @@
                   <a:solidFill>
                     <a:srgbClr val="043B90"/>
                   </a:solidFill>
-                  <a:latin typeface="+mn-lt"/>
-                  <a:ea typeface="+mn-ea"/>
-                  <a:cs typeface="+mn-cs"/>
-                  <a:sym typeface="Helvetica"/>
                 </a:defRPr>
               </a:pPr>
               <a:r>
@@ -1991,10 +1991,6 @@
                   <a:solidFill>
                     <a:srgbClr val="043B90"/>
                   </a:solidFill>
-                  <a:latin typeface="+mn-lt"/>
-                  <a:ea typeface="+mn-ea"/>
-                  <a:cs typeface="+mn-cs"/>
-                  <a:sym typeface="Helvetica"/>
                 </a:defRPr>
               </a:pPr>
               <a:r>
@@ -2011,8 +2007,8 @@
           </p:nvSpPr>
           <p:spPr>
             <a:xfrm>
-              <a:off x="1341516" y="798571"/>
-              <a:ext cx="1421467" cy="688341"/>
+              <a:off x="1341515" y="798571"/>
+              <a:ext cx="1421468" cy="688339"/>
             </a:xfrm>
             <a:prstGeom prst="rect">
               <a:avLst/>
@@ -2030,7 +2026,7 @@
             </a:extLst>
           </p:spPr>
           <p:txBody>
-            <a:bodyPr wrap="square" lIns="45719" tIns="45719" rIns="45719" bIns="45719" numCol="1" anchor="t">
+            <a:bodyPr wrap="square" lIns="45718" tIns="45718" rIns="45718" bIns="45718" numCol="1" anchor="t">
               <a:spAutoFit/>
             </a:bodyPr>
             <a:lstStyle/>
@@ -2040,10 +2036,6 @@
                   <a:solidFill>
                     <a:schemeClr val="accent1"/>
                   </a:solidFill>
-                  <a:latin typeface="+mn-lt"/>
-                  <a:ea typeface="+mn-ea"/>
-                  <a:cs typeface="+mn-cs"/>
-                  <a:sym typeface="Helvetica"/>
                 </a:defRPr>
               </a:pPr>
               <a:r>
@@ -2056,10 +2048,6 @@
                   <a:solidFill>
                     <a:schemeClr val="accent1"/>
                   </a:solidFill>
-                  <a:latin typeface="+mn-lt"/>
-                  <a:ea typeface="+mn-ea"/>
-                  <a:cs typeface="+mn-cs"/>
-                  <a:sym typeface="Helvetica"/>
                 </a:defRPr>
               </a:pPr>
               <a:r>
@@ -2077,7 +2065,7 @@
           <p:spPr>
             <a:xfrm>
               <a:off x="2623213" y="798571"/>
-              <a:ext cx="1610275" cy="688341"/>
+              <a:ext cx="1610276" cy="688339"/>
             </a:xfrm>
             <a:prstGeom prst="rect">
               <a:avLst/>
@@ -2095,7 +2083,7 @@
             </a:extLst>
           </p:spPr>
           <p:txBody>
-            <a:bodyPr wrap="square" lIns="45719" tIns="45719" rIns="45719" bIns="45719" numCol="1" anchor="t">
+            <a:bodyPr wrap="square" lIns="45718" tIns="45718" rIns="45718" bIns="45718" numCol="1" anchor="t">
               <a:spAutoFit/>
             </a:bodyPr>
             <a:lstStyle/>
@@ -2105,10 +2093,6 @@
                   <a:solidFill>
                     <a:schemeClr val="accent2"/>
                   </a:solidFill>
-                  <a:latin typeface="+mn-lt"/>
-                  <a:ea typeface="+mn-ea"/>
-                  <a:cs typeface="+mn-cs"/>
-                  <a:sym typeface="Helvetica"/>
                 </a:defRPr>
               </a:pPr>
               <a:r>
@@ -2121,10 +2105,6 @@
                   <a:solidFill>
                     <a:schemeClr val="accent2"/>
                   </a:solidFill>
-                  <a:latin typeface="+mn-lt"/>
-                  <a:ea typeface="+mn-ea"/>
-                  <a:cs typeface="+mn-cs"/>
-                  <a:sym typeface="Helvetica"/>
                 </a:defRPr>
               </a:pPr>
               <a:r>
@@ -2142,7 +2122,7 @@
           <p:spPr>
             <a:xfrm>
               <a:off x="5879260" y="192432"/>
-              <a:ext cx="528095" cy="528095"/>
+              <a:ext cx="528097" cy="528097"/>
             </a:xfrm>
             <a:prstGeom prst="ellipse">
               <a:avLst/>
@@ -2157,7 +2137,7 @@
             <a:effectLst/>
           </p:spPr>
           <p:txBody>
-            <a:bodyPr wrap="square" lIns="45719" tIns="45719" rIns="45719" bIns="45719" numCol="1" anchor="ctr">
+            <a:bodyPr wrap="square" lIns="45718" tIns="45718" rIns="45718" bIns="45718" numCol="1" anchor="ctr">
               <a:noAutofit/>
             </a:bodyPr>
             <a:lstStyle/>
@@ -2167,6 +2147,10 @@
                   <a:solidFill>
                     <a:srgbClr val="FFFFFF"/>
                   </a:solidFill>
+                  <a:latin typeface="Arial"/>
+                  <a:ea typeface="Arial"/>
+                  <a:cs typeface="Arial"/>
+                  <a:sym typeface="Arial"/>
                 </a:defRPr>
               </a:pPr>
             </a:p>
@@ -2181,7 +2165,7 @@
           <p:spPr>
             <a:xfrm>
               <a:off x="5390770" y="798571"/>
-              <a:ext cx="1490610" cy="688341"/>
+              <a:ext cx="1490611" cy="688339"/>
             </a:xfrm>
             <a:prstGeom prst="rect">
               <a:avLst/>
@@ -2199,7 +2183,7 @@
             </a:extLst>
           </p:spPr>
           <p:txBody>
-            <a:bodyPr wrap="square" lIns="45719" tIns="45719" rIns="45719" bIns="45719" numCol="1" anchor="t">
+            <a:bodyPr wrap="square" lIns="45718" tIns="45718" rIns="45718" bIns="45718" numCol="1" anchor="t">
               <a:spAutoFit/>
             </a:bodyPr>
             <a:lstStyle/>
@@ -2209,10 +2193,6 @@
                   <a:solidFill>
                     <a:schemeClr val="accent4"/>
                   </a:solidFill>
-                  <a:latin typeface="+mn-lt"/>
-                  <a:ea typeface="+mn-ea"/>
-                  <a:cs typeface="+mn-cs"/>
-                  <a:sym typeface="Helvetica"/>
                 </a:defRPr>
               </a:pPr>
               <a:r>
@@ -2225,10 +2205,6 @@
                   <a:solidFill>
                     <a:schemeClr val="accent4"/>
                   </a:solidFill>
-                  <a:latin typeface="+mn-lt"/>
-                  <a:ea typeface="+mn-ea"/>
-                  <a:cs typeface="+mn-cs"/>
-                  <a:sym typeface="Helvetica"/>
                 </a:defRPr>
               </a:pPr>
               <a:r>
@@ -2246,7 +2222,7 @@
           <p:spPr>
             <a:xfrm>
               <a:off x="4512185" y="192432"/>
-              <a:ext cx="528095" cy="528095"/>
+              <a:ext cx="528097" cy="528097"/>
             </a:xfrm>
             <a:prstGeom prst="ellipse">
               <a:avLst/>
@@ -2261,7 +2237,7 @@
             <a:effectLst/>
           </p:spPr>
           <p:txBody>
-            <a:bodyPr wrap="square" lIns="45719" tIns="45719" rIns="45719" bIns="45719" numCol="1" anchor="ctr">
+            <a:bodyPr wrap="square" lIns="45718" tIns="45718" rIns="45718" bIns="45718" numCol="1" anchor="ctr">
               <a:noAutofit/>
             </a:bodyPr>
             <a:lstStyle/>
@@ -2271,6 +2247,10 @@
                   <a:solidFill>
                     <a:srgbClr val="FFFFFF"/>
                   </a:solidFill>
+                  <a:latin typeface="Arial"/>
+                  <a:ea typeface="Arial"/>
+                  <a:cs typeface="Arial"/>
+                  <a:sym typeface="Arial"/>
                 </a:defRPr>
               </a:pPr>
             </a:p>
@@ -2285,7 +2265,7 @@
           <p:spPr>
             <a:xfrm>
               <a:off x="3945883" y="798571"/>
-              <a:ext cx="1684367" cy="688341"/>
+              <a:ext cx="1684368" cy="688339"/>
             </a:xfrm>
             <a:prstGeom prst="rect">
               <a:avLst/>
@@ -2303,7 +2283,7 @@
             </a:extLst>
           </p:spPr>
           <p:txBody>
-            <a:bodyPr wrap="square" lIns="45719" tIns="45719" rIns="45719" bIns="45719" numCol="1" anchor="t">
+            <a:bodyPr wrap="square" lIns="45718" tIns="45718" rIns="45718" bIns="45718" numCol="1" anchor="t">
               <a:spAutoFit/>
             </a:bodyPr>
             <a:lstStyle/>
@@ -2313,10 +2293,6 @@
                   <a:solidFill>
                     <a:schemeClr val="accent3"/>
                   </a:solidFill>
-                  <a:latin typeface="+mn-lt"/>
-                  <a:ea typeface="+mn-ea"/>
-                  <a:cs typeface="+mn-cs"/>
-                  <a:sym typeface="Helvetica"/>
                 </a:defRPr>
               </a:pPr>
               <a:r>
@@ -2329,10 +2305,6 @@
                   <a:solidFill>
                     <a:schemeClr val="accent3"/>
                   </a:solidFill>
-                  <a:latin typeface="+mn-lt"/>
-                  <a:ea typeface="+mn-ea"/>
-                  <a:cs typeface="+mn-cs"/>
-                  <a:sym typeface="Helvetica"/>
                 </a:defRPr>
               </a:pPr>
               <a:r>
@@ -2350,7 +2322,7 @@
           <p:spPr>
             <a:xfrm>
               <a:off x="9566354" y="20193"/>
-              <a:ext cx="2651760" cy="1731904"/>
+              <a:ext cx="2651761" cy="1731902"/>
             </a:xfrm>
             <a:prstGeom prst="rect">
               <a:avLst/>
@@ -2368,7 +2340,7 @@
             </a:extLst>
           </p:spPr>
           <p:txBody>
-            <a:bodyPr wrap="square" lIns="45719" tIns="45719" rIns="45719" bIns="45719" numCol="1" anchor="t">
+            <a:bodyPr wrap="square" lIns="45718" tIns="45718" rIns="45718" bIns="45718" numCol="1" anchor="t">
               <a:spAutoFit/>
             </a:bodyPr>
             <a:lstStyle/>
@@ -2380,14 +2352,14 @@
                 <a:defRPr sz="1600"/>
               </a:pPr>
               <a:r>
-                <a:rPr>
-                  <a:latin typeface="+mn-lt"/>
-                  <a:ea typeface="+mn-ea"/>
-                  <a:cs typeface="+mn-cs"/>
-                  <a:sym typeface="Helvetica"/>
-                </a:rPr>
                 <a:t>标题正文：微软雅黑</a:t>
               </a:r>
+              <a:endParaRPr>
+                <a:latin typeface="Arial"/>
+                <a:ea typeface="Arial"/>
+                <a:cs typeface="Arial"/>
+                <a:sym typeface="Arial"/>
+              </a:endParaRPr>
             </a:p>
             <a:p>
               <a:pPr>
@@ -2397,36 +2369,47 @@
                 <a:defRPr sz="1600"/>
               </a:pPr>
               <a:r>
-                <a:rPr>
-                  <a:latin typeface="+mn-lt"/>
-                  <a:ea typeface="+mn-ea"/>
-                  <a:cs typeface="+mn-cs"/>
-                  <a:sym typeface="Helvetica"/>
-                </a:rPr>
                 <a:t>封面字号：</a:t>
               </a:r>
               <a:r>
+                <a:rPr>
+                  <a:latin typeface="Arial"/>
+                  <a:ea typeface="Arial"/>
+                  <a:cs typeface="Arial"/>
+                  <a:sym typeface="Arial"/>
+                </a:rPr>
                 <a:t>18-28 (</a:t>
               </a:r>
               <a:r>
-                <a:rPr>
-                  <a:latin typeface="+mn-lt"/>
-                  <a:ea typeface="+mn-ea"/>
-                  <a:cs typeface="+mn-cs"/>
-                  <a:sym typeface="Helvetica"/>
-                </a:rPr>
                 <a:t>小字</a:t>
               </a:r>
               <a:r>
+                <a:rPr>
+                  <a:latin typeface="Arial"/>
+                  <a:ea typeface="Arial"/>
+                  <a:cs typeface="Arial"/>
+                  <a:sym typeface="Arial"/>
+                </a:rPr>
                 <a:t>)      </a:t>
               </a:r>
+              <a:endParaRPr>
+                <a:latin typeface="Arial"/>
+                <a:ea typeface="Arial"/>
+                <a:cs typeface="Arial"/>
+                <a:sym typeface="Arial"/>
+              </a:endParaRPr>
             </a:p>
             <a:p>
               <a:pPr>
                 <a:lnSpc>
                   <a:spcPct val="120000"/>
                 </a:lnSpc>
-                <a:defRPr sz="1600"/>
+                <a:defRPr sz="1600">
+                  <a:latin typeface="Arial"/>
+                  <a:ea typeface="Arial"/>
+                  <a:cs typeface="Arial"/>
+                  <a:sym typeface="Arial"/>
+                </a:defRPr>
               </a:pPr>
               <a:r>
                 <a:t>                  48/43 (</a:t>
@@ -2452,29 +2435,35 @@
                 <a:defRPr sz="1600"/>
               </a:pPr>
               <a:r>
-                <a:rPr>
-                  <a:latin typeface="+mn-lt"/>
-                  <a:ea typeface="+mn-ea"/>
-                  <a:cs typeface="+mn-cs"/>
-                  <a:sym typeface="Helvetica"/>
-                </a:rPr>
                 <a:t>内页字号：</a:t>
               </a:r>
               <a:r>
+                <a:rPr>
+                  <a:latin typeface="Arial"/>
+                  <a:ea typeface="Arial"/>
+                  <a:cs typeface="Arial"/>
+                  <a:sym typeface="Arial"/>
+                </a:rPr>
                 <a:t>18-22-28 (</a:t>
               </a:r>
               <a:r>
-                <a:rPr>
-                  <a:latin typeface="+mn-lt"/>
-                  <a:ea typeface="+mn-ea"/>
-                  <a:cs typeface="+mn-cs"/>
-                  <a:sym typeface="Helvetica"/>
-                </a:rPr>
                 <a:t>标题</a:t>
               </a:r>
               <a:r>
+                <a:rPr>
+                  <a:latin typeface="Arial"/>
+                  <a:ea typeface="Arial"/>
+                  <a:cs typeface="Arial"/>
+                  <a:sym typeface="Arial"/>
+                </a:rPr>
                 <a:t>)</a:t>
               </a:r>
+              <a:endParaRPr>
+                <a:latin typeface="Arial"/>
+                <a:ea typeface="Arial"/>
+                <a:cs typeface="Arial"/>
+                <a:sym typeface="Arial"/>
+              </a:endParaRPr>
             </a:p>
             <a:p>
               <a:pPr>
@@ -2484,15 +2473,15 @@
                 <a:defRPr sz="1600"/>
               </a:pPr>
               <a:r>
-                <a:rPr>
-                  <a:latin typeface="+mn-lt"/>
-                  <a:ea typeface="+mn-ea"/>
-                  <a:cs typeface="+mn-cs"/>
-                  <a:sym typeface="Helvetica"/>
-                </a:rPr>
                 <a:t>内页行距：</a:t>
               </a:r>
               <a:r>
+                <a:rPr>
+                  <a:latin typeface="Arial"/>
+                  <a:ea typeface="Arial"/>
+                  <a:cs typeface="Arial"/>
+                  <a:sym typeface="Arial"/>
+                </a:rPr>
                 <a:t>1.2-1.3-1.5</a:t>
               </a:r>
             </a:p>
@@ -2507,7 +2496,7 @@
           <p:spPr>
             <a:xfrm>
               <a:off x="7246335" y="192432"/>
-              <a:ext cx="528096" cy="528095"/>
+              <a:ext cx="528097" cy="528097"/>
             </a:xfrm>
             <a:prstGeom prst="ellipse">
               <a:avLst/>
@@ -2522,7 +2511,7 @@
             <a:effectLst/>
           </p:spPr>
           <p:txBody>
-            <a:bodyPr wrap="square" lIns="45719" tIns="45719" rIns="45719" bIns="45719" numCol="1" anchor="ctr">
+            <a:bodyPr wrap="square" lIns="45718" tIns="45718" rIns="45718" bIns="45718" numCol="1" anchor="ctr">
               <a:noAutofit/>
             </a:bodyPr>
             <a:lstStyle/>
@@ -2532,6 +2521,10 @@
                   <a:solidFill>
                     <a:srgbClr val="FFFFFF"/>
                   </a:solidFill>
+                  <a:latin typeface="Arial"/>
+                  <a:ea typeface="Arial"/>
+                  <a:cs typeface="Arial"/>
+                  <a:sym typeface="Arial"/>
                 </a:defRPr>
               </a:pPr>
             </a:p>
@@ -2546,7 +2539,7 @@
           <p:spPr>
             <a:xfrm>
               <a:off x="6770236" y="798571"/>
-              <a:ext cx="1490610" cy="688341"/>
+              <a:ext cx="1490611" cy="688339"/>
             </a:xfrm>
             <a:prstGeom prst="rect">
               <a:avLst/>
@@ -2564,7 +2557,7 @@
             </a:extLst>
           </p:spPr>
           <p:txBody>
-            <a:bodyPr wrap="square" lIns="45719" tIns="45719" rIns="45719" bIns="45719" numCol="1" anchor="t">
+            <a:bodyPr wrap="square" lIns="45718" tIns="45718" rIns="45718" bIns="45718" numCol="1" anchor="t">
               <a:spAutoFit/>
             </a:bodyPr>
             <a:lstStyle/>
@@ -2574,10 +2567,6 @@
                   <a:solidFill>
                     <a:schemeClr val="accent5"/>
                   </a:solidFill>
-                  <a:latin typeface="+mn-lt"/>
-                  <a:ea typeface="+mn-ea"/>
-                  <a:cs typeface="+mn-cs"/>
-                  <a:sym typeface="Helvetica"/>
                 </a:defRPr>
               </a:pPr>
               <a:r>
@@ -2590,10 +2579,6 @@
                   <a:solidFill>
                     <a:schemeClr val="accent5"/>
                   </a:solidFill>
-                  <a:latin typeface="+mn-lt"/>
-                  <a:ea typeface="+mn-ea"/>
-                  <a:cs typeface="+mn-cs"/>
-                  <a:sym typeface="Helvetica"/>
                 </a:defRPr>
               </a:pPr>
               <a:r>
@@ -2610,8 +2595,8 @@
           </p:nvSpPr>
           <p:spPr>
             <a:xfrm>
-              <a:off x="8613412" y="192432"/>
-              <a:ext cx="528095" cy="528095"/>
+              <a:off x="8613413" y="192432"/>
+              <a:ext cx="528096" cy="528097"/>
             </a:xfrm>
             <a:prstGeom prst="ellipse">
               <a:avLst/>
@@ -2626,7 +2611,7 @@
             <a:effectLst/>
           </p:spPr>
           <p:txBody>
-            <a:bodyPr wrap="square" lIns="45719" tIns="45719" rIns="45719" bIns="45719" numCol="1" anchor="ctr">
+            <a:bodyPr wrap="square" lIns="45718" tIns="45718" rIns="45718" bIns="45718" numCol="1" anchor="ctr">
               <a:noAutofit/>
             </a:bodyPr>
             <a:lstStyle/>
@@ -2636,6 +2621,10 @@
                   <a:solidFill>
                     <a:srgbClr val="FFFFFF"/>
                   </a:solidFill>
+                  <a:latin typeface="Arial"/>
+                  <a:ea typeface="Arial"/>
+                  <a:cs typeface="Arial"/>
+                  <a:sym typeface="Arial"/>
                 </a:defRPr>
               </a:pPr>
             </a:p>
@@ -2650,7 +2639,7 @@
           <p:spPr>
             <a:xfrm>
               <a:off x="8133660" y="798571"/>
-              <a:ext cx="1490610" cy="688341"/>
+              <a:ext cx="1490611" cy="688339"/>
             </a:xfrm>
             <a:prstGeom prst="rect">
               <a:avLst/>
@@ -2668,7 +2657,7 @@
             </a:extLst>
           </p:spPr>
           <p:txBody>
-            <a:bodyPr wrap="square" lIns="45719" tIns="45719" rIns="45719" bIns="45719" numCol="1" anchor="t">
+            <a:bodyPr wrap="square" lIns="45718" tIns="45718" rIns="45718" bIns="45718" numCol="1" anchor="t">
               <a:spAutoFit/>
             </a:bodyPr>
             <a:lstStyle/>
@@ -2678,10 +2667,6 @@
                   <a:solidFill>
                     <a:schemeClr val="accent6"/>
                   </a:solidFill>
-                  <a:latin typeface="+mn-lt"/>
-                  <a:ea typeface="+mn-ea"/>
-                  <a:cs typeface="+mn-cs"/>
-                  <a:sym typeface="Helvetica"/>
                 </a:defRPr>
               </a:pPr>
               <a:r>
@@ -2694,10 +2679,6 @@
                   <a:solidFill>
                     <a:schemeClr val="accent6"/>
                   </a:solidFill>
-                  <a:latin typeface="+mn-lt"/>
-                  <a:ea typeface="+mn-ea"/>
-                  <a:cs typeface="+mn-cs"/>
-                  <a:sym typeface="Helvetica"/>
                 </a:defRPr>
               </a:pPr>
               <a:r>
@@ -2717,8 +2698,8 @@
         </p:nvSpPr>
         <p:spPr>
           <a:xfrm>
-            <a:off x="5606270" y="2747000"/>
-            <a:ext cx="5677077" cy="3323165"/>
+            <a:off x="5606269" y="2746999"/>
+            <a:ext cx="5677078" cy="3323166"/>
           </a:xfrm>
           <a:prstGeom prst="rect">
             <a:avLst/>
@@ -2867,7 +2848,7 @@
         <p:spPr>
           <a:xfrm rot="16200000">
             <a:off x="-1023200" y="1023201"/>
-            <a:ext cx="6866413" cy="4820013"/>
+            <a:ext cx="6866413" cy="4820014"/>
           </a:xfrm>
           <a:prstGeom prst="rect">
             <a:avLst/>
@@ -2892,7 +2873,7 @@
           </a:ln>
         </p:spPr>
         <p:txBody>
-          <a:bodyPr lIns="45719" rIns="45719" anchor="ctr"/>
+          <a:bodyPr lIns="45718" tIns="45718" rIns="45718" bIns="45718" anchor="ctr"/>
           <a:lstStyle/>
           <a:p>
             <a:pPr algn="ctr" defTabSz="914400">
@@ -2900,10 +2881,6 @@
                 <a:solidFill>
                   <a:srgbClr val="FFFFFF"/>
                 </a:solidFill>
-                <a:latin typeface="+mn-lt"/>
-                <a:ea typeface="+mn-ea"/>
-                <a:cs typeface="+mn-cs"/>
-                <a:sym typeface="Helvetica"/>
               </a:defRPr>
             </a:pPr>
           </a:p>
@@ -2918,7 +2895,7 @@
         <p:spPr>
           <a:xfrm>
             <a:off x="5656667" y="1261232"/>
-            <a:ext cx="2555966" cy="726441"/>
+            <a:ext cx="2555967" cy="726439"/>
           </a:xfrm>
           <a:prstGeom prst="rect">
             <a:avLst/>
@@ -2933,7 +2910,7 @@
           </a:extLst>
         </p:spPr>
         <p:txBody>
-          <a:bodyPr lIns="45719" rIns="45719">
+          <a:bodyPr lIns="45718" tIns="45718" rIns="45718" bIns="45718">
             <a:spAutoFit/>
           </a:bodyPr>
           <a:lstStyle>
@@ -2942,10 +2919,6 @@
                 <a:solidFill>
                   <a:srgbClr val="404040"/>
                 </a:solidFill>
-                <a:latin typeface="+mn-lt"/>
-                <a:ea typeface="+mn-ea"/>
-                <a:cs typeface="+mn-cs"/>
-                <a:sym typeface="Helvetica"/>
               </a:defRPr>
             </a:lvl1pPr>
           </a:lstStyle>
@@ -2966,7 +2939,7 @@
         <p:spPr>
           <a:xfrm>
             <a:off x="5656667" y="1838544"/>
-            <a:ext cx="2346961" cy="375232"/>
+            <a:ext cx="2346962" cy="375230"/>
           </a:xfrm>
           <a:prstGeom prst="rect">
             <a:avLst/>
@@ -2981,7 +2954,7 @@
           </a:extLst>
         </p:spPr>
         <p:txBody>
-          <a:bodyPr lIns="45719" rIns="45719">
+          <a:bodyPr lIns="45718" tIns="45718" rIns="45718" bIns="45718">
             <a:spAutoFit/>
           </a:bodyPr>
           <a:lstStyle>
@@ -2990,6 +2963,10 @@
                 <a:solidFill>
                   <a:srgbClr val="404040"/>
                 </a:solidFill>
+                <a:latin typeface="Arial"/>
+                <a:ea typeface="Arial"/>
+                <a:cs typeface="Arial"/>
+                <a:sym typeface="Arial"/>
               </a:defRPr>
             </a:lvl1pPr>
           </a:lstStyle>
@@ -3020,7 +2997,7 @@
         <p:spPr>
           <a:xfrm>
             <a:off x="619014" y="5645961"/>
-            <a:ext cx="1853346" cy="664523"/>
+            <a:ext cx="1853346" cy="664524"/>
           </a:xfrm>
           <a:prstGeom prst="rect">
             <a:avLst/>
@@ -3039,7 +3016,7 @@
         <p:spPr>
           <a:xfrm>
             <a:off x="5705378" y="2415819"/>
-            <a:ext cx="1657351" cy="1"/>
+            <a:ext cx="1657352" cy="2"/>
           </a:xfrm>
           <a:prstGeom prst="line">
             <a:avLst/>
@@ -3052,7 +3029,7 @@
           </a:ln>
         </p:spPr>
         <p:txBody>
-          <a:bodyPr lIns="45719" rIns="45719"/>
+          <a:bodyPr lIns="45718" tIns="45718" rIns="45718" bIns="45718"/>
           <a:lstStyle/>
           <a:p>
             <a:pPr/>
@@ -3078,7 +3055,7 @@
         <p:spPr>
           <a:xfrm>
             <a:off x="4815937" y="-80475"/>
-            <a:ext cx="121932" cy="2225233"/>
+            <a:ext cx="121933" cy="2225233"/>
           </a:xfrm>
           <a:prstGeom prst="rect">
             <a:avLst/>
@@ -3098,8 +3075,8 @@
         </p:nvSpPr>
         <p:spPr>
           <a:xfrm>
-            <a:off x="5892800" y="6172200"/>
-            <a:ext cx="2844800" cy="368301"/>
+            <a:off x="8463946" y="6224224"/>
+            <a:ext cx="273654" cy="264253"/>
           </a:xfrm>
           <a:prstGeom prst="rect">
             <a:avLst/>
@@ -3253,7 +3230,7 @@
 </file>
 
 <file path=ppt/slideLayouts/slideLayout4.xml><?xml version="1.0" encoding="utf-8"?>
-<p:sldLayout xmlns:a="http://schemas.openxmlformats.org/drawingml/2006/main" xmlns:r="http://schemas.openxmlformats.org/officeDocument/2006/relationships" xmlns:p="http://schemas.openxmlformats.org/presentationml/2006/main" xmlns:m="http://schemas.openxmlformats.org/officeDocument/2006/math" xmlns:a14="http://schemas.microsoft.com/office/drawing/2010/main" type="tx" showMasterSp="1" showMasterPhAnim="1">
+<p:sldLayout xmlns:a="http://schemas.openxmlformats.org/drawingml/2006/main" xmlns:r="http://schemas.openxmlformats.org/officeDocument/2006/relationships" xmlns:p="http://schemas.openxmlformats.org/presentationml/2006/main" xmlns:m="http://schemas.openxmlformats.org/officeDocument/2006/math" xmlns:a14="http://schemas.microsoft.com/office/drawing/2010/main" type="tx" showMasterSp="0" showMasterPhAnim="1">
   <p:cSld name="目录页1">
     <p:spTree>
       <p:nvGrpSpPr>
@@ -3269,9 +3246,999 @@
           <a:chExt cx="0" cy="0"/>
         </a:xfrm>
       </p:grpSpPr>
+      <p:pic>
+        <p:nvPicPr>
+          <p:cNvPr id="101" name="图片 3" descr="图片 3"/>
+          <p:cNvPicPr>
+            <a:picLocks noChangeAspect="1"/>
+          </p:cNvPicPr>
+          <p:nvPr/>
+        </p:nvPicPr>
+        <p:blipFill>
+          <a:blip r:embed="rId2">
+            <a:extLst/>
+          </a:blip>
+          <a:stretch>
+            <a:fillRect/>
+          </a:stretch>
+        </p:blipFill>
+        <p:spPr>
+          <a:xfrm>
+            <a:off x="10634636" y="315014"/>
+            <a:ext cx="1103474" cy="396275"/>
+          </a:xfrm>
+          <a:prstGeom prst="rect">
+            <a:avLst/>
+          </a:prstGeom>
+          <a:ln w="12700">
+            <a:miter lim="400000"/>
+          </a:ln>
+        </p:spPr>
+      </p:pic>
+      <p:pic>
+        <p:nvPicPr>
+          <p:cNvPr id="102" name="图片 2" descr="图片 2"/>
+          <p:cNvPicPr>
+            <a:picLocks noChangeAspect="1"/>
+          </p:cNvPicPr>
+          <p:nvPr/>
+        </p:nvPicPr>
+        <p:blipFill>
+          <a:blip r:embed="rId3">
+            <a:extLst/>
+          </a:blip>
+          <a:stretch>
+            <a:fillRect/>
+          </a:stretch>
+        </p:blipFill>
+        <p:spPr>
+          <a:xfrm>
+            <a:off x="442717" y="291002"/>
+            <a:ext cx="119114" cy="482401"/>
+          </a:xfrm>
+          <a:prstGeom prst="rect">
+            <a:avLst/>
+          </a:prstGeom>
+          <a:ln w="12700">
+            <a:miter lim="400000"/>
+          </a:ln>
+        </p:spPr>
+      </p:pic>
+      <p:grpSp>
+        <p:nvGrpSpPr>
+          <p:cNvPr id="119" name="组合 29"/>
+          <p:cNvGrpSpPr/>
+          <p:nvPr/>
+        </p:nvGrpSpPr>
+        <p:grpSpPr>
+          <a:xfrm>
+            <a:off x="0" y="-1685366"/>
+            <a:ext cx="12218115" cy="1752096"/>
+            <a:chOff x="0" y="0"/>
+            <a:chExt cx="12218114" cy="1752094"/>
+          </a:xfrm>
+        </p:grpSpPr>
+        <p:sp>
+          <p:nvSpPr>
+            <p:cNvPr id="103" name="矩形 30"/>
+            <p:cNvSpPr/>
+            <p:nvPr/>
+          </p:nvSpPr>
+          <p:spPr>
+            <a:xfrm>
+              <a:off x="0" y="-1"/>
+              <a:ext cx="12192002" cy="1582226"/>
+            </a:xfrm>
+            <a:prstGeom prst="rect">
+              <a:avLst/>
+            </a:prstGeom>
+            <a:solidFill>
+              <a:srgbClr val="FFFFFF"/>
+            </a:solidFill>
+            <a:ln w="12700" cap="flat">
+              <a:noFill/>
+              <a:miter lim="400000"/>
+            </a:ln>
+            <a:effectLst/>
+          </p:spPr>
+          <p:txBody>
+            <a:bodyPr wrap="square" lIns="45718" tIns="45718" rIns="45718" bIns="45718" numCol="1" anchor="ctr">
+              <a:noAutofit/>
+            </a:bodyPr>
+            <a:lstStyle/>
+            <a:p>
+              <a:pPr algn="ctr">
+                <a:defRPr>
+                  <a:solidFill>
+                    <a:srgbClr val="FFFFFF"/>
+                  </a:solidFill>
+                  <a:latin typeface="Arial"/>
+                  <a:ea typeface="Arial"/>
+                  <a:cs typeface="Arial"/>
+                  <a:sym typeface="Arial"/>
+                </a:defRPr>
+              </a:pPr>
+            </a:p>
+          </p:txBody>
+        </p:sp>
+        <p:sp>
+          <p:nvSpPr>
+            <p:cNvPr id="104" name="椭圆 31"/>
+            <p:cNvSpPr/>
+            <p:nvPr/>
+          </p:nvSpPr>
+          <p:spPr>
+            <a:xfrm>
+              <a:off x="410959" y="192432"/>
+              <a:ext cx="528097" cy="528097"/>
+            </a:xfrm>
+            <a:prstGeom prst="ellipse">
+              <a:avLst/>
+            </a:prstGeom>
+            <a:solidFill>
+              <a:srgbClr val="043B90"/>
+            </a:solidFill>
+            <a:ln w="12700" cap="flat">
+              <a:noFill/>
+              <a:miter lim="400000"/>
+            </a:ln>
+            <a:effectLst/>
+          </p:spPr>
+          <p:txBody>
+            <a:bodyPr wrap="square" lIns="45718" tIns="45718" rIns="45718" bIns="45718" numCol="1" anchor="ctr">
+              <a:noAutofit/>
+            </a:bodyPr>
+            <a:lstStyle/>
+            <a:p>
+              <a:pPr algn="ctr">
+                <a:defRPr>
+                  <a:solidFill>
+                    <a:srgbClr val="0B5395"/>
+                  </a:solidFill>
+                  <a:latin typeface="Arial"/>
+                  <a:ea typeface="Arial"/>
+                  <a:cs typeface="Arial"/>
+                  <a:sym typeface="Arial"/>
+                </a:defRPr>
+              </a:pPr>
+            </a:p>
+          </p:txBody>
+        </p:sp>
+        <p:sp>
+          <p:nvSpPr>
+            <p:cNvPr id="105" name="椭圆 32"/>
+            <p:cNvSpPr/>
+            <p:nvPr/>
+          </p:nvSpPr>
+          <p:spPr>
+            <a:xfrm>
+              <a:off x="1778035" y="192432"/>
+              <a:ext cx="528097" cy="528097"/>
+            </a:xfrm>
+            <a:prstGeom prst="ellipse">
+              <a:avLst/>
+            </a:prstGeom>
+            <a:solidFill>
+              <a:schemeClr val="accent1"/>
+            </a:solidFill>
+            <a:ln w="12700" cap="flat">
+              <a:noFill/>
+              <a:miter lim="400000"/>
+            </a:ln>
+            <a:effectLst/>
+          </p:spPr>
+          <p:txBody>
+            <a:bodyPr wrap="square" lIns="45718" tIns="45718" rIns="45718" bIns="45718" numCol="1" anchor="ctr">
+              <a:noAutofit/>
+            </a:bodyPr>
+            <a:lstStyle/>
+            <a:p>
+              <a:pPr algn="ctr">
+                <a:defRPr>
+                  <a:solidFill>
+                    <a:srgbClr val="FFFFFF"/>
+                  </a:solidFill>
+                  <a:latin typeface="Arial"/>
+                  <a:ea typeface="Arial"/>
+                  <a:cs typeface="Arial"/>
+                  <a:sym typeface="Arial"/>
+                </a:defRPr>
+              </a:pPr>
+            </a:p>
+          </p:txBody>
+        </p:sp>
+        <p:sp>
+          <p:nvSpPr>
+            <p:cNvPr id="106" name="椭圆 33"/>
+            <p:cNvSpPr/>
+            <p:nvPr/>
+          </p:nvSpPr>
+          <p:spPr>
+            <a:xfrm>
+              <a:off x="3145110" y="192432"/>
+              <a:ext cx="528097" cy="528097"/>
+            </a:xfrm>
+            <a:prstGeom prst="ellipse">
+              <a:avLst/>
+            </a:prstGeom>
+            <a:solidFill>
+              <a:schemeClr val="accent2"/>
+            </a:solidFill>
+            <a:ln w="12700" cap="flat">
+              <a:noFill/>
+              <a:miter lim="400000"/>
+            </a:ln>
+            <a:effectLst/>
+          </p:spPr>
+          <p:txBody>
+            <a:bodyPr wrap="square" lIns="45718" tIns="45718" rIns="45718" bIns="45718" numCol="1" anchor="ctr">
+              <a:noAutofit/>
+            </a:bodyPr>
+            <a:lstStyle/>
+            <a:p>
+              <a:pPr algn="ctr">
+                <a:defRPr>
+                  <a:solidFill>
+                    <a:srgbClr val="FFFFFF"/>
+                  </a:solidFill>
+                  <a:latin typeface="Arial"/>
+                  <a:ea typeface="Arial"/>
+                  <a:cs typeface="Arial"/>
+                  <a:sym typeface="Arial"/>
+                </a:defRPr>
+              </a:pPr>
+            </a:p>
+          </p:txBody>
+        </p:sp>
+        <p:sp>
+          <p:nvSpPr>
+            <p:cNvPr id="107" name="文本框 34"/>
+            <p:cNvSpPr txBox="1"/>
+            <p:nvPr/>
+          </p:nvSpPr>
+          <p:spPr>
+            <a:xfrm>
+              <a:off x="18579" y="798571"/>
+              <a:ext cx="1352353" cy="688339"/>
+            </a:xfrm>
+            <a:prstGeom prst="rect">
+              <a:avLst/>
+            </a:prstGeom>
+            <a:noFill/>
+            <a:ln w="12700" cap="flat">
+              <a:noFill/>
+              <a:miter lim="400000"/>
+            </a:ln>
+            <a:effectLst/>
+            <a:extLst>
+              <a:ext uri="{C572A759-6A51-4108-AA02-DFA0A04FC94B}">
+                <ma14:wrappingTextBoxFlag xmlns:ma14="http://schemas.microsoft.com/office/mac/drawingml/2011/main" val="1"/>
+              </a:ext>
+            </a:extLst>
+          </p:spPr>
+          <p:txBody>
+            <a:bodyPr wrap="square" lIns="45718" tIns="45718" rIns="45718" bIns="45718" numCol="1" anchor="t">
+              <a:spAutoFit/>
+            </a:bodyPr>
+            <a:lstStyle/>
+            <a:p>
+              <a:pPr algn="ctr">
+                <a:defRPr>
+                  <a:solidFill>
+                    <a:srgbClr val="043B90"/>
+                  </a:solidFill>
+                </a:defRPr>
+              </a:pPr>
+              <a:r>
+                <a:t>颜色</a:t>
+              </a:r>
+            </a:p>
+            <a:p>
+              <a:pPr algn="ctr">
+                <a:defRPr>
+                  <a:solidFill>
+                    <a:srgbClr val="043B90"/>
+                  </a:solidFill>
+                </a:defRPr>
+              </a:pPr>
+              <a:r>
+                <a:t>4 59 144</a:t>
+              </a:r>
+            </a:p>
+          </p:txBody>
+        </p:sp>
+        <p:sp>
+          <p:nvSpPr>
+            <p:cNvPr id="108" name="文本框 35"/>
+            <p:cNvSpPr txBox="1"/>
+            <p:nvPr/>
+          </p:nvSpPr>
+          <p:spPr>
+            <a:xfrm>
+              <a:off x="1341515" y="798571"/>
+              <a:ext cx="1421468" cy="688339"/>
+            </a:xfrm>
+            <a:prstGeom prst="rect">
+              <a:avLst/>
+            </a:prstGeom>
+            <a:noFill/>
+            <a:ln w="12700" cap="flat">
+              <a:noFill/>
+              <a:miter lim="400000"/>
+            </a:ln>
+            <a:effectLst/>
+            <a:extLst>
+              <a:ext uri="{C572A759-6A51-4108-AA02-DFA0A04FC94B}">
+                <ma14:wrappingTextBoxFlag xmlns:ma14="http://schemas.microsoft.com/office/mac/drawingml/2011/main" val="1"/>
+              </a:ext>
+            </a:extLst>
+          </p:spPr>
+          <p:txBody>
+            <a:bodyPr wrap="square" lIns="45718" tIns="45718" rIns="45718" bIns="45718" numCol="1" anchor="t">
+              <a:spAutoFit/>
+            </a:bodyPr>
+            <a:lstStyle/>
+            <a:p>
+              <a:pPr algn="ctr">
+                <a:defRPr>
+                  <a:solidFill>
+                    <a:schemeClr val="accent1"/>
+                  </a:solidFill>
+                </a:defRPr>
+              </a:pPr>
+              <a:r>
+                <a:t>颜色</a:t>
+              </a:r>
+            </a:p>
+            <a:p>
+              <a:pPr algn="ctr">
+                <a:defRPr>
+                  <a:solidFill>
+                    <a:schemeClr val="accent1"/>
+                  </a:solidFill>
+                </a:defRPr>
+              </a:pPr>
+              <a:r>
+                <a:t>15 111 198</a:t>
+              </a:r>
+            </a:p>
+          </p:txBody>
+        </p:sp>
+        <p:sp>
+          <p:nvSpPr>
+            <p:cNvPr id="109" name="文本框 36"/>
+            <p:cNvSpPr txBox="1"/>
+            <p:nvPr/>
+          </p:nvSpPr>
+          <p:spPr>
+            <a:xfrm>
+              <a:off x="2623213" y="798571"/>
+              <a:ext cx="1610276" cy="688339"/>
+            </a:xfrm>
+            <a:prstGeom prst="rect">
+              <a:avLst/>
+            </a:prstGeom>
+            <a:noFill/>
+            <a:ln w="12700" cap="flat">
+              <a:noFill/>
+              <a:miter lim="400000"/>
+            </a:ln>
+            <a:effectLst/>
+            <a:extLst>
+              <a:ext uri="{C572A759-6A51-4108-AA02-DFA0A04FC94B}">
+                <ma14:wrappingTextBoxFlag xmlns:ma14="http://schemas.microsoft.com/office/mac/drawingml/2011/main" val="1"/>
+              </a:ext>
+            </a:extLst>
+          </p:spPr>
+          <p:txBody>
+            <a:bodyPr wrap="square" lIns="45718" tIns="45718" rIns="45718" bIns="45718" numCol="1" anchor="t">
+              <a:spAutoFit/>
+            </a:bodyPr>
+            <a:lstStyle/>
+            <a:p>
+              <a:pPr algn="ctr">
+                <a:defRPr>
+                  <a:solidFill>
+                    <a:schemeClr val="accent2"/>
+                  </a:solidFill>
+                </a:defRPr>
+              </a:pPr>
+              <a:r>
+                <a:t>颜色</a:t>
+              </a:r>
+            </a:p>
+            <a:p>
+              <a:pPr algn="ctr">
+                <a:defRPr>
+                  <a:solidFill>
+                    <a:schemeClr val="accent2"/>
+                  </a:solidFill>
+                </a:defRPr>
+              </a:pPr>
+              <a:r>
+                <a:t>11 208 217</a:t>
+              </a:r>
+            </a:p>
+          </p:txBody>
+        </p:sp>
+        <p:sp>
+          <p:nvSpPr>
+            <p:cNvPr id="110" name="椭圆 37"/>
+            <p:cNvSpPr/>
+            <p:nvPr/>
+          </p:nvSpPr>
+          <p:spPr>
+            <a:xfrm>
+              <a:off x="5879260" y="192432"/>
+              <a:ext cx="528097" cy="528097"/>
+            </a:xfrm>
+            <a:prstGeom prst="ellipse">
+              <a:avLst/>
+            </a:prstGeom>
+            <a:solidFill>
+              <a:schemeClr val="accent4"/>
+            </a:solidFill>
+            <a:ln w="12700" cap="flat">
+              <a:noFill/>
+              <a:miter lim="400000"/>
+            </a:ln>
+            <a:effectLst/>
+          </p:spPr>
+          <p:txBody>
+            <a:bodyPr wrap="square" lIns="45718" tIns="45718" rIns="45718" bIns="45718" numCol="1" anchor="ctr">
+              <a:noAutofit/>
+            </a:bodyPr>
+            <a:lstStyle/>
+            <a:p>
+              <a:pPr algn="ctr">
+                <a:defRPr>
+                  <a:solidFill>
+                    <a:srgbClr val="FFFFFF"/>
+                  </a:solidFill>
+                  <a:latin typeface="Arial"/>
+                  <a:ea typeface="Arial"/>
+                  <a:cs typeface="Arial"/>
+                  <a:sym typeface="Arial"/>
+                </a:defRPr>
+              </a:pPr>
+            </a:p>
+          </p:txBody>
+        </p:sp>
+        <p:sp>
+          <p:nvSpPr>
+            <p:cNvPr id="111" name="文本框 38"/>
+            <p:cNvSpPr txBox="1"/>
+            <p:nvPr/>
+          </p:nvSpPr>
+          <p:spPr>
+            <a:xfrm>
+              <a:off x="5390770" y="798571"/>
+              <a:ext cx="1490611" cy="688339"/>
+            </a:xfrm>
+            <a:prstGeom prst="rect">
+              <a:avLst/>
+            </a:prstGeom>
+            <a:noFill/>
+            <a:ln w="12700" cap="flat">
+              <a:noFill/>
+              <a:miter lim="400000"/>
+            </a:ln>
+            <a:effectLst/>
+            <a:extLst>
+              <a:ext uri="{C572A759-6A51-4108-AA02-DFA0A04FC94B}">
+                <ma14:wrappingTextBoxFlag xmlns:ma14="http://schemas.microsoft.com/office/mac/drawingml/2011/main" val="1"/>
+              </a:ext>
+            </a:extLst>
+          </p:spPr>
+          <p:txBody>
+            <a:bodyPr wrap="square" lIns="45718" tIns="45718" rIns="45718" bIns="45718" numCol="1" anchor="t">
+              <a:spAutoFit/>
+            </a:bodyPr>
+            <a:lstStyle/>
+            <a:p>
+              <a:pPr algn="ctr">
+                <a:defRPr>
+                  <a:solidFill>
+                    <a:schemeClr val="accent4"/>
+                  </a:solidFill>
+                </a:defRPr>
+              </a:pPr>
+              <a:r>
+                <a:t>颜色</a:t>
+              </a:r>
+            </a:p>
+            <a:p>
+              <a:pPr algn="ctr">
+                <a:defRPr>
+                  <a:solidFill>
+                    <a:schemeClr val="accent4"/>
+                  </a:solidFill>
+                </a:defRPr>
+              </a:pPr>
+              <a:r>
+                <a:t>48 127 249</a:t>
+              </a:r>
+            </a:p>
+          </p:txBody>
+        </p:sp>
+        <p:sp>
+          <p:nvSpPr>
+            <p:cNvPr id="112" name="椭圆 39"/>
+            <p:cNvSpPr/>
+            <p:nvPr/>
+          </p:nvSpPr>
+          <p:spPr>
+            <a:xfrm>
+              <a:off x="4512185" y="192432"/>
+              <a:ext cx="528097" cy="528097"/>
+            </a:xfrm>
+            <a:prstGeom prst="ellipse">
+              <a:avLst/>
+            </a:prstGeom>
+            <a:solidFill>
+              <a:schemeClr val="accent3"/>
+            </a:solidFill>
+            <a:ln w="12700" cap="flat">
+              <a:noFill/>
+              <a:miter lim="400000"/>
+            </a:ln>
+            <a:effectLst/>
+          </p:spPr>
+          <p:txBody>
+            <a:bodyPr wrap="square" lIns="45718" tIns="45718" rIns="45718" bIns="45718" numCol="1" anchor="ctr">
+              <a:noAutofit/>
+            </a:bodyPr>
+            <a:lstStyle/>
+            <a:p>
+              <a:pPr algn="ctr">
+                <a:defRPr>
+                  <a:solidFill>
+                    <a:srgbClr val="FFFFFF"/>
+                  </a:solidFill>
+                  <a:latin typeface="Arial"/>
+                  <a:ea typeface="Arial"/>
+                  <a:cs typeface="Arial"/>
+                  <a:sym typeface="Arial"/>
+                </a:defRPr>
+              </a:pPr>
+            </a:p>
+          </p:txBody>
+        </p:sp>
+        <p:sp>
+          <p:nvSpPr>
+            <p:cNvPr id="113" name="文本框 40"/>
+            <p:cNvSpPr txBox="1"/>
+            <p:nvPr/>
+          </p:nvSpPr>
+          <p:spPr>
+            <a:xfrm>
+              <a:off x="3945883" y="798571"/>
+              <a:ext cx="1684368" cy="688339"/>
+            </a:xfrm>
+            <a:prstGeom prst="rect">
+              <a:avLst/>
+            </a:prstGeom>
+            <a:noFill/>
+            <a:ln w="12700" cap="flat">
+              <a:noFill/>
+              <a:miter lim="400000"/>
+            </a:ln>
+            <a:effectLst/>
+            <a:extLst>
+              <a:ext uri="{C572A759-6A51-4108-AA02-DFA0A04FC94B}">
+                <ma14:wrappingTextBoxFlag xmlns:ma14="http://schemas.microsoft.com/office/mac/drawingml/2011/main" val="1"/>
+              </a:ext>
+            </a:extLst>
+          </p:spPr>
+          <p:txBody>
+            <a:bodyPr wrap="square" lIns="45718" tIns="45718" rIns="45718" bIns="45718" numCol="1" anchor="t">
+              <a:spAutoFit/>
+            </a:bodyPr>
+            <a:lstStyle/>
+            <a:p>
+              <a:pPr algn="ctr">
+                <a:defRPr>
+                  <a:solidFill>
+                    <a:schemeClr val="accent3"/>
+                  </a:solidFill>
+                </a:defRPr>
+              </a:pPr>
+              <a:r>
+                <a:t>颜色</a:t>
+              </a:r>
+            </a:p>
+            <a:p>
+              <a:pPr algn="ctr">
+                <a:defRPr>
+                  <a:solidFill>
+                    <a:schemeClr val="accent3"/>
+                  </a:solidFill>
+                </a:defRPr>
+              </a:pPr>
+              <a:r>
+                <a:t>254 91 65</a:t>
+              </a:r>
+            </a:p>
+          </p:txBody>
+        </p:sp>
+        <p:sp>
+          <p:nvSpPr>
+            <p:cNvPr id="114" name="文本框 41"/>
+            <p:cNvSpPr txBox="1"/>
+            <p:nvPr/>
+          </p:nvSpPr>
+          <p:spPr>
+            <a:xfrm>
+              <a:off x="9566354" y="20193"/>
+              <a:ext cx="2651761" cy="1731902"/>
+            </a:xfrm>
+            <a:prstGeom prst="rect">
+              <a:avLst/>
+            </a:prstGeom>
+            <a:noFill/>
+            <a:ln w="12700" cap="flat">
+              <a:noFill/>
+              <a:miter lim="400000"/>
+            </a:ln>
+            <a:effectLst/>
+            <a:extLst>
+              <a:ext uri="{C572A759-6A51-4108-AA02-DFA0A04FC94B}">
+                <ma14:wrappingTextBoxFlag xmlns:ma14="http://schemas.microsoft.com/office/mac/drawingml/2011/main" val="1"/>
+              </a:ext>
+            </a:extLst>
+          </p:spPr>
+          <p:txBody>
+            <a:bodyPr wrap="square" lIns="45718" tIns="45718" rIns="45718" bIns="45718" numCol="1" anchor="t">
+              <a:spAutoFit/>
+            </a:bodyPr>
+            <a:lstStyle/>
+            <a:p>
+              <a:pPr>
+                <a:lnSpc>
+                  <a:spcPct val="120000"/>
+                </a:lnSpc>
+                <a:defRPr sz="1600"/>
+              </a:pPr>
+              <a:r>
+                <a:t>标题正文：微软雅黑</a:t>
+              </a:r>
+              <a:endParaRPr>
+                <a:latin typeface="Arial"/>
+                <a:ea typeface="Arial"/>
+                <a:cs typeface="Arial"/>
+                <a:sym typeface="Arial"/>
+              </a:endParaRPr>
+            </a:p>
+            <a:p>
+              <a:pPr>
+                <a:lnSpc>
+                  <a:spcPct val="120000"/>
+                </a:lnSpc>
+                <a:defRPr sz="1600"/>
+              </a:pPr>
+              <a:r>
+                <a:t>封面字号：</a:t>
+              </a:r>
+              <a:r>
+                <a:rPr>
+                  <a:latin typeface="Arial"/>
+                  <a:ea typeface="Arial"/>
+                  <a:cs typeface="Arial"/>
+                  <a:sym typeface="Arial"/>
+                </a:rPr>
+                <a:t>18-28 (</a:t>
+              </a:r>
+              <a:r>
+                <a:t>小字</a:t>
+              </a:r>
+              <a:r>
+                <a:rPr>
+                  <a:latin typeface="Arial"/>
+                  <a:ea typeface="Arial"/>
+                  <a:cs typeface="Arial"/>
+                  <a:sym typeface="Arial"/>
+                </a:rPr>
+                <a:t>)      </a:t>
+              </a:r>
+              <a:endParaRPr>
+                <a:latin typeface="Arial"/>
+                <a:ea typeface="Arial"/>
+                <a:cs typeface="Arial"/>
+                <a:sym typeface="Arial"/>
+              </a:endParaRPr>
+            </a:p>
+            <a:p>
+              <a:pPr>
+                <a:lnSpc>
+                  <a:spcPct val="120000"/>
+                </a:lnSpc>
+                <a:defRPr sz="1600">
+                  <a:latin typeface="Arial"/>
+                  <a:ea typeface="Arial"/>
+                  <a:cs typeface="Arial"/>
+                  <a:sym typeface="Arial"/>
+                </a:defRPr>
+              </a:pPr>
+              <a:r>
+                <a:t>                  48/43 (</a:t>
+              </a:r>
+              <a:r>
+                <a:rPr>
+                  <a:latin typeface="+mn-lt"/>
+                  <a:ea typeface="+mn-ea"/>
+                  <a:cs typeface="+mn-cs"/>
+                  <a:sym typeface="Helvetica"/>
+                </a:rPr>
+                <a:t>主题</a:t>
+              </a:r>
+              <a:r>
+                <a:t>)</a:t>
+              </a:r>
+            </a:p>
+            <a:p>
+              <a:pPr>
+                <a:lnSpc>
+                  <a:spcPct val="120000"/>
+                </a:lnSpc>
+                <a:defRPr sz="1600"/>
+              </a:pPr>
+              <a:r>
+                <a:t>内页字号：</a:t>
+              </a:r>
+              <a:r>
+                <a:rPr>
+                  <a:latin typeface="Arial"/>
+                  <a:ea typeface="Arial"/>
+                  <a:cs typeface="Arial"/>
+                  <a:sym typeface="Arial"/>
+                </a:rPr>
+                <a:t>18-22-28 (</a:t>
+              </a:r>
+              <a:r>
+                <a:t>标题</a:t>
+              </a:r>
+              <a:r>
+                <a:rPr>
+                  <a:latin typeface="Arial"/>
+                  <a:ea typeface="Arial"/>
+                  <a:cs typeface="Arial"/>
+                  <a:sym typeface="Arial"/>
+                </a:rPr>
+                <a:t>)</a:t>
+              </a:r>
+              <a:endParaRPr>
+                <a:latin typeface="Arial"/>
+                <a:ea typeface="Arial"/>
+                <a:cs typeface="Arial"/>
+                <a:sym typeface="Arial"/>
+              </a:endParaRPr>
+            </a:p>
+            <a:p>
+              <a:pPr>
+                <a:lnSpc>
+                  <a:spcPct val="120000"/>
+                </a:lnSpc>
+                <a:defRPr sz="1600"/>
+              </a:pPr>
+              <a:r>
+                <a:t>内页行距：</a:t>
+              </a:r>
+              <a:r>
+                <a:rPr>
+                  <a:latin typeface="Arial"/>
+                  <a:ea typeface="Arial"/>
+                  <a:cs typeface="Arial"/>
+                  <a:sym typeface="Arial"/>
+                </a:rPr>
+                <a:t>1.2-1.3-1.5</a:t>
+              </a:r>
+            </a:p>
+          </p:txBody>
+        </p:sp>
+        <p:sp>
+          <p:nvSpPr>
+            <p:cNvPr id="115" name="椭圆 42"/>
+            <p:cNvSpPr/>
+            <p:nvPr/>
+          </p:nvSpPr>
+          <p:spPr>
+            <a:xfrm>
+              <a:off x="7246335" y="192432"/>
+              <a:ext cx="528097" cy="528097"/>
+            </a:xfrm>
+            <a:prstGeom prst="ellipse">
+              <a:avLst/>
+            </a:prstGeom>
+            <a:solidFill>
+              <a:schemeClr val="accent5"/>
+            </a:solidFill>
+            <a:ln w="12700" cap="flat">
+              <a:noFill/>
+              <a:miter lim="400000"/>
+            </a:ln>
+            <a:effectLst/>
+          </p:spPr>
+          <p:txBody>
+            <a:bodyPr wrap="square" lIns="45718" tIns="45718" rIns="45718" bIns="45718" numCol="1" anchor="ctr">
+              <a:noAutofit/>
+            </a:bodyPr>
+            <a:lstStyle/>
+            <a:p>
+              <a:pPr algn="ctr">
+                <a:defRPr>
+                  <a:solidFill>
+                    <a:srgbClr val="FFFFFF"/>
+                  </a:solidFill>
+                  <a:latin typeface="Arial"/>
+                  <a:ea typeface="Arial"/>
+                  <a:cs typeface="Arial"/>
+                  <a:sym typeface="Arial"/>
+                </a:defRPr>
+              </a:pPr>
+            </a:p>
+          </p:txBody>
+        </p:sp>
+        <p:sp>
+          <p:nvSpPr>
+            <p:cNvPr id="116" name="文本框 43"/>
+            <p:cNvSpPr txBox="1"/>
+            <p:nvPr/>
+          </p:nvSpPr>
+          <p:spPr>
+            <a:xfrm>
+              <a:off x="6770236" y="798571"/>
+              <a:ext cx="1490611" cy="688339"/>
+            </a:xfrm>
+            <a:prstGeom prst="rect">
+              <a:avLst/>
+            </a:prstGeom>
+            <a:noFill/>
+            <a:ln w="12700" cap="flat">
+              <a:noFill/>
+              <a:miter lim="400000"/>
+            </a:ln>
+            <a:effectLst/>
+            <a:extLst>
+              <a:ext uri="{C572A759-6A51-4108-AA02-DFA0A04FC94B}">
+                <ma14:wrappingTextBoxFlag xmlns:ma14="http://schemas.microsoft.com/office/mac/drawingml/2011/main" val="1"/>
+              </a:ext>
+            </a:extLst>
+          </p:spPr>
+          <p:txBody>
+            <a:bodyPr wrap="square" lIns="45718" tIns="45718" rIns="45718" bIns="45718" numCol="1" anchor="t">
+              <a:spAutoFit/>
+            </a:bodyPr>
+            <a:lstStyle/>
+            <a:p>
+              <a:pPr algn="ctr">
+                <a:defRPr>
+                  <a:solidFill>
+                    <a:schemeClr val="accent5"/>
+                  </a:solidFill>
+                </a:defRPr>
+              </a:pPr>
+              <a:r>
+                <a:t>颜色</a:t>
+              </a:r>
+            </a:p>
+            <a:p>
+              <a:pPr algn="ctr">
+                <a:defRPr>
+                  <a:solidFill>
+                    <a:schemeClr val="accent5"/>
+                  </a:solidFill>
+                </a:defRPr>
+              </a:pPr>
+              <a:r>
+                <a:t>16 207 155</a:t>
+              </a:r>
+            </a:p>
+          </p:txBody>
+        </p:sp>
+        <p:sp>
+          <p:nvSpPr>
+            <p:cNvPr id="117" name="椭圆 44"/>
+            <p:cNvSpPr/>
+            <p:nvPr/>
+          </p:nvSpPr>
+          <p:spPr>
+            <a:xfrm>
+              <a:off x="8613413" y="192432"/>
+              <a:ext cx="528096" cy="528097"/>
+            </a:xfrm>
+            <a:prstGeom prst="ellipse">
+              <a:avLst/>
+            </a:prstGeom>
+            <a:solidFill>
+              <a:schemeClr val="accent6"/>
+            </a:solidFill>
+            <a:ln w="12700" cap="flat">
+              <a:noFill/>
+              <a:miter lim="400000"/>
+            </a:ln>
+            <a:effectLst/>
+          </p:spPr>
+          <p:txBody>
+            <a:bodyPr wrap="square" lIns="45718" tIns="45718" rIns="45718" bIns="45718" numCol="1" anchor="ctr">
+              <a:noAutofit/>
+            </a:bodyPr>
+            <a:lstStyle/>
+            <a:p>
+              <a:pPr algn="ctr">
+                <a:defRPr>
+                  <a:solidFill>
+                    <a:srgbClr val="FFFFFF"/>
+                  </a:solidFill>
+                  <a:latin typeface="Arial"/>
+                  <a:ea typeface="Arial"/>
+                  <a:cs typeface="Arial"/>
+                  <a:sym typeface="Arial"/>
+                </a:defRPr>
+              </a:pPr>
+            </a:p>
+          </p:txBody>
+        </p:sp>
+        <p:sp>
+          <p:nvSpPr>
+            <p:cNvPr id="118" name="文本框 45"/>
+            <p:cNvSpPr txBox="1"/>
+            <p:nvPr/>
+          </p:nvSpPr>
+          <p:spPr>
+            <a:xfrm>
+              <a:off x="8133660" y="798571"/>
+              <a:ext cx="1490611" cy="688339"/>
+            </a:xfrm>
+            <a:prstGeom prst="rect">
+              <a:avLst/>
+            </a:prstGeom>
+            <a:noFill/>
+            <a:ln w="12700" cap="flat">
+              <a:noFill/>
+              <a:miter lim="400000"/>
+            </a:ln>
+            <a:effectLst/>
+            <a:extLst>
+              <a:ext uri="{C572A759-6A51-4108-AA02-DFA0A04FC94B}">
+                <ma14:wrappingTextBoxFlag xmlns:ma14="http://schemas.microsoft.com/office/mac/drawingml/2011/main" val="1"/>
+              </a:ext>
+            </a:extLst>
+          </p:spPr>
+          <p:txBody>
+            <a:bodyPr wrap="square" lIns="45718" tIns="45718" rIns="45718" bIns="45718" numCol="1" anchor="t">
+              <a:spAutoFit/>
+            </a:bodyPr>
+            <a:lstStyle/>
+            <a:p>
+              <a:pPr algn="ctr">
+                <a:defRPr>
+                  <a:solidFill>
+                    <a:schemeClr val="accent6"/>
+                  </a:solidFill>
+                </a:defRPr>
+              </a:pPr>
+              <a:r>
+                <a:t>颜色</a:t>
+              </a:r>
+            </a:p>
+            <a:p>
+              <a:pPr algn="ctr">
+                <a:defRPr>
+                  <a:solidFill>
+                    <a:schemeClr val="accent6"/>
+                  </a:solidFill>
+                </a:defRPr>
+              </a:pPr>
+              <a:r>
+                <a:t>124 202 98</a:t>
+              </a:r>
+            </a:p>
+          </p:txBody>
+        </p:sp>
+      </p:grpSp>
       <p:sp>
         <p:nvSpPr>
-          <p:cNvPr id="101" name="Body Level One…"/>
+          <p:cNvPr id="120" name="Body Level One…"/>
           <p:cNvSpPr txBox="1"/>
           <p:nvPr>
             <p:ph type="body" sz="half" idx="1"/>
@@ -3279,8 +4246,8 @@
         </p:nvSpPr>
         <p:spPr>
           <a:xfrm>
-            <a:off x="5606270" y="2747000"/>
-            <a:ext cx="5677077" cy="3323165"/>
+            <a:off x="5606269" y="2746999"/>
+            <a:ext cx="5677078" cy="3323166"/>
           </a:xfrm>
           <a:prstGeom prst="rect">
             <a:avLst/>
@@ -3389,14 +4356,14 @@
       </p:sp>
       <p:pic>
         <p:nvPicPr>
-          <p:cNvPr id="102" name="图片 14" descr="图片 14"/>
+          <p:cNvPr id="121" name="图片 14" descr="图片 14"/>
           <p:cNvPicPr>
             <a:picLocks noChangeAspect="1"/>
           </p:cNvPicPr>
           <p:nvPr/>
         </p:nvPicPr>
         <p:blipFill>
-          <a:blip r:embed="rId2">
+          <a:blip r:embed="rId4">
             <a:extLst/>
           </a:blip>
           <a:stretch>
@@ -3418,14 +4385,14 @@
       </p:pic>
       <p:sp>
         <p:nvSpPr>
-          <p:cNvPr id="103" name="矩形 15"/>
+          <p:cNvPr id="122" name="矩形 15"/>
           <p:cNvSpPr/>
           <p:nvPr/>
         </p:nvSpPr>
         <p:spPr>
           <a:xfrm rot="16200000">
             <a:off x="-1023200" y="1023201"/>
-            <a:ext cx="6866413" cy="4820013"/>
+            <a:ext cx="6866413" cy="4820014"/>
           </a:xfrm>
           <a:prstGeom prst="rect">
             <a:avLst/>
@@ -3450,7 +4417,7 @@
           </a:ln>
         </p:spPr>
         <p:txBody>
-          <a:bodyPr lIns="45719" rIns="45719" anchor="ctr"/>
+          <a:bodyPr lIns="45718" tIns="45718" rIns="45718" bIns="45718" anchor="ctr"/>
           <a:lstStyle/>
           <a:p>
             <a:pPr algn="ctr" defTabSz="914400">
@@ -3458,10 +4425,6 @@
                 <a:solidFill>
                   <a:srgbClr val="FFFFFF"/>
                 </a:solidFill>
-                <a:latin typeface="+mn-lt"/>
-                <a:ea typeface="+mn-ea"/>
-                <a:cs typeface="+mn-cs"/>
-                <a:sym typeface="Helvetica"/>
               </a:defRPr>
             </a:pPr>
           </a:p>
@@ -3469,14 +4432,14 @@
       </p:sp>
       <p:sp>
         <p:nvSpPr>
-          <p:cNvPr id="104" name="文本框 16"/>
+          <p:cNvPr id="123" name="文本框 16"/>
           <p:cNvSpPr txBox="1"/>
           <p:nvPr/>
         </p:nvSpPr>
         <p:spPr>
           <a:xfrm>
             <a:off x="5656667" y="1261232"/>
-            <a:ext cx="2555966" cy="726441"/>
+            <a:ext cx="2555967" cy="726439"/>
           </a:xfrm>
           <a:prstGeom prst="rect">
             <a:avLst/>
@@ -3491,7 +4454,7 @@
           </a:extLst>
         </p:spPr>
         <p:txBody>
-          <a:bodyPr lIns="45719" rIns="45719">
+          <a:bodyPr lIns="45718" tIns="45718" rIns="45718" bIns="45718">
             <a:spAutoFit/>
           </a:bodyPr>
           <a:lstStyle>
@@ -3500,10 +4463,6 @@
                 <a:solidFill>
                   <a:srgbClr val="404040"/>
                 </a:solidFill>
-                <a:latin typeface="+mn-lt"/>
-                <a:ea typeface="+mn-ea"/>
-                <a:cs typeface="+mn-cs"/>
-                <a:sym typeface="Helvetica"/>
               </a:defRPr>
             </a:lvl1pPr>
           </a:lstStyle>
@@ -3517,14 +4476,14 @@
       </p:sp>
       <p:sp>
         <p:nvSpPr>
-          <p:cNvPr id="105" name="文本框 17"/>
+          <p:cNvPr id="124" name="文本框 17"/>
           <p:cNvSpPr txBox="1"/>
           <p:nvPr/>
         </p:nvSpPr>
         <p:spPr>
           <a:xfrm>
             <a:off x="5656667" y="1838544"/>
-            <a:ext cx="2346961" cy="375232"/>
+            <a:ext cx="2346962" cy="375230"/>
           </a:xfrm>
           <a:prstGeom prst="rect">
             <a:avLst/>
@@ -3539,7 +4498,7 @@
           </a:extLst>
         </p:spPr>
         <p:txBody>
-          <a:bodyPr lIns="45719" rIns="45719">
+          <a:bodyPr lIns="45718" tIns="45718" rIns="45718" bIns="45718">
             <a:spAutoFit/>
           </a:bodyPr>
           <a:lstStyle>
@@ -3548,6 +4507,10 @@
                 <a:solidFill>
                   <a:srgbClr val="404040"/>
                 </a:solidFill>
+                <a:latin typeface="Arial"/>
+                <a:ea typeface="Arial"/>
+                <a:cs typeface="Arial"/>
+                <a:sym typeface="Arial"/>
               </a:defRPr>
             </a:lvl1pPr>
           </a:lstStyle>
@@ -3561,14 +4524,14 @@
       </p:sp>
       <p:pic>
         <p:nvPicPr>
-          <p:cNvPr id="106" name="图片 3" descr="图片 3"/>
+          <p:cNvPr id="125" name="图片 3" descr="图片 3"/>
           <p:cNvPicPr>
             <a:picLocks noChangeAspect="1"/>
           </p:cNvPicPr>
           <p:nvPr/>
         </p:nvPicPr>
         <p:blipFill>
-          <a:blip r:embed="rId3">
+          <a:blip r:embed="rId5">
             <a:extLst/>
           </a:blip>
           <a:stretch>
@@ -3578,7 +4541,7 @@
         <p:spPr>
           <a:xfrm>
             <a:off x="619014" y="5645961"/>
-            <a:ext cx="1853346" cy="664523"/>
+            <a:ext cx="1853346" cy="664524"/>
           </a:xfrm>
           <a:prstGeom prst="rect">
             <a:avLst/>
@@ -3590,14 +4553,14 @@
       </p:pic>
       <p:sp>
         <p:nvSpPr>
-          <p:cNvPr id="107" name="直接连接符 18"/>
+          <p:cNvPr id="126" name="直接连接符 18"/>
           <p:cNvSpPr/>
           <p:nvPr/>
         </p:nvSpPr>
         <p:spPr>
           <a:xfrm>
             <a:off x="5705378" y="2415819"/>
-            <a:ext cx="1657351" cy="1"/>
+            <a:ext cx="1657352" cy="2"/>
           </a:xfrm>
           <a:prstGeom prst="line">
             <a:avLst/>
@@ -3610,7 +4573,7 @@
           </a:ln>
         </p:spPr>
         <p:txBody>
-          <a:bodyPr lIns="45719" rIns="45719"/>
+          <a:bodyPr lIns="45718" tIns="45718" rIns="45718" bIns="45718"/>
           <a:lstStyle/>
           <a:p>
             <a:pPr/>
@@ -3619,14 +4582,14 @@
       </p:sp>
       <p:pic>
         <p:nvPicPr>
-          <p:cNvPr id="108" name="图片 2" descr="图片 2"/>
+          <p:cNvPr id="127" name="图片 2" descr="图片 2"/>
           <p:cNvPicPr>
             <a:picLocks noChangeAspect="1"/>
           </p:cNvPicPr>
           <p:nvPr/>
         </p:nvPicPr>
         <p:blipFill>
-          <a:blip r:embed="rId4">
+          <a:blip r:embed="rId6">
             <a:extLst/>
           </a:blip>
           <a:stretch>
@@ -3636,7 +4599,7 @@
         <p:spPr>
           <a:xfrm>
             <a:off x="4815937" y="-80475"/>
-            <a:ext cx="121932" cy="2225233"/>
+            <a:ext cx="121933" cy="2225233"/>
           </a:xfrm>
           <a:prstGeom prst="rect">
             <a:avLst/>
@@ -3648,7 +4611,7 @@
       </p:pic>
       <p:sp>
         <p:nvSpPr>
-          <p:cNvPr id="109" name="Slide Number"/>
+          <p:cNvPr id="128" name="Slide Number"/>
           <p:cNvSpPr txBox="1"/>
           <p:nvPr>
             <p:ph type="sldNum" sz="quarter" idx="2"/>
@@ -3656,8 +4619,8 @@
         </p:nvSpPr>
         <p:spPr>
           <a:xfrm>
-            <a:off x="5892800" y="6172200"/>
-            <a:ext cx="2844800" cy="368301"/>
+            <a:off x="8463946" y="6224224"/>
+            <a:ext cx="273654" cy="264253"/>
           </a:xfrm>
           <a:prstGeom prst="rect">
             <a:avLst/>
@@ -3724,7 +4687,7 @@
       </p:grpSpPr>
       <p:pic>
         <p:nvPicPr>
-          <p:cNvPr id="116" name="图片 14" descr="图片 14"/>
+          <p:cNvPr id="135" name="图片 14" descr="图片 14"/>
           <p:cNvPicPr>
             <a:picLocks noChangeAspect="1"/>
           </p:cNvPicPr>
@@ -3740,8 +4703,8 @@
         </p:blipFill>
         <p:spPr>
           <a:xfrm>
-            <a:off x="1019275" y="1712747"/>
-            <a:ext cx="8238729" cy="1582477"/>
+            <a:off x="1019274" y="1712747"/>
+            <a:ext cx="8238730" cy="1582477"/>
           </a:xfrm>
           <a:prstGeom prst="rect">
             <a:avLst/>
@@ -3753,7 +4716,7 @@
       </p:pic>
       <p:pic>
         <p:nvPicPr>
-          <p:cNvPr id="117" name="图片 5" descr="图片 5"/>
+          <p:cNvPr id="136" name="图片 5" descr="图片 5"/>
           <p:cNvPicPr>
             <a:picLocks noChangeAspect="1"/>
           </p:cNvPicPr>
@@ -3763,15 +4726,15 @@
           <a:blip r:embed="rId3">
             <a:extLst/>
           </a:blip>
-          <a:srcRect l="0" t="0" r="7637" b="5465"/>
+          <a:srcRect l="0" t="0" r="7636" b="5465"/>
           <a:stretch>
             <a:fillRect/>
           </a:stretch>
         </p:blipFill>
         <p:spPr>
           <a:xfrm>
-            <a:off x="5710892" y="109173"/>
-            <a:ext cx="6481108" cy="6748829"/>
+            <a:off x="5710892" y="109172"/>
+            <a:ext cx="6481108" cy="6748831"/>
           </a:xfrm>
           <a:prstGeom prst="rect">
             <a:avLst/>
@@ -3783,7 +4746,7 @@
       </p:pic>
       <p:pic>
         <p:nvPicPr>
-          <p:cNvPr id="118" name="图片 8" descr="图片 8"/>
+          <p:cNvPr id="137" name="图片 8" descr="图片 8"/>
           <p:cNvPicPr>
             <a:picLocks noChangeAspect="1"/>
           </p:cNvPicPr>
@@ -3799,8 +4762,8 @@
         </p:blipFill>
         <p:spPr>
           <a:xfrm>
-            <a:off x="1083494" y="2910116"/>
-            <a:ext cx="4218798" cy="481627"/>
+            <a:off x="1083494" y="2910115"/>
+            <a:ext cx="4218798" cy="481628"/>
           </a:xfrm>
           <a:prstGeom prst="rect">
             <a:avLst/>
@@ -3812,7 +4775,7 @@
       </p:pic>
       <p:sp>
         <p:nvSpPr>
-          <p:cNvPr id="119" name="Slide Number"/>
+          <p:cNvPr id="138" name="Slide Number"/>
           <p:cNvSpPr txBox="1"/>
           <p:nvPr>
             <p:ph type="sldNum" sz="quarter" idx="2"/>
@@ -3820,8 +4783,8 @@
         </p:nvSpPr>
         <p:spPr>
           <a:xfrm>
-            <a:off x="5892800" y="6172200"/>
-            <a:ext cx="2844800" cy="368301"/>
+            <a:off x="8463946" y="6224224"/>
+            <a:ext cx="273654" cy="264253"/>
           </a:xfrm>
           <a:prstGeom prst="rect">
             <a:avLst/>
@@ -3896,8 +4859,8 @@
         </p:blipFill>
         <p:spPr>
           <a:xfrm>
-            <a:off x="10634637" y="315014"/>
-            <a:ext cx="1103473" cy="396275"/>
+            <a:off x="10634636" y="315014"/>
+            <a:ext cx="1103474" cy="396275"/>
           </a:xfrm>
           <a:prstGeom prst="rect">
             <a:avLst/>
@@ -3926,7 +4889,7 @@
         <p:spPr>
           <a:xfrm>
             <a:off x="442717" y="291002"/>
-            <a:ext cx="119113" cy="482401"/>
+            <a:ext cx="119114" cy="482401"/>
           </a:xfrm>
           <a:prstGeom prst="rect">
             <a:avLst/>
@@ -3944,10 +4907,10 @@
         </p:nvGrpSpPr>
         <p:grpSpPr>
           <a:xfrm>
-            <a:off x="0" y="-1685365"/>
-            <a:ext cx="12218114" cy="1752097"/>
+            <a:off x="0" y="-1685366"/>
+            <a:ext cx="12218115" cy="1752096"/>
             <a:chOff x="0" y="0"/>
-            <a:chExt cx="12218113" cy="1752096"/>
+            <a:chExt cx="12218114" cy="1752094"/>
           </a:xfrm>
         </p:grpSpPr>
         <p:sp>
@@ -3958,8 +4921,8 @@
           </p:nvSpPr>
           <p:spPr>
             <a:xfrm>
-              <a:off x="0" y="0"/>
-              <a:ext cx="12192000" cy="1582225"/>
+              <a:off x="0" y="-1"/>
+              <a:ext cx="12192002" cy="1582226"/>
             </a:xfrm>
             <a:prstGeom prst="rect">
               <a:avLst/>
@@ -3974,7 +4937,7 @@
             <a:effectLst/>
           </p:spPr>
           <p:txBody>
-            <a:bodyPr wrap="square" lIns="45719" tIns="45719" rIns="45719" bIns="45719" numCol="1" anchor="ctr">
+            <a:bodyPr wrap="square" lIns="45718" tIns="45718" rIns="45718" bIns="45718" numCol="1" anchor="ctr">
               <a:noAutofit/>
             </a:bodyPr>
             <a:lstStyle/>
@@ -3984,6 +4947,10 @@
                   <a:solidFill>
                     <a:srgbClr val="FFFFFF"/>
                   </a:solidFill>
+                  <a:latin typeface="Arial"/>
+                  <a:ea typeface="Arial"/>
+                  <a:cs typeface="Arial"/>
+                  <a:sym typeface="Arial"/>
                 </a:defRPr>
               </a:pPr>
             </a:p>
@@ -3997,8 +4964,8 @@
           </p:nvSpPr>
           <p:spPr>
             <a:xfrm>
-              <a:off x="410960" y="192432"/>
-              <a:ext cx="528095" cy="528095"/>
+              <a:off x="410959" y="192432"/>
+              <a:ext cx="528097" cy="528097"/>
             </a:xfrm>
             <a:prstGeom prst="ellipse">
               <a:avLst/>
@@ -4013,7 +4980,7 @@
             <a:effectLst/>
           </p:spPr>
           <p:txBody>
-            <a:bodyPr wrap="square" lIns="45719" tIns="45719" rIns="45719" bIns="45719" numCol="1" anchor="ctr">
+            <a:bodyPr wrap="square" lIns="45718" tIns="45718" rIns="45718" bIns="45718" numCol="1" anchor="ctr">
               <a:noAutofit/>
             </a:bodyPr>
             <a:lstStyle/>
@@ -4023,6 +4990,10 @@
                   <a:solidFill>
                     <a:srgbClr val="0B5395"/>
                   </a:solidFill>
+                  <a:latin typeface="Arial"/>
+                  <a:ea typeface="Arial"/>
+                  <a:cs typeface="Arial"/>
+                  <a:sym typeface="Arial"/>
                 </a:defRPr>
               </a:pPr>
             </a:p>
@@ -4037,7 +5008,7 @@
           <p:spPr>
             <a:xfrm>
               <a:off x="1778035" y="192432"/>
-              <a:ext cx="528095" cy="528095"/>
+              <a:ext cx="528097" cy="528097"/>
             </a:xfrm>
             <a:prstGeom prst="ellipse">
               <a:avLst/>
@@ -4052,7 +5023,7 @@
             <a:effectLst/>
           </p:spPr>
           <p:txBody>
-            <a:bodyPr wrap="square" lIns="45719" tIns="45719" rIns="45719" bIns="45719" numCol="1" anchor="ctr">
+            <a:bodyPr wrap="square" lIns="45718" tIns="45718" rIns="45718" bIns="45718" numCol="1" anchor="ctr">
               <a:noAutofit/>
             </a:bodyPr>
             <a:lstStyle/>
@@ -4062,6 +5033,10 @@
                   <a:solidFill>
                     <a:srgbClr val="FFFFFF"/>
                   </a:solidFill>
+                  <a:latin typeface="Arial"/>
+                  <a:ea typeface="Arial"/>
+                  <a:cs typeface="Arial"/>
+                  <a:sym typeface="Arial"/>
                 </a:defRPr>
               </a:pPr>
             </a:p>
@@ -4076,7 +5051,7 @@
           <p:spPr>
             <a:xfrm>
               <a:off x="3145110" y="192432"/>
-              <a:ext cx="528095" cy="528095"/>
+              <a:ext cx="528097" cy="528097"/>
             </a:xfrm>
             <a:prstGeom prst="ellipse">
               <a:avLst/>
@@ -4091,7 +5066,7 @@
             <a:effectLst/>
           </p:spPr>
           <p:txBody>
-            <a:bodyPr wrap="square" lIns="45719" tIns="45719" rIns="45719" bIns="45719" numCol="1" anchor="ctr">
+            <a:bodyPr wrap="square" lIns="45718" tIns="45718" rIns="45718" bIns="45718" numCol="1" anchor="ctr">
               <a:noAutofit/>
             </a:bodyPr>
             <a:lstStyle/>
@@ -4101,6 +5076,10 @@
                   <a:solidFill>
                     <a:srgbClr val="FFFFFF"/>
                   </a:solidFill>
+                  <a:latin typeface="Arial"/>
+                  <a:ea typeface="Arial"/>
+                  <a:cs typeface="Arial"/>
+                  <a:sym typeface="Arial"/>
                 </a:defRPr>
               </a:pPr>
             </a:p>
@@ -4114,8 +5093,8 @@
           </p:nvSpPr>
           <p:spPr>
             <a:xfrm>
-              <a:off x="18580" y="798571"/>
-              <a:ext cx="1352352" cy="688341"/>
+              <a:off x="18579" y="798571"/>
+              <a:ext cx="1352353" cy="688339"/>
             </a:xfrm>
             <a:prstGeom prst="rect">
               <a:avLst/>
@@ -4133,7 +5112,7 @@
             </a:extLst>
           </p:spPr>
           <p:txBody>
-            <a:bodyPr wrap="square" lIns="45719" tIns="45719" rIns="45719" bIns="45719" numCol="1" anchor="t">
+            <a:bodyPr wrap="square" lIns="45718" tIns="45718" rIns="45718" bIns="45718" numCol="1" anchor="t">
               <a:spAutoFit/>
             </a:bodyPr>
             <a:lstStyle/>
@@ -4143,10 +5122,6 @@
                   <a:solidFill>
                     <a:srgbClr val="043B90"/>
                   </a:solidFill>
-                  <a:latin typeface="+mn-lt"/>
-                  <a:ea typeface="+mn-ea"/>
-                  <a:cs typeface="+mn-cs"/>
-                  <a:sym typeface="Helvetica"/>
                 </a:defRPr>
               </a:pPr>
               <a:r>
@@ -4159,10 +5134,6 @@
                   <a:solidFill>
                     <a:srgbClr val="043B90"/>
                   </a:solidFill>
-                  <a:latin typeface="+mn-lt"/>
-                  <a:ea typeface="+mn-ea"/>
-                  <a:cs typeface="+mn-cs"/>
-                  <a:sym typeface="Helvetica"/>
                 </a:defRPr>
               </a:pPr>
               <a:r>
@@ -4179,8 +5150,8 @@
           </p:nvSpPr>
           <p:spPr>
             <a:xfrm>
-              <a:off x="1341516" y="798571"/>
-              <a:ext cx="1421467" cy="688341"/>
+              <a:off x="1341515" y="798571"/>
+              <a:ext cx="1421468" cy="688339"/>
             </a:xfrm>
             <a:prstGeom prst="rect">
               <a:avLst/>
@@ -4198,7 +5169,7 @@
             </a:extLst>
           </p:spPr>
           <p:txBody>
-            <a:bodyPr wrap="square" lIns="45719" tIns="45719" rIns="45719" bIns="45719" numCol="1" anchor="t">
+            <a:bodyPr wrap="square" lIns="45718" tIns="45718" rIns="45718" bIns="45718" numCol="1" anchor="t">
               <a:spAutoFit/>
             </a:bodyPr>
             <a:lstStyle/>
@@ -4208,10 +5179,6 @@
                   <a:solidFill>
                     <a:schemeClr val="accent1"/>
                   </a:solidFill>
-                  <a:latin typeface="+mn-lt"/>
-                  <a:ea typeface="+mn-ea"/>
-                  <a:cs typeface="+mn-cs"/>
-                  <a:sym typeface="Helvetica"/>
                 </a:defRPr>
               </a:pPr>
               <a:r>
@@ -4224,10 +5191,6 @@
                   <a:solidFill>
                     <a:schemeClr val="accent1"/>
                   </a:solidFill>
-                  <a:latin typeface="+mn-lt"/>
-                  <a:ea typeface="+mn-ea"/>
-                  <a:cs typeface="+mn-cs"/>
-                  <a:sym typeface="Helvetica"/>
                 </a:defRPr>
               </a:pPr>
               <a:r>
@@ -4245,7 +5208,7 @@
           <p:spPr>
             <a:xfrm>
               <a:off x="2623213" y="798571"/>
-              <a:ext cx="1610275" cy="688341"/>
+              <a:ext cx="1610276" cy="688339"/>
             </a:xfrm>
             <a:prstGeom prst="rect">
               <a:avLst/>
@@ -4263,7 +5226,7 @@
             </a:extLst>
           </p:spPr>
           <p:txBody>
-            <a:bodyPr wrap="square" lIns="45719" tIns="45719" rIns="45719" bIns="45719" numCol="1" anchor="t">
+            <a:bodyPr wrap="square" lIns="45718" tIns="45718" rIns="45718" bIns="45718" numCol="1" anchor="t">
               <a:spAutoFit/>
             </a:bodyPr>
             <a:lstStyle/>
@@ -4273,10 +5236,6 @@
                   <a:solidFill>
                     <a:schemeClr val="accent2"/>
                   </a:solidFill>
-                  <a:latin typeface="+mn-lt"/>
-                  <a:ea typeface="+mn-ea"/>
-                  <a:cs typeface="+mn-cs"/>
-                  <a:sym typeface="Helvetica"/>
                 </a:defRPr>
               </a:pPr>
               <a:r>
@@ -4289,10 +5248,6 @@
                   <a:solidFill>
                     <a:schemeClr val="accent2"/>
                   </a:solidFill>
-                  <a:latin typeface="+mn-lt"/>
-                  <a:ea typeface="+mn-ea"/>
-                  <a:cs typeface="+mn-cs"/>
-                  <a:sym typeface="Helvetica"/>
                 </a:defRPr>
               </a:pPr>
               <a:r>
@@ -4310,7 +5265,7 @@
           <p:spPr>
             <a:xfrm>
               <a:off x="5879260" y="192432"/>
-              <a:ext cx="528095" cy="528095"/>
+              <a:ext cx="528097" cy="528097"/>
             </a:xfrm>
             <a:prstGeom prst="ellipse">
               <a:avLst/>
@@ -4325,7 +5280,7 @@
             <a:effectLst/>
           </p:spPr>
           <p:txBody>
-            <a:bodyPr wrap="square" lIns="45719" tIns="45719" rIns="45719" bIns="45719" numCol="1" anchor="ctr">
+            <a:bodyPr wrap="square" lIns="45718" tIns="45718" rIns="45718" bIns="45718" numCol="1" anchor="ctr">
               <a:noAutofit/>
             </a:bodyPr>
             <a:lstStyle/>
@@ -4335,6 +5290,10 @@
                   <a:solidFill>
                     <a:srgbClr val="FFFFFF"/>
                   </a:solidFill>
+                  <a:latin typeface="Arial"/>
+                  <a:ea typeface="Arial"/>
+                  <a:cs typeface="Arial"/>
+                  <a:sym typeface="Arial"/>
                 </a:defRPr>
               </a:pPr>
             </a:p>
@@ -4349,7 +5308,7 @@
           <p:spPr>
             <a:xfrm>
               <a:off x="5390770" y="798571"/>
-              <a:ext cx="1490610" cy="688341"/>
+              <a:ext cx="1490611" cy="688339"/>
             </a:xfrm>
             <a:prstGeom prst="rect">
               <a:avLst/>
@@ -4367,7 +5326,7 @@
             </a:extLst>
           </p:spPr>
           <p:txBody>
-            <a:bodyPr wrap="square" lIns="45719" tIns="45719" rIns="45719" bIns="45719" numCol="1" anchor="t">
+            <a:bodyPr wrap="square" lIns="45718" tIns="45718" rIns="45718" bIns="45718" numCol="1" anchor="t">
               <a:spAutoFit/>
             </a:bodyPr>
             <a:lstStyle/>
@@ -4377,10 +5336,6 @@
                   <a:solidFill>
                     <a:schemeClr val="accent4"/>
                   </a:solidFill>
-                  <a:latin typeface="+mn-lt"/>
-                  <a:ea typeface="+mn-ea"/>
-                  <a:cs typeface="+mn-cs"/>
-                  <a:sym typeface="Helvetica"/>
                 </a:defRPr>
               </a:pPr>
               <a:r>
@@ -4393,10 +5348,6 @@
                   <a:solidFill>
                     <a:schemeClr val="accent4"/>
                   </a:solidFill>
-                  <a:latin typeface="+mn-lt"/>
-                  <a:ea typeface="+mn-ea"/>
-                  <a:cs typeface="+mn-cs"/>
-                  <a:sym typeface="Helvetica"/>
                 </a:defRPr>
               </a:pPr>
               <a:r>
@@ -4414,7 +5365,7 @@
           <p:spPr>
             <a:xfrm>
               <a:off x="4512185" y="192432"/>
-              <a:ext cx="528095" cy="528095"/>
+              <a:ext cx="528097" cy="528097"/>
             </a:xfrm>
             <a:prstGeom prst="ellipse">
               <a:avLst/>
@@ -4429,7 +5380,7 @@
             <a:effectLst/>
           </p:spPr>
           <p:txBody>
-            <a:bodyPr wrap="square" lIns="45719" tIns="45719" rIns="45719" bIns="45719" numCol="1" anchor="ctr">
+            <a:bodyPr wrap="square" lIns="45718" tIns="45718" rIns="45718" bIns="45718" numCol="1" anchor="ctr">
               <a:noAutofit/>
             </a:bodyPr>
             <a:lstStyle/>
@@ -4439,6 +5390,10 @@
                   <a:solidFill>
                     <a:srgbClr val="FFFFFF"/>
                   </a:solidFill>
+                  <a:latin typeface="Arial"/>
+                  <a:ea typeface="Arial"/>
+                  <a:cs typeface="Arial"/>
+                  <a:sym typeface="Arial"/>
                 </a:defRPr>
               </a:pPr>
             </a:p>
@@ -4453,7 +5408,7 @@
           <p:spPr>
             <a:xfrm>
               <a:off x="3945883" y="798571"/>
-              <a:ext cx="1684367" cy="688341"/>
+              <a:ext cx="1684368" cy="688339"/>
             </a:xfrm>
             <a:prstGeom prst="rect">
               <a:avLst/>
@@ -4471,7 +5426,7 @@
             </a:extLst>
           </p:spPr>
           <p:txBody>
-            <a:bodyPr wrap="square" lIns="45719" tIns="45719" rIns="45719" bIns="45719" numCol="1" anchor="t">
+            <a:bodyPr wrap="square" lIns="45718" tIns="45718" rIns="45718" bIns="45718" numCol="1" anchor="t">
               <a:spAutoFit/>
             </a:bodyPr>
             <a:lstStyle/>
@@ -4481,10 +5436,6 @@
                   <a:solidFill>
                     <a:schemeClr val="accent3"/>
                   </a:solidFill>
-                  <a:latin typeface="+mn-lt"/>
-                  <a:ea typeface="+mn-ea"/>
-                  <a:cs typeface="+mn-cs"/>
-                  <a:sym typeface="Helvetica"/>
                 </a:defRPr>
               </a:pPr>
               <a:r>
@@ -4497,10 +5448,6 @@
                   <a:solidFill>
                     <a:schemeClr val="accent3"/>
                   </a:solidFill>
-                  <a:latin typeface="+mn-lt"/>
-                  <a:ea typeface="+mn-ea"/>
-                  <a:cs typeface="+mn-cs"/>
-                  <a:sym typeface="Helvetica"/>
                 </a:defRPr>
               </a:pPr>
               <a:r>
@@ -4518,7 +5465,7 @@
           <p:spPr>
             <a:xfrm>
               <a:off x="9566354" y="20193"/>
-              <a:ext cx="2651760" cy="1731904"/>
+              <a:ext cx="2651761" cy="1731902"/>
             </a:xfrm>
             <a:prstGeom prst="rect">
               <a:avLst/>
@@ -4536,7 +5483,7 @@
             </a:extLst>
           </p:spPr>
           <p:txBody>
-            <a:bodyPr wrap="square" lIns="45719" tIns="45719" rIns="45719" bIns="45719" numCol="1" anchor="t">
+            <a:bodyPr wrap="square" lIns="45718" tIns="45718" rIns="45718" bIns="45718" numCol="1" anchor="t">
               <a:spAutoFit/>
             </a:bodyPr>
             <a:lstStyle/>
@@ -4548,14 +5495,14 @@
                 <a:defRPr sz="1600"/>
               </a:pPr>
               <a:r>
-                <a:rPr>
-                  <a:latin typeface="+mn-lt"/>
-                  <a:ea typeface="+mn-ea"/>
-                  <a:cs typeface="+mn-cs"/>
-                  <a:sym typeface="Helvetica"/>
-                </a:rPr>
                 <a:t>标题正文：微软雅黑</a:t>
               </a:r>
+              <a:endParaRPr>
+                <a:latin typeface="Arial"/>
+                <a:ea typeface="Arial"/>
+                <a:cs typeface="Arial"/>
+                <a:sym typeface="Arial"/>
+              </a:endParaRPr>
             </a:p>
             <a:p>
               <a:pPr>
@@ -4565,36 +5512,47 @@
                 <a:defRPr sz="1600"/>
               </a:pPr>
               <a:r>
-                <a:rPr>
-                  <a:latin typeface="+mn-lt"/>
-                  <a:ea typeface="+mn-ea"/>
-                  <a:cs typeface="+mn-cs"/>
-                  <a:sym typeface="Helvetica"/>
-                </a:rPr>
                 <a:t>封面字号：</a:t>
               </a:r>
               <a:r>
+                <a:rPr>
+                  <a:latin typeface="Arial"/>
+                  <a:ea typeface="Arial"/>
+                  <a:cs typeface="Arial"/>
+                  <a:sym typeface="Arial"/>
+                </a:rPr>
                 <a:t>18-28 (</a:t>
               </a:r>
               <a:r>
-                <a:rPr>
-                  <a:latin typeface="+mn-lt"/>
-                  <a:ea typeface="+mn-ea"/>
-                  <a:cs typeface="+mn-cs"/>
-                  <a:sym typeface="Helvetica"/>
-                </a:rPr>
                 <a:t>小字</a:t>
               </a:r>
               <a:r>
+                <a:rPr>
+                  <a:latin typeface="Arial"/>
+                  <a:ea typeface="Arial"/>
+                  <a:cs typeface="Arial"/>
+                  <a:sym typeface="Arial"/>
+                </a:rPr>
                 <a:t>)      </a:t>
               </a:r>
+              <a:endParaRPr>
+                <a:latin typeface="Arial"/>
+                <a:ea typeface="Arial"/>
+                <a:cs typeface="Arial"/>
+                <a:sym typeface="Arial"/>
+              </a:endParaRPr>
             </a:p>
             <a:p>
               <a:pPr>
                 <a:lnSpc>
                   <a:spcPct val="120000"/>
                 </a:lnSpc>
-                <a:defRPr sz="1600"/>
+                <a:defRPr sz="1600">
+                  <a:latin typeface="Arial"/>
+                  <a:ea typeface="Arial"/>
+                  <a:cs typeface="Arial"/>
+                  <a:sym typeface="Arial"/>
+                </a:defRPr>
               </a:pPr>
               <a:r>
                 <a:t>                  48/43 (</a:t>
@@ -4620,29 +5578,35 @@
                 <a:defRPr sz="1600"/>
               </a:pPr>
               <a:r>
-                <a:rPr>
-                  <a:latin typeface="+mn-lt"/>
-                  <a:ea typeface="+mn-ea"/>
-                  <a:cs typeface="+mn-cs"/>
-                  <a:sym typeface="Helvetica"/>
-                </a:rPr>
                 <a:t>内页字号：</a:t>
               </a:r>
               <a:r>
+                <a:rPr>
+                  <a:latin typeface="Arial"/>
+                  <a:ea typeface="Arial"/>
+                  <a:cs typeface="Arial"/>
+                  <a:sym typeface="Arial"/>
+                </a:rPr>
                 <a:t>18-22-28 (</a:t>
               </a:r>
               <a:r>
-                <a:rPr>
-                  <a:latin typeface="+mn-lt"/>
-                  <a:ea typeface="+mn-ea"/>
-                  <a:cs typeface="+mn-cs"/>
-                  <a:sym typeface="Helvetica"/>
-                </a:rPr>
                 <a:t>标题</a:t>
               </a:r>
               <a:r>
+                <a:rPr>
+                  <a:latin typeface="Arial"/>
+                  <a:ea typeface="Arial"/>
+                  <a:cs typeface="Arial"/>
+                  <a:sym typeface="Arial"/>
+                </a:rPr>
                 <a:t>)</a:t>
               </a:r>
+              <a:endParaRPr>
+                <a:latin typeface="Arial"/>
+                <a:ea typeface="Arial"/>
+                <a:cs typeface="Arial"/>
+                <a:sym typeface="Arial"/>
+              </a:endParaRPr>
             </a:p>
             <a:p>
               <a:pPr>
@@ -4652,15 +5616,15 @@
                 <a:defRPr sz="1600"/>
               </a:pPr>
               <a:r>
-                <a:rPr>
-                  <a:latin typeface="+mn-lt"/>
-                  <a:ea typeface="+mn-ea"/>
-                  <a:cs typeface="+mn-cs"/>
-                  <a:sym typeface="Helvetica"/>
-                </a:rPr>
                 <a:t>内页行距：</a:t>
               </a:r>
               <a:r>
+                <a:rPr>
+                  <a:latin typeface="Arial"/>
+                  <a:ea typeface="Arial"/>
+                  <a:cs typeface="Arial"/>
+                  <a:sym typeface="Arial"/>
+                </a:rPr>
                 <a:t>1.2-1.3-1.5</a:t>
               </a:r>
             </a:p>
@@ -4675,7 +5639,7 @@
           <p:spPr>
             <a:xfrm>
               <a:off x="7246335" y="192432"/>
-              <a:ext cx="528096" cy="528095"/>
+              <a:ext cx="528097" cy="528097"/>
             </a:xfrm>
             <a:prstGeom prst="ellipse">
               <a:avLst/>
@@ -4690,7 +5654,7 @@
             <a:effectLst/>
           </p:spPr>
           <p:txBody>
-            <a:bodyPr wrap="square" lIns="45719" tIns="45719" rIns="45719" bIns="45719" numCol="1" anchor="ctr">
+            <a:bodyPr wrap="square" lIns="45718" tIns="45718" rIns="45718" bIns="45718" numCol="1" anchor="ctr">
               <a:noAutofit/>
             </a:bodyPr>
             <a:lstStyle/>
@@ -4700,6 +5664,10 @@
                   <a:solidFill>
                     <a:srgbClr val="FFFFFF"/>
                   </a:solidFill>
+                  <a:latin typeface="Arial"/>
+                  <a:ea typeface="Arial"/>
+                  <a:cs typeface="Arial"/>
+                  <a:sym typeface="Arial"/>
                 </a:defRPr>
               </a:pPr>
             </a:p>
@@ -4714,7 +5682,7 @@
           <p:spPr>
             <a:xfrm>
               <a:off x="6770236" y="798571"/>
-              <a:ext cx="1490610" cy="688341"/>
+              <a:ext cx="1490611" cy="688339"/>
             </a:xfrm>
             <a:prstGeom prst="rect">
               <a:avLst/>
@@ -4732,7 +5700,7 @@
             </a:extLst>
           </p:spPr>
           <p:txBody>
-            <a:bodyPr wrap="square" lIns="45719" tIns="45719" rIns="45719" bIns="45719" numCol="1" anchor="t">
+            <a:bodyPr wrap="square" lIns="45718" tIns="45718" rIns="45718" bIns="45718" numCol="1" anchor="t">
               <a:spAutoFit/>
             </a:bodyPr>
             <a:lstStyle/>
@@ -4742,10 +5710,6 @@
                   <a:solidFill>
                     <a:schemeClr val="accent5"/>
                   </a:solidFill>
-                  <a:latin typeface="+mn-lt"/>
-                  <a:ea typeface="+mn-ea"/>
-                  <a:cs typeface="+mn-cs"/>
-                  <a:sym typeface="Helvetica"/>
                 </a:defRPr>
               </a:pPr>
               <a:r>
@@ -4758,10 +5722,6 @@
                   <a:solidFill>
                     <a:schemeClr val="accent5"/>
                   </a:solidFill>
-                  <a:latin typeface="+mn-lt"/>
-                  <a:ea typeface="+mn-ea"/>
-                  <a:cs typeface="+mn-cs"/>
-                  <a:sym typeface="Helvetica"/>
                 </a:defRPr>
               </a:pPr>
               <a:r>
@@ -4778,8 +5738,8 @@
           </p:nvSpPr>
           <p:spPr>
             <a:xfrm>
-              <a:off x="8613412" y="192432"/>
-              <a:ext cx="528095" cy="528095"/>
+              <a:off x="8613413" y="192432"/>
+              <a:ext cx="528096" cy="528097"/>
             </a:xfrm>
             <a:prstGeom prst="ellipse">
               <a:avLst/>
@@ -4794,7 +5754,7 @@
             <a:effectLst/>
           </p:spPr>
           <p:txBody>
-            <a:bodyPr wrap="square" lIns="45719" tIns="45719" rIns="45719" bIns="45719" numCol="1" anchor="ctr">
+            <a:bodyPr wrap="square" lIns="45718" tIns="45718" rIns="45718" bIns="45718" numCol="1" anchor="ctr">
               <a:noAutofit/>
             </a:bodyPr>
             <a:lstStyle/>
@@ -4804,6 +5764,10 @@
                   <a:solidFill>
                     <a:srgbClr val="FFFFFF"/>
                   </a:solidFill>
+                  <a:latin typeface="Arial"/>
+                  <a:ea typeface="Arial"/>
+                  <a:cs typeface="Arial"/>
+                  <a:sym typeface="Arial"/>
                 </a:defRPr>
               </a:pPr>
             </a:p>
@@ -4818,7 +5782,7 @@
           <p:spPr>
             <a:xfrm>
               <a:off x="8133660" y="798571"/>
-              <a:ext cx="1490610" cy="688341"/>
+              <a:ext cx="1490611" cy="688339"/>
             </a:xfrm>
             <a:prstGeom prst="rect">
               <a:avLst/>
@@ -4836,7 +5800,7 @@
             </a:extLst>
           </p:spPr>
           <p:txBody>
-            <a:bodyPr wrap="square" lIns="45719" tIns="45719" rIns="45719" bIns="45719" numCol="1" anchor="t">
+            <a:bodyPr wrap="square" lIns="45718" tIns="45718" rIns="45718" bIns="45718" numCol="1" anchor="t">
               <a:spAutoFit/>
             </a:bodyPr>
             <a:lstStyle/>
@@ -4846,10 +5810,6 @@
                   <a:solidFill>
                     <a:schemeClr val="accent6"/>
                   </a:solidFill>
-                  <a:latin typeface="+mn-lt"/>
-                  <a:ea typeface="+mn-ea"/>
-                  <a:cs typeface="+mn-cs"/>
-                  <a:sym typeface="Helvetica"/>
                 </a:defRPr>
               </a:pPr>
               <a:r>
@@ -4862,10 +5822,6 @@
                   <a:solidFill>
                     <a:schemeClr val="accent6"/>
                   </a:solidFill>
-                  <a:latin typeface="+mn-lt"/>
-                  <a:ea typeface="+mn-ea"/>
-                  <a:cs typeface="+mn-cs"/>
-                  <a:sym typeface="Helvetica"/>
                 </a:defRPr>
               </a:pPr>
               <a:r>
@@ -4885,8 +5841,8 @@
         </p:nvSpPr>
         <p:spPr>
           <a:xfrm>
-            <a:off x="429573" y="1037349"/>
-            <a:ext cx="11272226" cy="5679023"/>
+            <a:off x="429573" y="1037348"/>
+            <a:ext cx="11272226" cy="5679025"/>
           </a:xfrm>
           <a:prstGeom prst="rect">
             <a:avLst/>
@@ -4901,7 +5857,7 @@
           </a:extLst>
         </p:spPr>
         <p:txBody>
-          <a:bodyPr lIns="45719" rIns="45719">
+          <a:bodyPr lIns="45718" tIns="45718" rIns="45718" bIns="45718">
             <a:normAutofit fontScale="100000" lnSpcReduction="0"/>
           </a:bodyPr>
           <a:lstStyle/>
@@ -4947,8 +5903,8 @@
         </p:nvSpPr>
         <p:spPr>
           <a:xfrm>
-            <a:off x="652671" y="67823"/>
-            <a:ext cx="9802416" cy="912883"/>
+            <a:off x="652671" y="67822"/>
+            <a:ext cx="9802416" cy="912885"/>
           </a:xfrm>
           <a:prstGeom prst="rect">
             <a:avLst/>
@@ -4963,7 +5919,7 @@
           </a:extLst>
         </p:spPr>
         <p:txBody>
-          <a:bodyPr lIns="45719" rIns="45719" anchor="ctr">
+          <a:bodyPr lIns="45718" tIns="45718" rIns="45718" bIns="45718" anchor="ctr">
             <a:normAutofit fontScale="100000" lnSpcReduction="0"/>
           </a:bodyPr>
           <a:lstStyle/>
@@ -4985,8 +5941,8 @@
         </p:nvSpPr>
         <p:spPr>
           <a:xfrm>
-            <a:off x="11489210" y="6451502"/>
-            <a:ext cx="301909" cy="307341"/>
+            <a:off x="11489213" y="6451503"/>
+            <a:ext cx="301907" cy="307339"/>
           </a:xfrm>
           <a:prstGeom prst="rect">
             <a:avLst/>
@@ -4996,7 +5952,7 @@
           </a:ln>
         </p:spPr>
         <p:txBody>
-          <a:bodyPr wrap="none" lIns="45719" rIns="45719" anchor="ctr">
+          <a:bodyPr wrap="none" lIns="45718" tIns="45718" rIns="45718" bIns="45718" anchor="ctr">
             <a:spAutoFit/>
           </a:bodyPr>
           <a:lstStyle>
@@ -5005,10 +5961,6 @@
                 <a:solidFill>
                   <a:srgbClr val="888888"/>
                 </a:solidFill>
-                <a:latin typeface="+mn-lt"/>
-                <a:ea typeface="+mn-ea"/>
-                <a:cs typeface="+mn-cs"/>
-                <a:sym typeface="Helvetica"/>
               </a:defRPr>
             </a:lvl1pPr>
           </a:lstStyle>
@@ -5345,7 +6297,7 @@
           <a:sym typeface="Helvetica"/>
         </a:defRPr>
       </a:lvl3pPr>
-      <a:lvl4pPr marL="0" marR="0" indent="1371600" algn="l" defTabSz="914400" rtl="0" latinLnBrk="0">
+      <a:lvl4pPr marL="0" marR="0" indent="0" algn="l" defTabSz="914400" rtl="0" latinLnBrk="0">
         <a:lnSpc>
           <a:spcPct val="120000"/>
         </a:lnSpc>
@@ -5371,7 +6323,7 @@
           <a:sym typeface="Helvetica"/>
         </a:defRPr>
       </a:lvl4pPr>
-      <a:lvl5pPr marL="0" marR="0" indent="1828800" algn="l" defTabSz="914400" rtl="0" latinLnBrk="0">
+      <a:lvl5pPr marL="0" marR="0" indent="0" algn="l" defTabSz="914400" rtl="0" latinLnBrk="0">
         <a:lnSpc>
           <a:spcPct val="120000"/>
         </a:lnSpc>
@@ -5529,7 +6481,7 @@
           <a:sym typeface="Helvetica"/>
         </a:defRPr>
       </a:lvl1pPr>
-      <a:lvl2pPr marL="0" marR="0" indent="457200" algn="r" defTabSz="457200" rtl="0" latinLnBrk="0">
+      <a:lvl2pPr marL="0" marR="0" indent="0" algn="r" defTabSz="457200" rtl="0" latinLnBrk="0">
         <a:lnSpc>
           <a:spcPct val="100000"/>
         </a:lnSpc>
@@ -5555,7 +6507,7 @@
           <a:sym typeface="Helvetica"/>
         </a:defRPr>
       </a:lvl2pPr>
-      <a:lvl3pPr marL="0" marR="0" indent="914400" algn="r" defTabSz="457200" rtl="0" latinLnBrk="0">
+      <a:lvl3pPr marL="0" marR="0" indent="0" algn="r" defTabSz="457200" rtl="0" latinLnBrk="0">
         <a:lnSpc>
           <a:spcPct val="100000"/>
         </a:lnSpc>
@@ -5581,7 +6533,7 @@
           <a:sym typeface="Helvetica"/>
         </a:defRPr>
       </a:lvl3pPr>
-      <a:lvl4pPr marL="0" marR="0" indent="1371600" algn="r" defTabSz="457200" rtl="0" latinLnBrk="0">
+      <a:lvl4pPr marL="0" marR="0" indent="0" algn="r" defTabSz="457200" rtl="0" latinLnBrk="0">
         <a:lnSpc>
           <a:spcPct val="100000"/>
         </a:lnSpc>
@@ -5607,7 +6559,7 @@
           <a:sym typeface="Helvetica"/>
         </a:defRPr>
       </a:lvl4pPr>
-      <a:lvl5pPr marL="0" marR="0" indent="1828800" algn="r" defTabSz="457200" rtl="0" latinLnBrk="0">
+      <a:lvl5pPr marL="0" marR="0" indent="0" algn="r" defTabSz="457200" rtl="0" latinLnBrk="0">
         <a:lnSpc>
           <a:spcPct val="100000"/>
         </a:lnSpc>
@@ -5633,7 +6585,7 @@
           <a:sym typeface="Helvetica"/>
         </a:defRPr>
       </a:lvl5pPr>
-      <a:lvl6pPr marL="0" marR="0" indent="2286000" algn="r" defTabSz="457200" rtl="0" latinLnBrk="0">
+      <a:lvl6pPr marL="0" marR="0" indent="0" algn="r" defTabSz="457200" rtl="0" latinLnBrk="0">
         <a:lnSpc>
           <a:spcPct val="100000"/>
         </a:lnSpc>
@@ -5659,7 +6611,7 @@
           <a:sym typeface="Helvetica"/>
         </a:defRPr>
       </a:lvl6pPr>
-      <a:lvl7pPr marL="0" marR="0" indent="2743200" algn="r" defTabSz="457200" rtl="0" latinLnBrk="0">
+      <a:lvl7pPr marL="0" marR="0" indent="0" algn="r" defTabSz="457200" rtl="0" latinLnBrk="0">
         <a:lnSpc>
           <a:spcPct val="100000"/>
         </a:lnSpc>
@@ -5685,7 +6637,7 @@
           <a:sym typeface="Helvetica"/>
         </a:defRPr>
       </a:lvl7pPr>
-      <a:lvl8pPr marL="0" marR="0" indent="3200400" algn="r" defTabSz="457200" rtl="0" latinLnBrk="0">
+      <a:lvl8pPr marL="0" marR="0" indent="0" algn="r" defTabSz="457200" rtl="0" latinLnBrk="0">
         <a:lnSpc>
           <a:spcPct val="100000"/>
         </a:lnSpc>
@@ -5711,7 +6663,7 @@
           <a:sym typeface="Helvetica"/>
         </a:defRPr>
       </a:lvl8pPr>
-      <a:lvl9pPr marL="0" marR="0" indent="3657600" algn="r" defTabSz="457200" rtl="0" latinLnBrk="0">
+      <a:lvl9pPr marL="0" marR="0" indent="0" algn="r" defTabSz="457200" rtl="0" latinLnBrk="0">
         <a:lnSpc>
           <a:spcPct val="100000"/>
         </a:lnSpc>
@@ -5761,7 +6713,7 @@
       </p:grpSpPr>
       <p:sp>
         <p:nvSpPr>
-          <p:cNvPr id="128" name="标题 1"/>
+          <p:cNvPr id="147" name="标题 1"/>
           <p:cNvSpPr txBox="1"/>
           <p:nvPr>
             <p:ph type="title"/>
@@ -5770,7 +6722,7 @@
         <p:spPr>
           <a:xfrm>
             <a:off x="690107" y="1071138"/>
-            <a:ext cx="9023237" cy="1429299"/>
+            <a:ext cx="9023237" cy="1429300"/>
           </a:xfrm>
           <a:prstGeom prst="rect">
             <a:avLst/>
@@ -5793,7 +6745,7 @@
       </p:sp>
       <p:sp>
         <p:nvSpPr>
-          <p:cNvPr id="129" name="内容占位符 4"/>
+          <p:cNvPr id="148" name="内容占位符 4"/>
           <p:cNvSpPr txBox="1"/>
           <p:nvPr>
             <p:ph type="body" sz="quarter" idx="1"/>
@@ -5802,7 +6754,7 @@
         <p:spPr>
           <a:xfrm>
             <a:off x="724614" y="3789455"/>
-            <a:ext cx="5369913" cy="484099"/>
+            <a:ext cx="5369913" cy="484100"/>
           </a:xfrm>
           <a:prstGeom prst="rect">
             <a:avLst/>
@@ -5810,35 +6762,34 @@
         </p:spPr>
         <p:txBody>
           <a:bodyPr/>
-          <a:lstStyle/>
-          <a:p>
-            <a:pPr>
+          <a:lstStyle>
+            <a:lvl1pPr>
               <a:defRPr sz="1800">
                 <a:latin typeface="+mn-lt"/>
                 <a:ea typeface="+mn-ea"/>
                 <a:cs typeface="+mn-cs"/>
                 <a:sym typeface="Helvetica"/>
               </a:defRPr>
-            </a:pPr>
+            </a:lvl1pPr>
+          </a:lstStyle>
+          <a:p>
+            <a:pPr/>
             <a:r>
-              <a:t>2022</a:t>
-            </a:r>
-            <a:r>
-              <a:t>年08月02日</a:t>
+              <a:t>2022年08月11日</a:t>
             </a:r>
           </a:p>
         </p:txBody>
       </p:sp>
       <p:sp>
         <p:nvSpPr>
-          <p:cNvPr id="130" name="内容占位符 3"/>
+          <p:cNvPr id="149" name="内容占位符 3"/>
           <p:cNvSpPr txBox="1"/>
           <p:nvPr/>
         </p:nvSpPr>
         <p:spPr>
           <a:xfrm>
-            <a:off x="719534" y="2996069"/>
-            <a:ext cx="5278473" cy="484099"/>
+            <a:off x="719533" y="2996070"/>
+            <a:ext cx="5278475" cy="484098"/>
           </a:xfrm>
           <a:prstGeom prst="rect">
             <a:avLst/>
@@ -5853,7 +6804,7 @@
           </a:extLst>
         </p:spPr>
         <p:txBody>
-          <a:bodyPr lIns="45719" rIns="45719">
+          <a:bodyPr lIns="45718" tIns="45718" rIns="45718" bIns="45718">
             <a:normAutofit fontScale="100000" lnSpcReduction="0"/>
           </a:bodyPr>
           <a:lstStyle>
@@ -5868,10 +6819,6 @@
                 <a:solidFill>
                   <a:srgbClr val="FFFFFF"/>
                 </a:solidFill>
-                <a:latin typeface="+mn-lt"/>
-                <a:ea typeface="+mn-ea"/>
-                <a:cs typeface="+mn-cs"/>
-                <a:sym typeface="Helvetica"/>
               </a:defRPr>
             </a:lvl1pPr>
           </a:lstStyle>
@@ -5885,14 +6832,14 @@
       </p:sp>
       <p:sp>
         <p:nvSpPr>
-          <p:cNvPr id="131" name="内容占位符 3"/>
+          <p:cNvPr id="150" name="内容占位符 3"/>
           <p:cNvSpPr txBox="1"/>
           <p:nvPr/>
         </p:nvSpPr>
         <p:spPr>
           <a:xfrm>
-            <a:off x="706834" y="3437907"/>
-            <a:ext cx="5278473" cy="484099"/>
+            <a:off x="706833" y="3437907"/>
+            <a:ext cx="5278475" cy="484098"/>
           </a:xfrm>
           <a:prstGeom prst="rect">
             <a:avLst/>
@@ -5907,7 +6854,7 @@
           </a:extLst>
         </p:spPr>
         <p:txBody>
-          <a:bodyPr lIns="45719" rIns="45719">
+          <a:bodyPr lIns="45718" tIns="45718" rIns="45718" bIns="45718">
             <a:normAutofit fontScale="100000" lnSpcReduction="0"/>
           </a:bodyPr>
           <a:lstStyle>
@@ -5922,10 +6869,6 @@
                 <a:solidFill>
                   <a:srgbClr val="FFFFFF"/>
                 </a:solidFill>
-                <a:latin typeface="+mn-lt"/>
-                <a:ea typeface="+mn-ea"/>
-                <a:cs typeface="+mn-cs"/>
-                <a:sym typeface="Helvetica"/>
               </a:defRPr>
             </a:lvl1pPr>
           </a:lstStyle>
@@ -5965,14 +6908,14 @@
       </p:grpSpPr>
       <p:sp>
         <p:nvSpPr>
-          <p:cNvPr id="193" name="直接连接符 6"/>
+          <p:cNvPr id="212" name="直接连接符 6"/>
           <p:cNvSpPr/>
           <p:nvPr/>
         </p:nvSpPr>
         <p:spPr>
           <a:xfrm>
             <a:off x="848233" y="2402250"/>
-            <a:ext cx="872434" cy="1"/>
+            <a:ext cx="872433" cy="2"/>
           </a:xfrm>
           <a:prstGeom prst="line">
             <a:avLst/>
@@ -5987,7 +6930,7 @@
           </a:ln>
         </p:spPr>
         <p:txBody>
-          <a:bodyPr lIns="45719" rIns="45719"/>
+          <a:bodyPr lIns="45718" tIns="45718" rIns="45718" bIns="45718"/>
           <a:lstStyle/>
           <a:p>
             <a:pPr/>
@@ -5996,14 +6939,14 @@
       </p:sp>
       <p:sp>
         <p:nvSpPr>
-          <p:cNvPr id="194" name="文本框 8"/>
+          <p:cNvPr id="213" name="文本框 8"/>
           <p:cNvSpPr txBox="1"/>
           <p:nvPr/>
         </p:nvSpPr>
         <p:spPr>
           <a:xfrm>
-            <a:off x="949245" y="1282961"/>
-            <a:ext cx="1207167" cy="1005841"/>
+            <a:off x="949244" y="1282961"/>
+            <a:ext cx="1207168" cy="1005839"/>
           </a:xfrm>
           <a:prstGeom prst="rect">
             <a:avLst/>
@@ -6018,7 +6961,7 @@
           </a:extLst>
         </p:spPr>
         <p:txBody>
-          <a:bodyPr lIns="45719" rIns="45719">
+          <a:bodyPr lIns="45718" tIns="45718" rIns="45718" bIns="45718">
             <a:spAutoFit/>
           </a:bodyPr>
           <a:lstStyle>
@@ -6027,10 +6970,6 @@
                 <a:solidFill>
                   <a:srgbClr val="FFFFFF"/>
                 </a:solidFill>
-                <a:latin typeface="+mn-lt"/>
-                <a:ea typeface="+mn-ea"/>
-                <a:cs typeface="+mn-cs"/>
-                <a:sym typeface="Helvetica"/>
               </a:defRPr>
             </a:lvl1pPr>
           </a:lstStyle>
@@ -6044,7 +6983,7 @@
       </p:sp>
       <p:sp>
         <p:nvSpPr>
-          <p:cNvPr id="195" name="标题 2"/>
+          <p:cNvPr id="214" name="标题 2"/>
           <p:cNvSpPr txBox="1"/>
           <p:nvPr>
             <p:ph type="title"/>
@@ -6052,8 +6991,8 @@
         </p:nvSpPr>
         <p:spPr>
           <a:xfrm>
-            <a:off x="652671" y="67823"/>
-            <a:ext cx="9802416" cy="912883"/>
+            <a:off x="652671" y="67822"/>
+            <a:ext cx="9802416" cy="912885"/>
           </a:xfrm>
           <a:prstGeom prst="rect">
             <a:avLst/>
@@ -6072,16 +7011,16 @@
       </p:sp>
       <p:sp>
         <p:nvSpPr>
-          <p:cNvPr id="196" name="灯片编号占位符 1"/>
+          <p:cNvPr id="215" name="灯片编号占位符 1"/>
           <p:cNvSpPr txBox="1"/>
           <p:nvPr>
-            <p:ph type="sldNum" sz="quarter" idx="2"/>
+            <p:ph type="sldNum" sz="quarter" idx="4294967295"/>
           </p:nvPr>
         </p:nvSpPr>
         <p:spPr>
           <a:xfrm>
             <a:off x="11324110" y="6451502"/>
-            <a:ext cx="301909" cy="307341"/>
+            <a:ext cx="301906" cy="307339"/>
           </a:xfrm>
           <a:prstGeom prst="rect">
             <a:avLst/>
@@ -6103,14 +7042,14 @@
       </p:sp>
       <p:sp>
         <p:nvSpPr>
-          <p:cNvPr id="197" name="1. Universal Module Definition 统一模块定义…"/>
+          <p:cNvPr id="216" name="1. Universal Module Definition 统一模块定义…"/>
           <p:cNvSpPr txBox="1"/>
           <p:nvPr/>
         </p:nvSpPr>
         <p:spPr>
           <a:xfrm>
-            <a:off x="6149265" y="2695010"/>
-            <a:ext cx="4576017" cy="1000620"/>
+            <a:off x="6149264" y="2695010"/>
+            <a:ext cx="4576015" cy="1000618"/>
           </a:xfrm>
           <a:prstGeom prst="rect">
             <a:avLst/>
@@ -6125,7 +7064,7 @@
           </a:extLst>
         </p:spPr>
         <p:txBody>
-          <a:bodyPr wrap="none" lIns="45719" rIns="45719">
+          <a:bodyPr wrap="none" lIns="45718" tIns="45718" rIns="45718" bIns="45718">
             <a:spAutoFit/>
           </a:bodyPr>
           <a:lstStyle/>
@@ -6135,6 +7074,10 @@
                 <a:solidFill>
                   <a:schemeClr val="accent1"/>
                 </a:solidFill>
+                <a:latin typeface="Arial"/>
+                <a:ea typeface="Arial"/>
+                <a:cs typeface="Arial"/>
+                <a:sym typeface="Arial"/>
               </a:defRPr>
             </a:pPr>
             <a:r>
@@ -6147,6 +7090,10 @@
                 <a:solidFill>
                   <a:schemeClr val="accent1"/>
                 </a:solidFill>
+                <a:latin typeface="Arial"/>
+                <a:ea typeface="Arial"/>
+                <a:cs typeface="Arial"/>
+                <a:sym typeface="Arial"/>
               </a:defRPr>
             </a:pPr>
           </a:p>
@@ -6156,6 +7103,10 @@
                 <a:solidFill>
                   <a:schemeClr val="accent1"/>
                 </a:solidFill>
+                <a:latin typeface="Arial"/>
+                <a:ea typeface="Arial"/>
+                <a:cs typeface="Arial"/>
+                <a:sym typeface="Arial"/>
               </a:defRPr>
             </a:pPr>
             <a:r>
@@ -6166,7 +7117,7 @@
       </p:sp>
       <p:pic>
         <p:nvPicPr>
-          <p:cNvPr id="198" name="Website-Logo.png" descr="Website-Logo.png"/>
+          <p:cNvPr id="217" name="Website-Logo.png" descr="Website-Logo.png"/>
           <p:cNvPicPr>
             <a:picLocks noChangeAspect="1"/>
           </p:cNvPicPr>
@@ -6183,7 +7134,7 @@
         <p:spPr>
           <a:xfrm>
             <a:off x="1788160" y="1354081"/>
-            <a:ext cx="2540001" cy="863601"/>
+            <a:ext cx="2540002" cy="863601"/>
           </a:xfrm>
           <a:prstGeom prst="rect">
             <a:avLst/>
@@ -6195,7 +7146,7 @@
       </p:pic>
       <p:pic>
         <p:nvPicPr>
-          <p:cNvPr id="199" name="logo.png" descr="logo.png"/>
+          <p:cNvPr id="218" name="logo.png" descr="logo.png"/>
           <p:cNvPicPr>
             <a:picLocks noChangeAspect="1"/>
           </p:cNvPicPr>
@@ -6211,8 +7162,8 @@
         </p:blipFill>
         <p:spPr>
           <a:xfrm>
-            <a:off x="1640839" y="3823795"/>
-            <a:ext cx="2255298" cy="1414687"/>
+            <a:off x="1640838" y="3823794"/>
+            <a:ext cx="2255299" cy="1414688"/>
           </a:xfrm>
           <a:prstGeom prst="rect">
             <a:avLst/>
@@ -6224,28 +7175,28 @@
       </p:pic>
       <p:grpSp>
         <p:nvGrpSpPr>
-          <p:cNvPr id="202" name="Plus Mark"/>
+          <p:cNvPr id="221" name="Plus Mark"/>
           <p:cNvGrpSpPr/>
           <p:nvPr/>
         </p:nvGrpSpPr>
         <p:grpSpPr>
           <a:xfrm>
-            <a:off x="2330209" y="2582459"/>
-            <a:ext cx="876559" cy="876559"/>
-            <a:chOff x="0" y="0"/>
-            <a:chExt cx="876558" cy="876557"/>
+            <a:off x="2330207" y="2582458"/>
+            <a:ext cx="876562" cy="876562"/>
+            <a:chOff x="-1" y="0"/>
+            <a:chExt cx="876561" cy="876560"/>
           </a:xfrm>
         </p:grpSpPr>
         <p:sp>
           <p:nvSpPr>
-            <p:cNvPr id="201" name="Plus Mark"/>
+            <p:cNvPr id="219" name="Plus Mark"/>
             <p:cNvSpPr/>
             <p:nvPr/>
           </p:nvSpPr>
           <p:spPr>
             <a:xfrm>
               <a:off x="50800" y="50800"/>
-              <a:ext cx="774958" cy="774958"/>
+              <a:ext cx="774960" cy="774960"/>
             </a:xfrm>
             <a:custGeom>
               <a:avLst/>
@@ -6374,26 +7325,34 @@
             <a:solidFill>
               <a:schemeClr val="accent1"/>
             </a:solidFill>
-            <a:ln>
+            <a:ln w="12700" cap="flat">
               <a:noFill/>
+              <a:miter lim="400000"/>
             </a:ln>
             <a:effectLst/>
           </p:spPr>
           <p:txBody>
-            <a:bodyPr wrap="square" lIns="45719" tIns="45719" rIns="45719" bIns="45719" numCol="1" anchor="ctr">
+            <a:bodyPr wrap="square" lIns="45718" tIns="45718" rIns="45718" bIns="45718" numCol="1" anchor="ctr">
               <a:noAutofit/>
             </a:bodyPr>
             <a:lstStyle/>
             <a:p>
-              <a:pPr/>
+              <a:pPr>
+                <a:defRPr>
+                  <a:latin typeface="Arial"/>
+                  <a:ea typeface="Arial"/>
+                  <a:cs typeface="Arial"/>
+                  <a:sym typeface="Arial"/>
+                </a:defRPr>
+              </a:pPr>
             </a:p>
           </p:txBody>
         </p:sp>
         <p:pic>
           <p:nvPicPr>
-            <p:cNvPr id="200" name="Plus Mark Plus Mark" descr="Plus Mark Plus Mark"/>
+            <p:cNvPr id="220" name="Plus Mark Plus Mark" descr="Plus Mark Plus Mark"/>
             <p:cNvPicPr>
-              <a:picLocks noChangeAspect="0"/>
+              <a:picLocks noChangeAspect="1"/>
             </p:cNvPicPr>
             <p:nvPr/>
           </p:nvPicPr>
@@ -6407,12 +7366,16 @@
           </p:blipFill>
           <p:spPr>
             <a:xfrm>
-              <a:off x="-1" y="-1"/>
-              <a:ext cx="876560" cy="876559"/>
+              <a:off x="-2" y="-1"/>
+              <a:ext cx="876563" cy="876561"/>
             </a:xfrm>
             <a:prstGeom prst="rect">
               <a:avLst/>
             </a:prstGeom>
+            <a:ln w="12700" cap="flat">
+              <a:noFill/>
+              <a:miter lim="400000"/>
+            </a:ln>
             <a:effectLst/>
           </p:spPr>
         </p:pic>
@@ -6445,14 +7408,14 @@
       </p:grpSpPr>
       <p:sp>
         <p:nvSpPr>
-          <p:cNvPr id="204" name="直接连接符 6"/>
+          <p:cNvPr id="223" name="直接连接符 6"/>
           <p:cNvSpPr/>
           <p:nvPr/>
         </p:nvSpPr>
         <p:spPr>
           <a:xfrm>
             <a:off x="848233" y="2402250"/>
-            <a:ext cx="872434" cy="1"/>
+            <a:ext cx="872433" cy="2"/>
           </a:xfrm>
           <a:prstGeom prst="line">
             <a:avLst/>
@@ -6467,7 +7430,7 @@
           </a:ln>
         </p:spPr>
         <p:txBody>
-          <a:bodyPr lIns="45719" rIns="45719"/>
+          <a:bodyPr lIns="45718" tIns="45718" rIns="45718" bIns="45718"/>
           <a:lstStyle/>
           <a:p>
             <a:pPr/>
@@ -6476,14 +7439,14 @@
       </p:sp>
       <p:sp>
         <p:nvSpPr>
-          <p:cNvPr id="205" name="文本框 8"/>
+          <p:cNvPr id="224" name="文本框 8"/>
           <p:cNvSpPr txBox="1"/>
           <p:nvPr/>
         </p:nvSpPr>
         <p:spPr>
           <a:xfrm>
-            <a:off x="949245" y="1282961"/>
-            <a:ext cx="1207167" cy="1005841"/>
+            <a:off x="949244" y="1282961"/>
+            <a:ext cx="1207168" cy="1005839"/>
           </a:xfrm>
           <a:prstGeom prst="rect">
             <a:avLst/>
@@ -6498,7 +7461,7 @@
           </a:extLst>
         </p:spPr>
         <p:txBody>
-          <a:bodyPr lIns="45719" rIns="45719">
+          <a:bodyPr lIns="45718" tIns="45718" rIns="45718" bIns="45718">
             <a:spAutoFit/>
           </a:bodyPr>
           <a:lstStyle>
@@ -6507,10 +7470,6 @@
                 <a:solidFill>
                   <a:srgbClr val="FFFFFF"/>
                 </a:solidFill>
-                <a:latin typeface="+mn-lt"/>
-                <a:ea typeface="+mn-ea"/>
-                <a:cs typeface="+mn-cs"/>
-                <a:sym typeface="Helvetica"/>
               </a:defRPr>
             </a:lvl1pPr>
           </a:lstStyle>
@@ -6524,7 +7483,7 @@
       </p:sp>
       <p:sp>
         <p:nvSpPr>
-          <p:cNvPr id="206" name="标题 2"/>
+          <p:cNvPr id="225" name="标题 2"/>
           <p:cNvSpPr txBox="1"/>
           <p:nvPr>
             <p:ph type="title"/>
@@ -6532,8 +7491,8 @@
         </p:nvSpPr>
         <p:spPr>
           <a:xfrm>
-            <a:off x="652671" y="67823"/>
-            <a:ext cx="9802416" cy="912883"/>
+            <a:off x="652671" y="67822"/>
+            <a:ext cx="9802416" cy="912885"/>
           </a:xfrm>
           <a:prstGeom prst="rect">
             <a:avLst/>
@@ -6552,16 +7511,16 @@
       </p:sp>
       <p:sp>
         <p:nvSpPr>
-          <p:cNvPr id="207" name="灯片编号占位符 1"/>
+          <p:cNvPr id="226" name="灯片编号占位符 1"/>
           <p:cNvSpPr txBox="1"/>
           <p:nvPr>
-            <p:ph type="sldNum" sz="quarter" idx="2"/>
+            <p:ph type="sldNum" sz="quarter" idx="4294967295"/>
           </p:nvPr>
         </p:nvSpPr>
         <p:spPr>
           <a:xfrm>
             <a:off x="11337219" y="6451502"/>
-            <a:ext cx="288800" cy="307341"/>
+            <a:ext cx="288797" cy="307339"/>
           </a:xfrm>
           <a:prstGeom prst="rect">
             <a:avLst/>
@@ -6583,14 +7542,14 @@
       </p:sp>
       <p:sp>
         <p:nvSpPr>
-          <p:cNvPr id="208" name="1. ES6模块化…"/>
+          <p:cNvPr id="227" name="1. ES6模块化…"/>
           <p:cNvSpPr txBox="1"/>
           <p:nvPr/>
         </p:nvSpPr>
         <p:spPr>
           <a:xfrm>
-            <a:off x="1770305" y="2421889"/>
-            <a:ext cx="2263451" cy="1534020"/>
+            <a:off x="1770304" y="2421889"/>
+            <a:ext cx="2263449" cy="1534018"/>
           </a:xfrm>
           <a:prstGeom prst="rect">
             <a:avLst/>
@@ -6605,7 +7564,7 @@
           </a:extLst>
         </p:spPr>
         <p:txBody>
-          <a:bodyPr wrap="none" lIns="45719" rIns="45719">
+          <a:bodyPr wrap="none" lIns="45718" tIns="45718" rIns="45718" bIns="45718">
             <a:spAutoFit/>
           </a:bodyPr>
           <a:lstStyle/>
@@ -6615,6 +7574,10 @@
                 <a:solidFill>
                   <a:schemeClr val="accent1"/>
                 </a:solidFill>
+                <a:latin typeface="Arial"/>
+                <a:ea typeface="Arial"/>
+                <a:cs typeface="Arial"/>
+                <a:sym typeface="Arial"/>
               </a:defRPr>
             </a:pPr>
             <a:r>
@@ -6627,6 +7590,10 @@
                 <a:solidFill>
                   <a:schemeClr val="accent1"/>
                 </a:solidFill>
+                <a:latin typeface="Arial"/>
+                <a:ea typeface="Arial"/>
+                <a:cs typeface="Arial"/>
+                <a:sym typeface="Arial"/>
               </a:defRPr>
             </a:pPr>
           </a:p>
@@ -6636,6 +7603,10 @@
                 <a:solidFill>
                   <a:schemeClr val="accent1"/>
                 </a:solidFill>
+                <a:latin typeface="Arial"/>
+                <a:ea typeface="Arial"/>
+                <a:cs typeface="Arial"/>
+                <a:sym typeface="Arial"/>
               </a:defRPr>
             </a:pPr>
             <a:r>
@@ -6648,6 +7619,10 @@
                 <a:solidFill>
                   <a:schemeClr val="accent1"/>
                 </a:solidFill>
+                <a:latin typeface="Arial"/>
+                <a:ea typeface="Arial"/>
+                <a:cs typeface="Arial"/>
+                <a:sym typeface="Arial"/>
               </a:defRPr>
             </a:pPr>
           </a:p>
@@ -6657,6 +7632,10 @@
                 <a:solidFill>
                   <a:schemeClr val="accent1"/>
                 </a:solidFill>
+                <a:latin typeface="Arial"/>
+                <a:ea typeface="Arial"/>
+                <a:cs typeface="Arial"/>
+                <a:sym typeface="Arial"/>
               </a:defRPr>
             </a:pPr>
             <a:r>
@@ -6667,7 +7646,7 @@
       </p:sp>
       <p:pic>
         <p:nvPicPr>
-          <p:cNvPr id="209" name="module.png" descr="module.png"/>
+          <p:cNvPr id="228" name="module.png" descr="module.png"/>
           <p:cNvPicPr>
             <a:picLocks noChangeAspect="1"/>
           </p:cNvPicPr>
@@ -6683,8 +7662,8 @@
         </p:blipFill>
         <p:spPr>
           <a:xfrm>
-            <a:off x="7345680" y="1918899"/>
-            <a:ext cx="2540001" cy="2540001"/>
+            <a:off x="7345680" y="1918898"/>
+            <a:ext cx="2540002" cy="2540002"/>
           </a:xfrm>
           <a:prstGeom prst="rect">
             <a:avLst/>
@@ -6722,14 +7701,14 @@
       </p:grpSpPr>
       <p:sp>
         <p:nvSpPr>
-          <p:cNvPr id="211" name="直接连接符 6"/>
+          <p:cNvPr id="230" name="直接连接符 6"/>
           <p:cNvSpPr/>
           <p:nvPr/>
         </p:nvSpPr>
         <p:spPr>
           <a:xfrm>
             <a:off x="848233" y="2402250"/>
-            <a:ext cx="872434" cy="1"/>
+            <a:ext cx="872433" cy="2"/>
           </a:xfrm>
           <a:prstGeom prst="line">
             <a:avLst/>
@@ -6744,7 +7723,7 @@
           </a:ln>
         </p:spPr>
         <p:txBody>
-          <a:bodyPr lIns="45719" rIns="45719"/>
+          <a:bodyPr lIns="45718" tIns="45718" rIns="45718" bIns="45718"/>
           <a:lstStyle/>
           <a:p>
             <a:pPr/>
@@ -6753,14 +7732,14 @@
       </p:sp>
       <p:sp>
         <p:nvSpPr>
-          <p:cNvPr id="212" name="文本框 8"/>
+          <p:cNvPr id="231" name="文本框 8"/>
           <p:cNvSpPr txBox="1"/>
           <p:nvPr/>
         </p:nvSpPr>
         <p:spPr>
           <a:xfrm>
-            <a:off x="949245" y="1282961"/>
-            <a:ext cx="1207167" cy="1005841"/>
+            <a:off x="949244" y="1282961"/>
+            <a:ext cx="1207168" cy="1005839"/>
           </a:xfrm>
           <a:prstGeom prst="rect">
             <a:avLst/>
@@ -6775,7 +7754,7 @@
           </a:extLst>
         </p:spPr>
         <p:txBody>
-          <a:bodyPr lIns="45719" rIns="45719">
+          <a:bodyPr lIns="45718" tIns="45718" rIns="45718" bIns="45718">
             <a:spAutoFit/>
           </a:bodyPr>
           <a:lstStyle>
@@ -6784,10 +7763,6 @@
                 <a:solidFill>
                   <a:srgbClr val="FFFFFF"/>
                 </a:solidFill>
-                <a:latin typeface="+mn-lt"/>
-                <a:ea typeface="+mn-ea"/>
-                <a:cs typeface="+mn-cs"/>
-                <a:sym typeface="Helvetica"/>
               </a:defRPr>
             </a:lvl1pPr>
           </a:lstStyle>
@@ -6801,7 +7776,7 @@
       </p:sp>
       <p:sp>
         <p:nvSpPr>
-          <p:cNvPr id="213" name="标题 2"/>
+          <p:cNvPr id="232" name="标题 2"/>
           <p:cNvSpPr txBox="1"/>
           <p:nvPr>
             <p:ph type="title"/>
@@ -6809,8 +7784,8 @@
         </p:nvSpPr>
         <p:spPr>
           <a:xfrm>
-            <a:off x="652671" y="67823"/>
-            <a:ext cx="9802416" cy="912883"/>
+            <a:off x="652671" y="67822"/>
+            <a:ext cx="9802416" cy="912885"/>
           </a:xfrm>
           <a:prstGeom prst="rect">
             <a:avLst/>
@@ -6829,16 +7804,16 @@
       </p:sp>
       <p:sp>
         <p:nvSpPr>
-          <p:cNvPr id="214" name="灯片编号占位符 1"/>
+          <p:cNvPr id="233" name="灯片编号占位符 1"/>
           <p:cNvSpPr txBox="1"/>
           <p:nvPr>
-            <p:ph type="sldNum" sz="quarter" idx="2"/>
+            <p:ph type="sldNum" sz="quarter" idx="4294967295"/>
           </p:nvPr>
         </p:nvSpPr>
         <p:spPr>
           <a:xfrm>
             <a:off x="11324110" y="6451502"/>
-            <a:ext cx="301909" cy="307341"/>
+            <a:ext cx="301906" cy="307339"/>
           </a:xfrm>
           <a:prstGeom prst="rect">
             <a:avLst/>
@@ -6860,14 +7835,14 @@
       </p:sp>
       <p:sp>
         <p:nvSpPr>
-          <p:cNvPr id="215" name="1. 支持以上所有模块化规范及标准…"/>
+          <p:cNvPr id="234" name="1. 支持以上所有模块化规范及标准…"/>
           <p:cNvSpPr txBox="1"/>
           <p:nvPr/>
         </p:nvSpPr>
         <p:spPr>
           <a:xfrm>
             <a:off x="6850305" y="2377510"/>
-            <a:ext cx="3558703" cy="1534020"/>
+            <a:ext cx="3558700" cy="1534018"/>
           </a:xfrm>
           <a:prstGeom prst="rect">
             <a:avLst/>
@@ -6882,7 +7857,7 @@
           </a:extLst>
         </p:spPr>
         <p:txBody>
-          <a:bodyPr wrap="none" lIns="45719" rIns="45719">
+          <a:bodyPr wrap="none" lIns="45718" tIns="45718" rIns="45718" bIns="45718">
             <a:spAutoFit/>
           </a:bodyPr>
           <a:lstStyle/>
@@ -6892,6 +7867,10 @@
                 <a:solidFill>
                   <a:schemeClr val="accent1"/>
                 </a:solidFill>
+                <a:latin typeface="Arial"/>
+                <a:ea typeface="Arial"/>
+                <a:cs typeface="Arial"/>
+                <a:sym typeface="Arial"/>
               </a:defRPr>
             </a:pPr>
             <a:r>
@@ -6904,6 +7883,10 @@
                 <a:solidFill>
                   <a:schemeClr val="accent1"/>
                 </a:solidFill>
+                <a:latin typeface="Arial"/>
+                <a:ea typeface="Arial"/>
+                <a:cs typeface="Arial"/>
+                <a:sym typeface="Arial"/>
               </a:defRPr>
             </a:pPr>
           </a:p>
@@ -6913,6 +7896,10 @@
                 <a:solidFill>
                   <a:schemeClr val="accent1"/>
                 </a:solidFill>
+                <a:latin typeface="Arial"/>
+                <a:ea typeface="Arial"/>
+                <a:cs typeface="Arial"/>
+                <a:sym typeface="Arial"/>
               </a:defRPr>
             </a:pPr>
             <a:r>
@@ -6925,6 +7912,10 @@
                 <a:solidFill>
                   <a:schemeClr val="accent1"/>
                 </a:solidFill>
+                <a:latin typeface="Arial"/>
+                <a:ea typeface="Arial"/>
+                <a:cs typeface="Arial"/>
+                <a:sym typeface="Arial"/>
               </a:defRPr>
             </a:pPr>
           </a:p>
@@ -6934,6 +7925,10 @@
                 <a:solidFill>
                   <a:schemeClr val="accent1"/>
                 </a:solidFill>
+                <a:latin typeface="Arial"/>
+                <a:ea typeface="Arial"/>
+                <a:cs typeface="Arial"/>
+                <a:sym typeface="Arial"/>
               </a:defRPr>
             </a:pPr>
             <a:r>
@@ -6944,7 +7939,7 @@
       </p:sp>
       <p:pic>
         <p:nvPicPr>
-          <p:cNvPr id="216" name="typescript.png" descr="typescript.png"/>
+          <p:cNvPr id="235" name="typescript.png" descr="typescript.png"/>
           <p:cNvPicPr>
             <a:picLocks noChangeAspect="1"/>
           </p:cNvPicPr>
@@ -6960,8 +7955,8 @@
         </p:blipFill>
         <p:spPr>
           <a:xfrm>
-            <a:off x="1717039" y="1874520"/>
-            <a:ext cx="2540001" cy="2540001"/>
+            <a:off x="1717038" y="1874520"/>
+            <a:ext cx="2540002" cy="2540002"/>
           </a:xfrm>
           <a:prstGeom prst="rect">
             <a:avLst/>
@@ -6999,14 +7994,45 @@
       </p:grpSpPr>
       <p:sp>
         <p:nvSpPr>
-          <p:cNvPr id="218" name="Thank you"/>
+          <p:cNvPr id="237" name="直接连接符 6"/>
+          <p:cNvSpPr/>
+          <p:nvPr/>
+        </p:nvSpPr>
+        <p:spPr>
+          <a:xfrm>
+            <a:off x="848233" y="2402250"/>
+            <a:ext cx="872433" cy="2"/>
+          </a:xfrm>
+          <a:prstGeom prst="line">
+            <a:avLst/>
+          </a:prstGeom>
+          <a:ln>
+            <a:solidFill>
+              <a:srgbClr val="FFFFFF">
+                <a:alpha val="99000"/>
+              </a:srgbClr>
+            </a:solidFill>
+            <a:miter/>
+          </a:ln>
+        </p:spPr>
+        <p:txBody>
+          <a:bodyPr lIns="45718" tIns="45718" rIns="45718" bIns="45718"/>
+          <a:lstStyle/>
+          <a:p>
+            <a:pPr/>
+          </a:p>
+        </p:txBody>
+      </p:sp>
+      <p:sp>
+        <p:nvSpPr>
+          <p:cNvPr id="238" name="文本框 8"/>
           <p:cNvSpPr txBox="1"/>
           <p:nvPr/>
         </p:nvSpPr>
         <p:spPr>
           <a:xfrm>
-            <a:off x="1007511" y="4469129"/>
-            <a:ext cx="3069232" cy="807267"/>
+            <a:off x="949244" y="1282961"/>
+            <a:ext cx="1207168" cy="1005839"/>
           </a:xfrm>
           <a:prstGeom prst="rect">
             <a:avLst/>
@@ -7021,12 +8047,12 @@
           </a:extLst>
         </p:spPr>
         <p:txBody>
-          <a:bodyPr wrap="none" lIns="45719" rIns="45719">
+          <a:bodyPr lIns="45718" tIns="45718" rIns="45718" bIns="45718">
             <a:spAutoFit/>
           </a:bodyPr>
           <a:lstStyle>
-            <a:lvl1pPr>
-              <a:defRPr sz="5000">
+            <a:lvl1pPr defTabSz="914400">
+              <a:defRPr b="1" sz="6000">
                 <a:solidFill>
                   <a:srgbClr val="FFFFFF"/>
                 </a:solidFill>
@@ -7036,8 +8062,707 @@
           <a:p>
             <a:pPr/>
             <a:r>
-              <a:t>Thank you</a:t>
+              <a:t>01</a:t>
             </a:r>
+          </a:p>
+        </p:txBody>
+      </p:sp>
+      <p:sp>
+        <p:nvSpPr>
+          <p:cNvPr id="239" name="标题 2"/>
+          <p:cNvSpPr txBox="1"/>
+          <p:nvPr>
+            <p:ph type="title"/>
+          </p:nvPr>
+        </p:nvSpPr>
+        <p:spPr>
+          <a:xfrm>
+            <a:off x="652671" y="67822"/>
+            <a:ext cx="9802416" cy="912885"/>
+          </a:xfrm>
+          <a:prstGeom prst="rect">
+            <a:avLst/>
+          </a:prstGeom>
+        </p:spPr>
+        <p:txBody>
+          <a:bodyPr/>
+          <a:lstStyle/>
+          <a:p>
+            <a:pPr/>
+            <a:r>
+              <a:t>模块化</a:t>
+            </a:r>
+          </a:p>
+        </p:txBody>
+      </p:sp>
+      <p:sp>
+        <p:nvSpPr>
+          <p:cNvPr id="240" name="灯片编号占位符 1"/>
+          <p:cNvSpPr txBox="1"/>
+          <p:nvPr>
+            <p:ph type="sldNum" sz="quarter" idx="4294967295"/>
+          </p:nvPr>
+        </p:nvSpPr>
+        <p:spPr>
+          <a:xfrm>
+            <a:off x="11324110" y="6451502"/>
+            <a:ext cx="301906" cy="307339"/>
+          </a:xfrm>
+          <a:prstGeom prst="rect">
+            <a:avLst/>
+          </a:prstGeom>
+          <a:extLst>
+            <a:ext uri="{C572A759-6A51-4108-AA02-DFA0A04FC94B}">
+              <ma14:wrappingTextBoxFlag xmlns:ma14="http://schemas.microsoft.com/office/mac/drawingml/2011/main" val="1"/>
+            </a:ext>
+          </a:extLst>
+        </p:spPr>
+        <p:txBody>
+          <a:bodyPr/>
+          <a:lstStyle/>
+          <a:p>
+            <a:pPr/>
+            <a:fld id="{86CB4B4D-7CA3-9044-876B-883B54F8677D}" type="slidenum"/>
+          </a:p>
+        </p:txBody>
+      </p:sp>
+      <p:sp>
+        <p:nvSpPr>
+          <p:cNvPr id="241" name="模块化"/>
+          <p:cNvSpPr/>
+          <p:nvPr/>
+        </p:nvSpPr>
+        <p:spPr>
+          <a:xfrm>
+            <a:off x="5122171" y="980792"/>
+            <a:ext cx="1697071" cy="604157"/>
+          </a:xfrm>
+          <a:prstGeom prst="roundRect">
+            <a:avLst>
+              <a:gd name="adj" fmla="val 26345"/>
+            </a:avLst>
+          </a:prstGeom>
+          <a:solidFill>
+            <a:srgbClr val="FFFFFF"/>
+          </a:solidFill>
+          <a:ln w="25400">
+            <a:solidFill>
+              <a:schemeClr val="accent1"/>
+            </a:solidFill>
+          </a:ln>
+          <a:extLst>
+            <a:ext uri="{C572A759-6A51-4108-AA02-DFA0A04FC94B}">
+              <ma14:wrappingTextBoxFlag xmlns:ma14="http://schemas.microsoft.com/office/mac/drawingml/2011/main" val="1"/>
+            </a:ext>
+          </a:extLst>
+        </p:spPr>
+        <p:txBody>
+          <a:bodyPr lIns="45718" tIns="45718" rIns="45718" bIns="45718" anchor="ctr"/>
+          <a:lstStyle>
+            <a:lvl1pPr algn="ctr">
+              <a:defRPr>
+                <a:solidFill>
+                  <a:schemeClr val="accent1"/>
+                </a:solidFill>
+              </a:defRPr>
+            </a:lvl1pPr>
+          </a:lstStyle>
+          <a:p>
+            <a:pPr/>
+            <a:r>
+              <a:t>模块化</a:t>
+            </a:r>
+          </a:p>
+        </p:txBody>
+      </p:sp>
+      <p:sp>
+        <p:nvSpPr>
+          <p:cNvPr id="256" name="Connection Line"/>
+          <p:cNvSpPr/>
+          <p:nvPr/>
+        </p:nvSpPr>
+        <p:spPr>
+          <a:xfrm>
+            <a:off x="4032945" y="1316109"/>
+            <a:ext cx="1083302" cy="1465191"/>
+          </a:xfrm>
+          <a:custGeom>
+            <a:avLst/>
+            <a:gdLst/>
+            <a:ahLst/>
+            <a:cxnLst>
+              <a:cxn ang="0">
+                <a:pos x="wd2" y="hd2"/>
+              </a:cxn>
+              <a:cxn ang="5400000">
+                <a:pos x="wd2" y="hd2"/>
+              </a:cxn>
+              <a:cxn ang="10800000">
+                <a:pos x="wd2" y="hd2"/>
+              </a:cxn>
+              <a:cxn ang="16200000">
+                <a:pos x="wd2" y="hd2"/>
+              </a:cxn>
+            </a:cxnLst>
+            <a:rect l="0" t="0" r="r" b="b"/>
+            <a:pathLst>
+              <a:path w="21018" h="21600" fill="norm" stroke="1" extrusionOk="0">
+                <a:moveTo>
+                  <a:pt x="38" y="21600"/>
+                </a:moveTo>
+                <a:cubicBezTo>
+                  <a:pt x="-582" y="9183"/>
+                  <a:pt x="6411" y="1983"/>
+                  <a:pt x="21018" y="0"/>
+                </a:cubicBezTo>
+              </a:path>
+            </a:pathLst>
+          </a:custGeom>
+          <a:ln w="25400">
+            <a:solidFill>
+              <a:schemeClr val="accent1"/>
+            </a:solidFill>
+            <a:miter lim="400000"/>
+            <a:headEnd type="triangle"/>
+          </a:ln>
+        </p:spPr>
+        <p:txBody>
+          <a:bodyPr/>
+          <a:lstStyle/>
+          <a:p>
+            <a:pPr/>
+          </a:p>
+        </p:txBody>
+      </p:sp>
+      <p:sp>
+        <p:nvSpPr>
+          <p:cNvPr id="243" name="服务端"/>
+          <p:cNvSpPr/>
+          <p:nvPr/>
+        </p:nvSpPr>
+        <p:spPr>
+          <a:xfrm>
+            <a:off x="3220708" y="2794000"/>
+            <a:ext cx="1697071" cy="694884"/>
+          </a:xfrm>
+          <a:prstGeom prst="rect">
+            <a:avLst/>
+          </a:prstGeom>
+          <a:solidFill>
+            <a:srgbClr val="FFFFFF"/>
+          </a:solidFill>
+          <a:ln w="25400">
+            <a:solidFill>
+              <a:schemeClr val="accent1"/>
+            </a:solidFill>
+          </a:ln>
+          <a:extLst>
+            <a:ext uri="{C572A759-6A51-4108-AA02-DFA0A04FC94B}">
+              <ma14:wrappingTextBoxFlag xmlns:ma14="http://schemas.microsoft.com/office/mac/drawingml/2011/main" val="1"/>
+            </a:ext>
+          </a:extLst>
+        </p:spPr>
+        <p:txBody>
+          <a:bodyPr lIns="45718" tIns="45718" rIns="45718" bIns="45718" anchor="ctr"/>
+          <a:lstStyle>
+            <a:lvl1pPr algn="ctr">
+              <a:defRPr>
+                <a:solidFill>
+                  <a:schemeClr val="accent1"/>
+                </a:solidFill>
+              </a:defRPr>
+            </a:lvl1pPr>
+          </a:lstStyle>
+          <a:p>
+            <a:pPr/>
+            <a:r>
+              <a:t>服务端</a:t>
+            </a:r>
+          </a:p>
+        </p:txBody>
+      </p:sp>
+      <p:sp>
+        <p:nvSpPr>
+          <p:cNvPr id="244" name="CommonJS"/>
+          <p:cNvSpPr/>
+          <p:nvPr/>
+        </p:nvSpPr>
+        <p:spPr>
+          <a:xfrm>
+            <a:off x="3220708" y="4202195"/>
+            <a:ext cx="1697071" cy="694885"/>
+          </a:xfrm>
+          <a:prstGeom prst="rect">
+            <a:avLst/>
+          </a:prstGeom>
+          <a:solidFill>
+            <a:srgbClr val="FFFFFF"/>
+          </a:solidFill>
+          <a:ln w="25400">
+            <a:solidFill>
+              <a:schemeClr val="accent1"/>
+            </a:solidFill>
+          </a:ln>
+          <a:extLst>
+            <a:ext uri="{C572A759-6A51-4108-AA02-DFA0A04FC94B}">
+              <ma14:wrappingTextBoxFlag xmlns:ma14="http://schemas.microsoft.com/office/mac/drawingml/2011/main" val="1"/>
+            </a:ext>
+          </a:extLst>
+        </p:spPr>
+        <p:txBody>
+          <a:bodyPr lIns="45718" tIns="45718" rIns="45718" bIns="45718" anchor="ctr"/>
+          <a:lstStyle>
+            <a:lvl1pPr algn="ctr">
+              <a:defRPr>
+                <a:solidFill>
+                  <a:schemeClr val="accent1"/>
+                </a:solidFill>
+              </a:defRPr>
+            </a:lvl1pPr>
+          </a:lstStyle>
+          <a:p>
+            <a:pPr/>
+            <a:r>
+              <a:t>CommonJS</a:t>
+            </a:r>
+          </a:p>
+        </p:txBody>
+      </p:sp>
+      <p:sp>
+        <p:nvSpPr>
+          <p:cNvPr id="245" name="Line"/>
+          <p:cNvSpPr/>
+          <p:nvPr/>
+        </p:nvSpPr>
+        <p:spPr>
+          <a:xfrm>
+            <a:off x="4069243" y="3473898"/>
+            <a:ext cx="1" cy="720285"/>
+          </a:xfrm>
+          <a:prstGeom prst="line">
+            <a:avLst/>
+          </a:prstGeom>
+          <a:ln w="25400">
+            <a:solidFill>
+              <a:schemeClr val="accent1"/>
+            </a:solidFill>
+            <a:tailEnd type="triangle"/>
+          </a:ln>
+        </p:spPr>
+        <p:txBody>
+          <a:bodyPr lIns="45718" tIns="45718" rIns="45718" bIns="45718"/>
+          <a:lstStyle/>
+          <a:p>
+            <a:pPr/>
+          </a:p>
+        </p:txBody>
+      </p:sp>
+      <p:sp>
+        <p:nvSpPr>
+          <p:cNvPr id="257" name="Connection Line"/>
+          <p:cNvSpPr/>
+          <p:nvPr/>
+        </p:nvSpPr>
+        <p:spPr>
+          <a:xfrm>
+            <a:off x="6825422" y="1317608"/>
+            <a:ext cx="1279474" cy="1476694"/>
+          </a:xfrm>
+          <a:custGeom>
+            <a:avLst/>
+            <a:gdLst/>
+            <a:ahLst/>
+            <a:cxnLst>
+              <a:cxn ang="0">
+                <a:pos x="wd2" y="hd2"/>
+              </a:cxn>
+              <a:cxn ang="5400000">
+                <a:pos x="wd2" y="hd2"/>
+              </a:cxn>
+              <a:cxn ang="10800000">
+                <a:pos x="wd2" y="hd2"/>
+              </a:cxn>
+              <a:cxn ang="16200000">
+                <a:pos x="wd2" y="hd2"/>
+              </a:cxn>
+            </a:cxnLst>
+            <a:rect l="0" t="0" r="r" b="b"/>
+            <a:pathLst>
+              <a:path w="21494" h="21341" fill="norm" stroke="1" extrusionOk="0">
+                <a:moveTo>
+                  <a:pt x="21493" y="21341"/>
+                </a:moveTo>
+                <a:cubicBezTo>
+                  <a:pt x="21600" y="6852"/>
+                  <a:pt x="14436" y="-259"/>
+                  <a:pt x="0" y="7"/>
+                </a:cubicBezTo>
+              </a:path>
+            </a:pathLst>
+          </a:custGeom>
+          <a:ln w="25400">
+            <a:solidFill>
+              <a:schemeClr val="accent1"/>
+            </a:solidFill>
+            <a:headEnd type="triangle"/>
+          </a:ln>
+        </p:spPr>
+        <p:txBody>
+          <a:bodyPr/>
+          <a:lstStyle/>
+          <a:p>
+            <a:pPr/>
+          </a:p>
+        </p:txBody>
+      </p:sp>
+      <p:sp>
+        <p:nvSpPr>
+          <p:cNvPr id="247" name="前端"/>
+          <p:cNvSpPr/>
+          <p:nvPr/>
+        </p:nvSpPr>
+        <p:spPr>
+          <a:xfrm>
+            <a:off x="7238421" y="2794000"/>
+            <a:ext cx="1697071" cy="694884"/>
+          </a:xfrm>
+          <a:prstGeom prst="rect">
+            <a:avLst/>
+          </a:prstGeom>
+          <a:solidFill>
+            <a:srgbClr val="FFFFFF"/>
+          </a:solidFill>
+          <a:ln w="25400">
+            <a:solidFill>
+              <a:schemeClr val="accent1"/>
+            </a:solidFill>
+          </a:ln>
+          <a:extLst>
+            <a:ext uri="{C572A759-6A51-4108-AA02-DFA0A04FC94B}">
+              <ma14:wrappingTextBoxFlag xmlns:ma14="http://schemas.microsoft.com/office/mac/drawingml/2011/main" val="1"/>
+            </a:ext>
+          </a:extLst>
+        </p:spPr>
+        <p:txBody>
+          <a:bodyPr lIns="45718" tIns="45718" rIns="45718" bIns="45718" anchor="ctr"/>
+          <a:lstStyle>
+            <a:lvl1pPr algn="ctr">
+              <a:defRPr>
+                <a:solidFill>
+                  <a:schemeClr val="accent1"/>
+                </a:solidFill>
+              </a:defRPr>
+            </a:lvl1pPr>
+          </a:lstStyle>
+          <a:p>
+            <a:pPr/>
+            <a:r>
+              <a:t>前端</a:t>
+            </a:r>
+          </a:p>
+        </p:txBody>
+      </p:sp>
+      <p:sp>
+        <p:nvSpPr>
+          <p:cNvPr id="248" name="AMD"/>
+          <p:cNvSpPr/>
+          <p:nvPr/>
+        </p:nvSpPr>
+        <p:spPr>
+          <a:xfrm>
+            <a:off x="6451104" y="4202195"/>
+            <a:ext cx="764568" cy="694885"/>
+          </a:xfrm>
+          <a:prstGeom prst="rect">
+            <a:avLst/>
+          </a:prstGeom>
+          <a:solidFill>
+            <a:srgbClr val="FFFFFF"/>
+          </a:solidFill>
+          <a:ln w="25400">
+            <a:solidFill>
+              <a:schemeClr val="accent1"/>
+            </a:solidFill>
+          </a:ln>
+          <a:extLst>
+            <a:ext uri="{C572A759-6A51-4108-AA02-DFA0A04FC94B}">
+              <ma14:wrappingTextBoxFlag xmlns:ma14="http://schemas.microsoft.com/office/mac/drawingml/2011/main" val="1"/>
+            </a:ext>
+          </a:extLst>
+        </p:spPr>
+        <p:txBody>
+          <a:bodyPr lIns="45718" tIns="45718" rIns="45718" bIns="45718" anchor="ctr"/>
+          <a:lstStyle>
+            <a:lvl1pPr algn="ctr">
+              <a:defRPr>
+                <a:solidFill>
+                  <a:schemeClr val="accent1"/>
+                </a:solidFill>
+              </a:defRPr>
+            </a:lvl1pPr>
+          </a:lstStyle>
+          <a:p>
+            <a:pPr/>
+            <a:r>
+              <a:t>AMD</a:t>
+            </a:r>
+          </a:p>
+        </p:txBody>
+      </p:sp>
+      <p:sp>
+        <p:nvSpPr>
+          <p:cNvPr id="249" name="CMD"/>
+          <p:cNvSpPr/>
+          <p:nvPr/>
+        </p:nvSpPr>
+        <p:spPr>
+          <a:xfrm>
+            <a:off x="7349072" y="4202195"/>
+            <a:ext cx="764568" cy="694885"/>
+          </a:xfrm>
+          <a:prstGeom prst="rect">
+            <a:avLst/>
+          </a:prstGeom>
+          <a:solidFill>
+            <a:srgbClr val="FFFFFF"/>
+          </a:solidFill>
+          <a:ln w="25400">
+            <a:solidFill>
+              <a:schemeClr val="accent1"/>
+            </a:solidFill>
+          </a:ln>
+          <a:extLst>
+            <a:ext uri="{C572A759-6A51-4108-AA02-DFA0A04FC94B}">
+              <ma14:wrappingTextBoxFlag xmlns:ma14="http://schemas.microsoft.com/office/mac/drawingml/2011/main" val="1"/>
+            </a:ext>
+          </a:extLst>
+        </p:spPr>
+        <p:txBody>
+          <a:bodyPr lIns="45718" tIns="45718" rIns="45718" bIns="45718" anchor="ctr"/>
+          <a:lstStyle>
+            <a:lvl1pPr algn="ctr">
+              <a:defRPr>
+                <a:solidFill>
+                  <a:schemeClr val="accent1"/>
+                </a:solidFill>
+              </a:defRPr>
+            </a:lvl1pPr>
+          </a:lstStyle>
+          <a:p>
+            <a:pPr/>
+            <a:r>
+              <a:t>CMD</a:t>
+            </a:r>
+          </a:p>
+        </p:txBody>
+      </p:sp>
+      <p:sp>
+        <p:nvSpPr>
+          <p:cNvPr id="250" name="UMD"/>
+          <p:cNvSpPr/>
+          <p:nvPr/>
+        </p:nvSpPr>
+        <p:spPr>
+          <a:xfrm>
+            <a:off x="8247040" y="4202195"/>
+            <a:ext cx="764569" cy="694885"/>
+          </a:xfrm>
+          <a:prstGeom prst="rect">
+            <a:avLst/>
+          </a:prstGeom>
+          <a:solidFill>
+            <a:srgbClr val="FFFFFF"/>
+          </a:solidFill>
+          <a:ln w="25400">
+            <a:solidFill>
+              <a:schemeClr val="accent1"/>
+            </a:solidFill>
+          </a:ln>
+          <a:extLst>
+            <a:ext uri="{C572A759-6A51-4108-AA02-DFA0A04FC94B}">
+              <ma14:wrappingTextBoxFlag xmlns:ma14="http://schemas.microsoft.com/office/mac/drawingml/2011/main" val="1"/>
+            </a:ext>
+          </a:extLst>
+        </p:spPr>
+        <p:txBody>
+          <a:bodyPr lIns="45718" tIns="45718" rIns="45718" bIns="45718" anchor="ctr"/>
+          <a:lstStyle>
+            <a:lvl1pPr algn="ctr">
+              <a:defRPr>
+                <a:solidFill>
+                  <a:schemeClr val="accent1"/>
+                </a:solidFill>
+              </a:defRPr>
+            </a:lvl1pPr>
+          </a:lstStyle>
+          <a:p>
+            <a:pPr/>
+            <a:r>
+              <a:t>UMD</a:t>
+            </a:r>
+          </a:p>
+        </p:txBody>
+      </p:sp>
+      <p:sp>
+        <p:nvSpPr>
+          <p:cNvPr id="251" name="ESM"/>
+          <p:cNvSpPr/>
+          <p:nvPr/>
+        </p:nvSpPr>
+        <p:spPr>
+          <a:xfrm>
+            <a:off x="9145009" y="4202195"/>
+            <a:ext cx="764568" cy="694885"/>
+          </a:xfrm>
+          <a:prstGeom prst="rect">
+            <a:avLst/>
+          </a:prstGeom>
+          <a:solidFill>
+            <a:srgbClr val="FFFFFF"/>
+          </a:solidFill>
+          <a:ln w="25400">
+            <a:solidFill>
+              <a:schemeClr val="accent1"/>
+            </a:solidFill>
+          </a:ln>
+          <a:extLst>
+            <a:ext uri="{C572A759-6A51-4108-AA02-DFA0A04FC94B}">
+              <ma14:wrappingTextBoxFlag xmlns:ma14="http://schemas.microsoft.com/office/mac/drawingml/2011/main" val="1"/>
+            </a:ext>
+          </a:extLst>
+        </p:spPr>
+        <p:txBody>
+          <a:bodyPr lIns="45718" tIns="45718" rIns="45718" bIns="45718" anchor="ctr"/>
+          <a:lstStyle>
+            <a:lvl1pPr algn="ctr">
+              <a:defRPr>
+                <a:solidFill>
+                  <a:schemeClr val="accent1"/>
+                </a:solidFill>
+              </a:defRPr>
+            </a:lvl1pPr>
+          </a:lstStyle>
+          <a:p>
+            <a:pPr/>
+            <a:r>
+              <a:t>ESM</a:t>
+            </a:r>
+          </a:p>
+        </p:txBody>
+      </p:sp>
+      <p:sp>
+        <p:nvSpPr>
+          <p:cNvPr id="252" name="Line"/>
+          <p:cNvSpPr/>
+          <p:nvPr/>
+        </p:nvSpPr>
+        <p:spPr>
+          <a:xfrm flipH="1">
+            <a:off x="6954644" y="3478862"/>
+            <a:ext cx="280486" cy="715215"/>
+          </a:xfrm>
+          <a:prstGeom prst="line">
+            <a:avLst/>
+          </a:prstGeom>
+          <a:ln w="25400">
+            <a:solidFill>
+              <a:schemeClr val="accent1"/>
+            </a:solidFill>
+            <a:tailEnd type="triangle"/>
+          </a:ln>
+        </p:spPr>
+        <p:txBody>
+          <a:bodyPr lIns="45718" tIns="45718" rIns="45718" bIns="45718"/>
+          <a:lstStyle/>
+          <a:p>
+            <a:pPr/>
+          </a:p>
+        </p:txBody>
+      </p:sp>
+      <p:sp>
+        <p:nvSpPr>
+          <p:cNvPr id="253" name="Line"/>
+          <p:cNvSpPr/>
+          <p:nvPr/>
+        </p:nvSpPr>
+        <p:spPr>
+          <a:xfrm>
+            <a:off x="7756421" y="3482213"/>
+            <a:ext cx="1" cy="719851"/>
+          </a:xfrm>
+          <a:prstGeom prst="line">
+            <a:avLst/>
+          </a:prstGeom>
+          <a:ln w="25400">
+            <a:solidFill>
+              <a:schemeClr val="accent1"/>
+            </a:solidFill>
+            <a:tailEnd type="triangle"/>
+          </a:ln>
+        </p:spPr>
+        <p:txBody>
+          <a:bodyPr lIns="45718" tIns="45718" rIns="45718" bIns="45718"/>
+          <a:lstStyle/>
+          <a:p>
+            <a:pPr/>
+          </a:p>
+        </p:txBody>
+      </p:sp>
+      <p:sp>
+        <p:nvSpPr>
+          <p:cNvPr id="254" name="Line"/>
+          <p:cNvSpPr/>
+          <p:nvPr/>
+        </p:nvSpPr>
+        <p:spPr>
+          <a:xfrm>
+            <a:off x="8591224" y="3482213"/>
+            <a:ext cx="1" cy="719851"/>
+          </a:xfrm>
+          <a:prstGeom prst="line">
+            <a:avLst/>
+          </a:prstGeom>
+          <a:ln w="25400">
+            <a:solidFill>
+              <a:schemeClr val="accent1"/>
+            </a:solidFill>
+            <a:tailEnd type="triangle"/>
+          </a:ln>
+        </p:spPr>
+        <p:txBody>
+          <a:bodyPr lIns="45718" tIns="45718" rIns="45718" bIns="45718"/>
+          <a:lstStyle/>
+          <a:p>
+            <a:pPr/>
+          </a:p>
+        </p:txBody>
+      </p:sp>
+      <p:sp>
+        <p:nvSpPr>
+          <p:cNvPr id="255" name="Line"/>
+          <p:cNvSpPr/>
+          <p:nvPr/>
+        </p:nvSpPr>
+        <p:spPr>
+          <a:xfrm>
+            <a:off x="8916304" y="3474115"/>
+            <a:ext cx="459979" cy="727078"/>
+          </a:xfrm>
+          <a:prstGeom prst="line">
+            <a:avLst/>
+          </a:prstGeom>
+          <a:ln w="25400">
+            <a:solidFill>
+              <a:schemeClr val="accent1"/>
+            </a:solidFill>
+            <a:tailEnd type="triangle"/>
+          </a:ln>
+        </p:spPr>
+        <p:txBody>
+          <a:bodyPr lIns="45718" tIns="45718" rIns="45718" bIns="45718"/>
+          <a:lstStyle/>
+          <a:p>
+            <a:pPr/>
           </a:p>
         </p:txBody>
       </p:sp>
@@ -7069,45 +8794,14 @@
       </p:grpSpPr>
       <p:sp>
         <p:nvSpPr>
-          <p:cNvPr id="220" name="直接连接符 6"/>
-          <p:cNvSpPr/>
-          <p:nvPr/>
-        </p:nvSpPr>
-        <p:spPr>
-          <a:xfrm>
-            <a:off x="848233" y="2402250"/>
-            <a:ext cx="872434" cy="1"/>
-          </a:xfrm>
-          <a:prstGeom prst="line">
-            <a:avLst/>
-          </a:prstGeom>
-          <a:ln>
-            <a:solidFill>
-              <a:srgbClr val="FFFFFF">
-                <a:alpha val="99000"/>
-              </a:srgbClr>
-            </a:solidFill>
-            <a:miter/>
-          </a:ln>
-        </p:spPr>
-        <p:txBody>
-          <a:bodyPr lIns="45719" rIns="45719"/>
-          <a:lstStyle/>
-          <a:p>
-            <a:pPr/>
-          </a:p>
-        </p:txBody>
-      </p:sp>
-      <p:sp>
-        <p:nvSpPr>
-          <p:cNvPr id="221" name="文本框 8"/>
+          <p:cNvPr id="259" name="Thank you"/>
           <p:cNvSpPr txBox="1"/>
           <p:nvPr/>
         </p:nvSpPr>
         <p:spPr>
           <a:xfrm>
-            <a:off x="949245" y="1282961"/>
-            <a:ext cx="1207167" cy="1005841"/>
+            <a:off x="1007510" y="4469130"/>
+            <a:ext cx="3069230" cy="807265"/>
           </a:xfrm>
           <a:prstGeom prst="rect">
             <a:avLst/>
@@ -7122,233 +8816,30 @@
           </a:extLst>
         </p:spPr>
         <p:txBody>
-          <a:bodyPr lIns="45719" rIns="45719">
+          <a:bodyPr wrap="none" lIns="45718" tIns="45718" rIns="45718" bIns="45718">
             <a:spAutoFit/>
           </a:bodyPr>
           <a:lstStyle>
-            <a:lvl1pPr defTabSz="914400">
-              <a:defRPr b="1" sz="6000">
+            <a:lvl1pPr>
+              <a:defRPr sz="5000">
                 <a:solidFill>
                   <a:srgbClr val="FFFFFF"/>
                 </a:solidFill>
-                <a:latin typeface="+mn-lt"/>
-                <a:ea typeface="+mn-ea"/>
-                <a:cs typeface="+mn-cs"/>
-                <a:sym typeface="Helvetica"/>
+                <a:latin typeface="Arial"/>
+                <a:ea typeface="Arial"/>
+                <a:cs typeface="Arial"/>
+                <a:sym typeface="Arial"/>
               </a:defRPr>
             </a:lvl1pPr>
           </a:lstStyle>
           <a:p>
             <a:pPr/>
             <a:r>
-              <a:t>01</a:t>
+              <a:t>Thank you</a:t>
             </a:r>
           </a:p>
         </p:txBody>
       </p:sp>
-      <p:sp>
-        <p:nvSpPr>
-          <p:cNvPr id="222" name="标题 2"/>
-          <p:cNvSpPr txBox="1"/>
-          <p:nvPr>
-            <p:ph type="title"/>
-          </p:nvPr>
-        </p:nvSpPr>
-        <p:spPr>
-          <a:xfrm>
-            <a:off x="652671" y="67823"/>
-            <a:ext cx="9802416" cy="912883"/>
-          </a:xfrm>
-          <a:prstGeom prst="rect">
-            <a:avLst/>
-          </a:prstGeom>
-        </p:spPr>
-        <p:txBody>
-          <a:bodyPr/>
-          <a:lstStyle/>
-          <a:p>
-            <a:pPr/>
-            <a:r>
-              <a:t>后续分享计划</a:t>
-            </a:r>
-          </a:p>
-        </p:txBody>
-      </p:sp>
-      <p:sp>
-        <p:nvSpPr>
-          <p:cNvPr id="223" name="灯片编号占位符 1"/>
-          <p:cNvSpPr txBox="1"/>
-          <p:nvPr>
-            <p:ph type="sldNum" sz="quarter" idx="2"/>
-          </p:nvPr>
-        </p:nvSpPr>
-        <p:spPr>
-          <a:xfrm>
-            <a:off x="11324110" y="6451502"/>
-            <a:ext cx="301909" cy="307341"/>
-          </a:xfrm>
-          <a:prstGeom prst="rect">
-            <a:avLst/>
-          </a:prstGeom>
-          <a:extLst>
-            <a:ext uri="{C572A759-6A51-4108-AA02-DFA0A04FC94B}">
-              <ma14:wrappingTextBoxFlag xmlns:ma14="http://schemas.microsoft.com/office/mac/drawingml/2011/main" val="1"/>
-            </a:ext>
-          </a:extLst>
-        </p:spPr>
-        <p:txBody>
-          <a:bodyPr/>
-          <a:lstStyle/>
-          <a:p>
-            <a:pPr/>
-            <a:fld id="{86CB4B4D-7CA3-9044-876B-883B54F8677D}" type="slidenum"/>
-          </a:p>
-        </p:txBody>
-      </p:sp>
-      <p:sp>
-        <p:nvSpPr>
-          <p:cNvPr id="224" name="WebGIS相关技术分析…"/>
-          <p:cNvSpPr txBox="1"/>
-          <p:nvPr/>
-        </p:nvSpPr>
-        <p:spPr>
-          <a:xfrm>
-            <a:off x="1658545" y="2268149"/>
-            <a:ext cx="3538222" cy="2169019"/>
-          </a:xfrm>
-          <a:prstGeom prst="rect">
-            <a:avLst/>
-          </a:prstGeom>
-          <a:ln w="12700">
-            <a:miter lim="400000"/>
-          </a:ln>
-          <a:extLst>
-            <a:ext uri="{C572A759-6A51-4108-AA02-DFA0A04FC94B}">
-              <ma14:wrappingTextBoxFlag xmlns:ma14="http://schemas.microsoft.com/office/mac/drawingml/2011/main" val="1"/>
-            </a:ext>
-          </a:extLst>
-        </p:spPr>
-        <p:txBody>
-          <a:bodyPr lIns="45719" rIns="45719">
-            <a:spAutoFit/>
-          </a:bodyPr>
-          <a:lstStyle/>
-          <a:p>
-            <a:pPr marL="240631" indent="-240631">
-              <a:lnSpc>
-                <a:spcPct val="150000"/>
-              </a:lnSpc>
-              <a:buSzPct val="100000"/>
-              <a:buAutoNum type="arabicPeriod" startAt="1"/>
-              <a:defRPr>
-                <a:solidFill>
-                  <a:schemeClr val="accent1"/>
-                </a:solidFill>
-              </a:defRPr>
-            </a:pPr>
-            <a:r>
-              <a:t>WebGIS相关技术分析</a:t>
-            </a:r>
-          </a:p>
-          <a:p>
-            <a:pPr marL="240631" indent="-240631">
-              <a:lnSpc>
-                <a:spcPct val="150000"/>
-              </a:lnSpc>
-              <a:buSzPct val="100000"/>
-              <a:buAutoNum type="arabicPeriod" startAt="1"/>
-              <a:defRPr>
-                <a:solidFill>
-                  <a:schemeClr val="accent1"/>
-                </a:solidFill>
-              </a:defRPr>
-            </a:pPr>
-            <a:r>
-              <a:t>React Hooks</a:t>
-            </a:r>
-          </a:p>
-          <a:p>
-            <a:pPr marL="240631" indent="-240631">
-              <a:lnSpc>
-                <a:spcPct val="150000"/>
-              </a:lnSpc>
-              <a:buSzPct val="100000"/>
-              <a:buAutoNum type="arabicPeriod" startAt="1"/>
-              <a:defRPr>
-                <a:solidFill>
-                  <a:schemeClr val="accent1"/>
-                </a:solidFill>
-              </a:defRPr>
-            </a:pPr>
-            <a:r>
-              <a:t>Vue 3.x</a:t>
-            </a:r>
-          </a:p>
-          <a:p>
-            <a:pPr marL="240631" indent="-240631">
-              <a:lnSpc>
-                <a:spcPct val="150000"/>
-              </a:lnSpc>
-              <a:buSzPct val="100000"/>
-              <a:buAutoNum type="arabicPeriod" startAt="1"/>
-              <a:defRPr>
-                <a:solidFill>
-                  <a:schemeClr val="accent1"/>
-                </a:solidFill>
-              </a:defRPr>
-            </a:pPr>
-            <a:r>
-              <a:t>Webpack性能优化</a:t>
-            </a:r>
-          </a:p>
-          <a:p>
-            <a:pPr marL="240631" indent="-240631">
-              <a:lnSpc>
-                <a:spcPct val="150000"/>
-              </a:lnSpc>
-              <a:buSzPct val="100000"/>
-              <a:buAutoNum type="arabicPeriod" startAt="1"/>
-              <a:defRPr>
-                <a:solidFill>
-                  <a:schemeClr val="accent1"/>
-                </a:solidFill>
-              </a:defRPr>
-            </a:pPr>
-            <a:r>
-              <a:t>TypeScript基础</a:t>
-            </a:r>
-          </a:p>
-        </p:txBody>
-      </p:sp>
-      <p:pic>
-        <p:nvPicPr>
-          <p:cNvPr id="225" name="todo-list-o.png" descr="todo-list-o.png"/>
-          <p:cNvPicPr>
-            <a:picLocks noChangeAspect="1"/>
-          </p:cNvPicPr>
-          <p:nvPr/>
-        </p:nvPicPr>
-        <p:blipFill>
-          <a:blip r:embed="rId2">
-            <a:extLst/>
-          </a:blip>
-          <a:stretch>
-            <a:fillRect/>
-          </a:stretch>
-        </p:blipFill>
-        <p:spPr>
-          <a:xfrm>
-            <a:off x="7863840" y="2276343"/>
-            <a:ext cx="1752097" cy="1752097"/>
-          </a:xfrm>
-          <a:prstGeom prst="rect">
-            <a:avLst/>
-          </a:prstGeom>
-          <a:ln w="12700">
-            <a:miter lim="400000"/>
-          </a:ln>
-        </p:spPr>
-      </p:pic>
     </p:spTree>
   </p:cSld>
   <p:clrMapOvr>
@@ -7377,7 +8868,7 @@
       </p:grpSpPr>
       <p:sp>
         <p:nvSpPr>
-          <p:cNvPr id="133" name="内容占位符 1"/>
+          <p:cNvPr id="152" name="内容占位符 1"/>
           <p:cNvSpPr txBox="1"/>
           <p:nvPr>
             <p:ph type="body" sz="half" idx="1"/>
@@ -7385,8 +8876,8 @@
         </p:nvSpPr>
         <p:spPr>
           <a:xfrm>
-            <a:off x="5662150" y="2617862"/>
-            <a:ext cx="5677077" cy="3323164"/>
+            <a:off x="5662150" y="2617861"/>
+            <a:ext cx="5677078" cy="3323164"/>
           </a:xfrm>
           <a:prstGeom prst="rect">
             <a:avLst/>
@@ -7397,7 +8888,7 @@
           <a:lstStyle/>
           <a:p>
             <a:pPr marL="291465" indent="-291465" defTabSz="777240">
-              <a:defRPr sz="2210">
+              <a:defRPr sz="2200">
                 <a:solidFill>
                   <a:srgbClr val="043B90"/>
                 </a:solidFill>
@@ -7409,7 +8900,7 @@
           </a:p>
           <a:p>
             <a:pPr marL="291465" indent="-291465" defTabSz="777240">
-              <a:defRPr sz="2210">
+              <a:defRPr sz="2200">
                 <a:solidFill>
                   <a:srgbClr val="173A8B"/>
                 </a:solidFill>
@@ -7421,7 +8912,7 @@
           </a:p>
           <a:p>
             <a:pPr marL="291465" indent="-291465" defTabSz="777240">
-              <a:defRPr sz="2210">
+              <a:defRPr sz="2200">
                 <a:solidFill>
                   <a:srgbClr val="173A8B"/>
                 </a:solidFill>
@@ -7433,7 +8924,7 @@
           </a:p>
           <a:p>
             <a:pPr marL="291465" indent="-291465" defTabSz="777240">
-              <a:defRPr sz="2210">
+              <a:defRPr sz="2200">
                 <a:solidFill>
                   <a:srgbClr val="173A8B"/>
                 </a:solidFill>
@@ -7445,7 +8936,7 @@
           </a:p>
           <a:p>
             <a:pPr marL="291465" indent="-291465" defTabSz="777240">
-              <a:defRPr sz="2210">
+              <a:defRPr sz="2200">
                 <a:solidFill>
                   <a:srgbClr val="173A8B"/>
                 </a:solidFill>
@@ -7457,7 +8948,7 @@
           </a:p>
           <a:p>
             <a:pPr marL="291465" indent="-291465" defTabSz="777240">
-              <a:defRPr sz="2210">
+              <a:defRPr sz="2200">
                 <a:solidFill>
                   <a:srgbClr val="173A8B"/>
                 </a:solidFill>
@@ -7497,14 +8988,14 @@
       </p:grpSpPr>
       <p:sp>
         <p:nvSpPr>
-          <p:cNvPr id="135" name="直接连接符 6"/>
+          <p:cNvPr id="154" name="直接连接符 6"/>
           <p:cNvSpPr/>
           <p:nvPr/>
         </p:nvSpPr>
         <p:spPr>
           <a:xfrm>
             <a:off x="848233" y="2402250"/>
-            <a:ext cx="872434" cy="1"/>
+            <a:ext cx="872433" cy="2"/>
           </a:xfrm>
           <a:prstGeom prst="line">
             <a:avLst/>
@@ -7519,7 +9010,7 @@
           </a:ln>
         </p:spPr>
         <p:txBody>
-          <a:bodyPr lIns="45719" rIns="45719"/>
+          <a:bodyPr lIns="45718" tIns="45718" rIns="45718" bIns="45718"/>
           <a:lstStyle/>
           <a:p>
             <a:pPr/>
@@ -7528,14 +9019,14 @@
       </p:sp>
       <p:sp>
         <p:nvSpPr>
-          <p:cNvPr id="136" name="文本框 8"/>
+          <p:cNvPr id="155" name="文本框 8"/>
           <p:cNvSpPr txBox="1"/>
           <p:nvPr/>
         </p:nvSpPr>
         <p:spPr>
           <a:xfrm>
-            <a:off x="949245" y="1282961"/>
-            <a:ext cx="1207167" cy="1005841"/>
+            <a:off x="949244" y="1282961"/>
+            <a:ext cx="1207168" cy="1005839"/>
           </a:xfrm>
           <a:prstGeom prst="rect">
             <a:avLst/>
@@ -7550,7 +9041,7 @@
           </a:extLst>
         </p:spPr>
         <p:txBody>
-          <a:bodyPr lIns="45719" rIns="45719">
+          <a:bodyPr lIns="45718" tIns="45718" rIns="45718" bIns="45718">
             <a:spAutoFit/>
           </a:bodyPr>
           <a:lstStyle>
@@ -7559,10 +9050,6 @@
                 <a:solidFill>
                   <a:srgbClr val="FFFFFF"/>
                 </a:solidFill>
-                <a:latin typeface="+mn-lt"/>
-                <a:ea typeface="+mn-ea"/>
-                <a:cs typeface="+mn-cs"/>
-                <a:sym typeface="Helvetica"/>
               </a:defRPr>
             </a:lvl1pPr>
           </a:lstStyle>
@@ -7576,14 +9063,14 @@
       </p:sp>
       <p:sp>
         <p:nvSpPr>
-          <p:cNvPr id="137" name="文本框 13"/>
+          <p:cNvPr id="156" name="文本框 13"/>
           <p:cNvSpPr txBox="1"/>
           <p:nvPr/>
         </p:nvSpPr>
         <p:spPr>
           <a:xfrm>
-            <a:off x="8737214" y="1280654"/>
-            <a:ext cx="1248549" cy="1005840"/>
+            <a:off x="8737213" y="1280654"/>
+            <a:ext cx="1248550" cy="1005839"/>
           </a:xfrm>
           <a:prstGeom prst="rect">
             <a:avLst/>
@@ -7598,7 +9085,7 @@
           </a:extLst>
         </p:spPr>
         <p:txBody>
-          <a:bodyPr lIns="45719" rIns="45719">
+          <a:bodyPr lIns="45718" tIns="45718" rIns="45718" bIns="45718">
             <a:spAutoFit/>
           </a:bodyPr>
           <a:lstStyle>
@@ -7607,10 +9094,6 @@
                 <a:solidFill>
                   <a:srgbClr val="FFFFFF"/>
                 </a:solidFill>
-                <a:latin typeface="+mn-lt"/>
-                <a:ea typeface="+mn-ea"/>
-                <a:cs typeface="+mn-cs"/>
-                <a:sym typeface="Helvetica"/>
               </a:defRPr>
             </a:lvl1pPr>
           </a:lstStyle>
@@ -7624,7 +9107,7 @@
       </p:sp>
       <p:sp>
         <p:nvSpPr>
-          <p:cNvPr id="138" name="标题 2"/>
+          <p:cNvPr id="157" name="标题 2"/>
           <p:cNvSpPr txBox="1"/>
           <p:nvPr>
             <p:ph type="title"/>
@@ -7632,8 +9115,8 @@
         </p:nvSpPr>
         <p:spPr>
           <a:xfrm>
-            <a:off x="652671" y="67823"/>
-            <a:ext cx="9802416" cy="912883"/>
+            <a:off x="652671" y="67822"/>
+            <a:ext cx="9802416" cy="912885"/>
           </a:xfrm>
           <a:prstGeom prst="rect">
             <a:avLst/>
@@ -7652,16 +9135,16 @@
       </p:sp>
       <p:sp>
         <p:nvSpPr>
-          <p:cNvPr id="139" name="灯片编号占位符 1"/>
+          <p:cNvPr id="158" name="灯片编号占位符 1"/>
           <p:cNvSpPr txBox="1"/>
           <p:nvPr>
-            <p:ph type="sldNum" sz="quarter" idx="2"/>
+            <p:ph type="sldNum" sz="quarter" idx="4294967295"/>
           </p:nvPr>
         </p:nvSpPr>
         <p:spPr>
           <a:xfrm>
             <a:off x="11422994" y="6451502"/>
-            <a:ext cx="203025" cy="307341"/>
+            <a:ext cx="203022" cy="307339"/>
           </a:xfrm>
           <a:prstGeom prst="rect">
             <a:avLst/>
@@ -7683,14 +9166,14 @@
       </p:sp>
       <p:sp>
         <p:nvSpPr>
-          <p:cNvPr id="140" name="JavaScript功能有限…"/>
+          <p:cNvPr id="159" name="JavaScript功能有限…"/>
           <p:cNvSpPr txBox="1"/>
           <p:nvPr/>
         </p:nvSpPr>
         <p:spPr>
           <a:xfrm>
-            <a:off x="1362281" y="1939572"/>
-            <a:ext cx="5071669" cy="2978856"/>
+            <a:off x="1362280" y="1939572"/>
+            <a:ext cx="5071671" cy="2978854"/>
           </a:xfrm>
           <a:prstGeom prst="rect">
             <a:avLst/>
@@ -7705,7 +9188,7 @@
           </a:extLst>
         </p:spPr>
         <p:txBody>
-          <a:bodyPr lIns="45719" rIns="45719">
+          <a:bodyPr lIns="45718" tIns="45718" rIns="45718" bIns="45718">
             <a:spAutoFit/>
           </a:bodyPr>
           <a:lstStyle/>
@@ -7723,6 +9206,10 @@
                     <a:lumOff val="-11647"/>
                   </a:schemeClr>
                 </a:solidFill>
+                <a:latin typeface="Arial"/>
+                <a:ea typeface="Arial"/>
+                <a:cs typeface="Arial"/>
+                <a:sym typeface="Arial"/>
               </a:defRPr>
             </a:pPr>
             <a:r>
@@ -7741,6 +9228,10 @@
                     <a:lumOff val="-11647"/>
                   </a:schemeClr>
                 </a:solidFill>
+                <a:latin typeface="Arial"/>
+                <a:ea typeface="Arial"/>
+                <a:cs typeface="Arial"/>
+                <a:sym typeface="Arial"/>
               </a:defRPr>
             </a:pPr>
             <a:r>
@@ -7759,6 +9250,10 @@
                     <a:lumOff val="-11647"/>
                   </a:schemeClr>
                 </a:solidFill>
+                <a:latin typeface="Arial"/>
+                <a:ea typeface="Arial"/>
+                <a:cs typeface="Arial"/>
+                <a:sym typeface="Arial"/>
               </a:defRPr>
             </a:pPr>
             <a:r>
@@ -7777,6 +9272,10 @@
                     <a:lumOff val="-11647"/>
                   </a:schemeClr>
                 </a:solidFill>
+                <a:latin typeface="Arial"/>
+                <a:ea typeface="Arial"/>
+                <a:cs typeface="Arial"/>
+                <a:sym typeface="Arial"/>
               </a:defRPr>
             </a:pPr>
             <a:r>
@@ -7795,6 +9294,10 @@
                     <a:lumOff val="-11647"/>
                   </a:schemeClr>
                 </a:solidFill>
+                <a:latin typeface="Arial"/>
+                <a:ea typeface="Arial"/>
+                <a:cs typeface="Arial"/>
+                <a:sym typeface="Arial"/>
               </a:defRPr>
             </a:pPr>
             <a:r>
@@ -7805,7 +9308,7 @@
       </p:sp>
       <p:pic>
         <p:nvPicPr>
-          <p:cNvPr id="141" name="start (1).png" descr="start (1).png"/>
+          <p:cNvPr id="160" name="start (1).png" descr="start (1).png"/>
           <p:cNvPicPr>
             <a:picLocks noChangeAspect="1"/>
           </p:cNvPicPr>
@@ -7822,7 +9325,7 @@
         <p:spPr>
           <a:xfrm>
             <a:off x="8254048" y="2463800"/>
-            <a:ext cx="1930401" cy="1930400"/>
+            <a:ext cx="1930402" cy="1930400"/>
           </a:xfrm>
           <a:prstGeom prst="rect">
             <a:avLst/>
@@ -7860,14 +9363,14 @@
       </p:grpSpPr>
       <p:sp>
         <p:nvSpPr>
-          <p:cNvPr id="143" name="直接连接符 6"/>
+          <p:cNvPr id="162" name="直接连接符 6"/>
           <p:cNvSpPr/>
           <p:nvPr/>
         </p:nvSpPr>
         <p:spPr>
           <a:xfrm>
             <a:off x="848233" y="2402250"/>
-            <a:ext cx="872434" cy="1"/>
+            <a:ext cx="872433" cy="2"/>
           </a:xfrm>
           <a:prstGeom prst="line">
             <a:avLst/>
@@ -7882,7 +9385,7 @@
           </a:ln>
         </p:spPr>
         <p:txBody>
-          <a:bodyPr lIns="45719" rIns="45719"/>
+          <a:bodyPr lIns="45718" tIns="45718" rIns="45718" bIns="45718"/>
           <a:lstStyle/>
           <a:p>
             <a:pPr/>
@@ -7891,14 +9394,14 @@
       </p:sp>
       <p:sp>
         <p:nvSpPr>
-          <p:cNvPr id="144" name="文本框 8"/>
+          <p:cNvPr id="163" name="文本框 8"/>
           <p:cNvSpPr txBox="1"/>
           <p:nvPr/>
         </p:nvSpPr>
         <p:spPr>
           <a:xfrm>
-            <a:off x="949245" y="1282961"/>
-            <a:ext cx="1207167" cy="1005841"/>
+            <a:off x="949244" y="1282961"/>
+            <a:ext cx="1207168" cy="1005839"/>
           </a:xfrm>
           <a:prstGeom prst="rect">
             <a:avLst/>
@@ -7913,7 +9416,7 @@
           </a:extLst>
         </p:spPr>
         <p:txBody>
-          <a:bodyPr lIns="45719" rIns="45719">
+          <a:bodyPr lIns="45718" tIns="45718" rIns="45718" bIns="45718">
             <a:spAutoFit/>
           </a:bodyPr>
           <a:lstStyle>
@@ -7922,10 +9425,6 @@
                 <a:solidFill>
                   <a:srgbClr val="FFFFFF"/>
                 </a:solidFill>
-                <a:latin typeface="+mn-lt"/>
-                <a:ea typeface="+mn-ea"/>
-                <a:cs typeface="+mn-cs"/>
-                <a:sym typeface="Helvetica"/>
               </a:defRPr>
             </a:lvl1pPr>
           </a:lstStyle>
@@ -7939,14 +9438,14 @@
       </p:sp>
       <p:sp>
         <p:nvSpPr>
-          <p:cNvPr id="145" name="文本框 13"/>
+          <p:cNvPr id="164" name="文本框 13"/>
           <p:cNvSpPr txBox="1"/>
           <p:nvPr/>
         </p:nvSpPr>
         <p:spPr>
           <a:xfrm>
-            <a:off x="8737214" y="1280654"/>
-            <a:ext cx="1248549" cy="1005840"/>
+            <a:off x="8737213" y="1280654"/>
+            <a:ext cx="1248550" cy="1005839"/>
           </a:xfrm>
           <a:prstGeom prst="rect">
             <a:avLst/>
@@ -7961,7 +9460,7 @@
           </a:extLst>
         </p:spPr>
         <p:txBody>
-          <a:bodyPr lIns="45719" rIns="45719">
+          <a:bodyPr lIns="45718" tIns="45718" rIns="45718" bIns="45718">
             <a:spAutoFit/>
           </a:bodyPr>
           <a:lstStyle>
@@ -7970,10 +9469,6 @@
                 <a:solidFill>
                   <a:srgbClr val="FFFFFF"/>
                 </a:solidFill>
-                <a:latin typeface="+mn-lt"/>
-                <a:ea typeface="+mn-ea"/>
-                <a:cs typeface="+mn-cs"/>
-                <a:sym typeface="Helvetica"/>
               </a:defRPr>
             </a:lvl1pPr>
           </a:lstStyle>
@@ -7987,7 +9482,7 @@
       </p:sp>
       <p:sp>
         <p:nvSpPr>
-          <p:cNvPr id="146" name="标题 2"/>
+          <p:cNvPr id="165" name="标题 2"/>
           <p:cNvSpPr txBox="1"/>
           <p:nvPr>
             <p:ph type="title"/>
@@ -7995,8 +9490,8 @@
         </p:nvSpPr>
         <p:spPr>
           <a:xfrm>
-            <a:off x="652671" y="67823"/>
-            <a:ext cx="9802416" cy="912883"/>
+            <a:off x="652671" y="67822"/>
+            <a:ext cx="9802416" cy="912885"/>
           </a:xfrm>
           <a:prstGeom prst="rect">
             <a:avLst/>
@@ -8015,16 +9510,16 @@
       </p:sp>
       <p:sp>
         <p:nvSpPr>
-          <p:cNvPr id="147" name="灯片编号占位符 1"/>
+          <p:cNvPr id="166" name="灯片编号占位符 1"/>
           <p:cNvSpPr txBox="1"/>
           <p:nvPr>
-            <p:ph type="sldNum" sz="quarter" idx="2"/>
+            <p:ph type="sldNum" sz="quarter" idx="4294967295"/>
           </p:nvPr>
         </p:nvSpPr>
         <p:spPr>
           <a:xfrm>
             <a:off x="11422994" y="6451502"/>
-            <a:ext cx="203025" cy="307341"/>
+            <a:ext cx="203022" cy="307339"/>
           </a:xfrm>
           <a:prstGeom prst="rect">
             <a:avLst/>
@@ -8046,7 +9541,7 @@
       </p:sp>
       <p:pic>
         <p:nvPicPr>
-          <p:cNvPr id="148" name="repo-pull (1).png" descr="repo-pull (1).png"/>
+          <p:cNvPr id="167" name="repo-pull (1).png" descr="repo-pull (1).png"/>
           <p:cNvPicPr>
             <a:picLocks noChangeAspect="1"/>
           </p:cNvPicPr>
@@ -8062,8 +9557,8 @@
         </p:blipFill>
         <p:spPr>
           <a:xfrm>
-            <a:off x="1652883" y="2515698"/>
-            <a:ext cx="1924731" cy="1924730"/>
+            <a:off x="1652883" y="2515697"/>
+            <a:ext cx="1924731" cy="1924731"/>
           </a:xfrm>
           <a:prstGeom prst="rect">
             <a:avLst/>
@@ -8075,7 +9570,7 @@
       </p:pic>
       <p:pic>
         <p:nvPicPr>
-          <p:cNvPr id="149" name="html.png" descr="html.png"/>
+          <p:cNvPr id="168" name="html.png" descr="html.png"/>
           <p:cNvPicPr>
             <a:picLocks noChangeAspect="1"/>
           </p:cNvPicPr>
@@ -8091,8 +9586,8 @@
         </p:blipFill>
         <p:spPr>
           <a:xfrm>
-            <a:off x="6735524" y="626064"/>
-            <a:ext cx="1591073" cy="1591073"/>
+            <a:off x="6735523" y="626064"/>
+            <a:ext cx="1591074" cy="1591074"/>
           </a:xfrm>
           <a:prstGeom prst="rect">
             <a:avLst/>
@@ -8104,7 +9599,7 @@
       </p:pic>
       <p:pic>
         <p:nvPicPr>
-          <p:cNvPr id="150" name="javascript.png" descr="javascript.png"/>
+          <p:cNvPr id="169" name="javascript.png" descr="javascript.png"/>
           <p:cNvPicPr>
             <a:picLocks noChangeAspect="1"/>
           </p:cNvPicPr>
@@ -8120,8 +9615,8 @@
         </p:blipFill>
         <p:spPr>
           <a:xfrm>
-            <a:off x="6783934" y="4592823"/>
-            <a:ext cx="1752097" cy="1752098"/>
+            <a:off x="6783933" y="4592823"/>
+            <a:ext cx="1752098" cy="1752099"/>
           </a:xfrm>
           <a:prstGeom prst="rect">
             <a:avLst/>
@@ -8133,9 +9628,9 @@
       </p:pic>
       <p:pic>
         <p:nvPicPr>
-          <p:cNvPr id="151" name="Line Line" descr="Line Line"/>
+          <p:cNvPr id="170" name="Line Line" descr="Line Line"/>
           <p:cNvPicPr>
-            <a:picLocks noChangeAspect="0"/>
+            <a:picLocks noChangeAspect="1"/>
           </p:cNvPicPr>
           <p:nvPr/>
         </p:nvPicPr>
@@ -8150,11 +9645,14 @@
         <p:spPr>
           <a:xfrm rot="5264676">
             <a:off x="6292158" y="3277198"/>
-            <a:ext cx="2609795" cy="426777"/>
+            <a:ext cx="2609796" cy="426778"/>
           </a:xfrm>
           <a:prstGeom prst="rect">
             <a:avLst/>
           </a:prstGeom>
+          <a:ln w="12700">
+            <a:miter lim="400000"/>
+          </a:ln>
           <a:effectLst>
             <a:outerShdw sx="100000" sy="100000" kx="0" ky="0" algn="b" rotWithShape="0" blurRad="355600" dist="0" dir="0">
               <a:srgbClr val="000000">
@@ -8192,14 +9690,14 @@
       </p:grpSpPr>
       <p:sp>
         <p:nvSpPr>
-          <p:cNvPr id="153" name="直接连接符 6"/>
+          <p:cNvPr id="172" name="直接连接符 6"/>
           <p:cNvSpPr/>
           <p:nvPr/>
         </p:nvSpPr>
         <p:spPr>
           <a:xfrm>
             <a:off x="848233" y="2402250"/>
-            <a:ext cx="872434" cy="1"/>
+            <a:ext cx="872433" cy="2"/>
           </a:xfrm>
           <a:prstGeom prst="line">
             <a:avLst/>
@@ -8214,7 +9712,7 @@
           </a:ln>
         </p:spPr>
         <p:txBody>
-          <a:bodyPr lIns="45719" rIns="45719"/>
+          <a:bodyPr lIns="45718" tIns="45718" rIns="45718" bIns="45718"/>
           <a:lstStyle/>
           <a:p>
             <a:pPr/>
@@ -8223,14 +9721,14 @@
       </p:sp>
       <p:sp>
         <p:nvSpPr>
-          <p:cNvPr id="154" name="文本框 8"/>
+          <p:cNvPr id="173" name="文本框 8"/>
           <p:cNvSpPr txBox="1"/>
           <p:nvPr/>
         </p:nvSpPr>
         <p:spPr>
           <a:xfrm>
-            <a:off x="949245" y="1282961"/>
-            <a:ext cx="1207167" cy="1005841"/>
+            <a:off x="949244" y="1282961"/>
+            <a:ext cx="1207168" cy="1005839"/>
           </a:xfrm>
           <a:prstGeom prst="rect">
             <a:avLst/>
@@ -8245,7 +9743,7 @@
           </a:extLst>
         </p:spPr>
         <p:txBody>
-          <a:bodyPr lIns="45719" rIns="45719">
+          <a:bodyPr lIns="45718" tIns="45718" rIns="45718" bIns="45718">
             <a:spAutoFit/>
           </a:bodyPr>
           <a:lstStyle>
@@ -8254,10 +9752,6 @@
                 <a:solidFill>
                   <a:srgbClr val="FFFFFF"/>
                 </a:solidFill>
-                <a:latin typeface="+mn-lt"/>
-                <a:ea typeface="+mn-ea"/>
-                <a:cs typeface="+mn-cs"/>
-                <a:sym typeface="Helvetica"/>
               </a:defRPr>
             </a:lvl1pPr>
           </a:lstStyle>
@@ -8271,14 +9765,14 @@
       </p:sp>
       <p:sp>
         <p:nvSpPr>
-          <p:cNvPr id="155" name="文本框 13"/>
+          <p:cNvPr id="174" name="文本框 13"/>
           <p:cNvSpPr txBox="1"/>
           <p:nvPr/>
         </p:nvSpPr>
         <p:spPr>
           <a:xfrm>
-            <a:off x="8737214" y="1280654"/>
-            <a:ext cx="1248549" cy="1005840"/>
+            <a:off x="8737213" y="1280654"/>
+            <a:ext cx="1248550" cy="1005839"/>
           </a:xfrm>
           <a:prstGeom prst="rect">
             <a:avLst/>
@@ -8293,7 +9787,7 @@
           </a:extLst>
         </p:spPr>
         <p:txBody>
-          <a:bodyPr lIns="45719" rIns="45719">
+          <a:bodyPr lIns="45718" tIns="45718" rIns="45718" bIns="45718">
             <a:spAutoFit/>
           </a:bodyPr>
           <a:lstStyle>
@@ -8302,10 +9796,6 @@
                 <a:solidFill>
                   <a:srgbClr val="FFFFFF"/>
                 </a:solidFill>
-                <a:latin typeface="+mn-lt"/>
-                <a:ea typeface="+mn-ea"/>
-                <a:cs typeface="+mn-cs"/>
-                <a:sym typeface="Helvetica"/>
               </a:defRPr>
             </a:lvl1pPr>
           </a:lstStyle>
@@ -8319,7 +9809,7 @@
       </p:sp>
       <p:sp>
         <p:nvSpPr>
-          <p:cNvPr id="156" name="标题 2"/>
+          <p:cNvPr id="175" name="标题 2"/>
           <p:cNvSpPr txBox="1"/>
           <p:nvPr>
             <p:ph type="title"/>
@@ -8327,8 +9817,8 @@
         </p:nvSpPr>
         <p:spPr>
           <a:xfrm>
-            <a:off x="652671" y="67823"/>
-            <a:ext cx="9802416" cy="912883"/>
+            <a:off x="652671" y="67822"/>
+            <a:ext cx="9802416" cy="912885"/>
           </a:xfrm>
           <a:prstGeom prst="rect">
             <a:avLst/>
@@ -8347,16 +9837,16 @@
       </p:sp>
       <p:sp>
         <p:nvSpPr>
-          <p:cNvPr id="157" name="灯片编号占位符 1"/>
+          <p:cNvPr id="176" name="灯片编号占位符 1"/>
           <p:cNvSpPr txBox="1"/>
           <p:nvPr>
-            <p:ph type="sldNum" sz="quarter" idx="2"/>
+            <p:ph type="sldNum" sz="quarter" idx="4294967295"/>
           </p:nvPr>
         </p:nvSpPr>
         <p:spPr>
           <a:xfrm>
             <a:off x="11422994" y="6451502"/>
-            <a:ext cx="203025" cy="307341"/>
+            <a:ext cx="203022" cy="307339"/>
           </a:xfrm>
           <a:prstGeom prst="rect">
             <a:avLst/>
@@ -8378,14 +9868,14 @@
       </p:sp>
       <p:sp>
         <p:nvSpPr>
-          <p:cNvPr id="158" name="加载顺序"/>
+          <p:cNvPr id="177" name="加载顺序"/>
           <p:cNvSpPr txBox="1"/>
           <p:nvPr/>
         </p:nvSpPr>
         <p:spPr>
           <a:xfrm>
             <a:off x="1790625" y="2125909"/>
-            <a:ext cx="1628141" cy="624841"/>
+            <a:ext cx="1628139" cy="624839"/>
           </a:xfrm>
           <a:prstGeom prst="rect">
             <a:avLst/>
@@ -8400,7 +9890,7 @@
           </a:extLst>
         </p:spPr>
         <p:txBody>
-          <a:bodyPr wrap="none" lIns="45719" rIns="45719">
+          <a:bodyPr wrap="none" lIns="45718" tIns="45718" rIns="45718" bIns="45718">
             <a:spAutoFit/>
           </a:bodyPr>
           <a:lstStyle>
@@ -8409,6 +9899,10 @@
                 <a:solidFill>
                   <a:schemeClr val="accent1"/>
                 </a:solidFill>
+                <a:latin typeface="Arial"/>
+                <a:ea typeface="Arial"/>
+                <a:cs typeface="Arial"/>
+                <a:sym typeface="Arial"/>
               </a:defRPr>
             </a:lvl1pPr>
           </a:lstStyle>
@@ -8422,14 +9916,14 @@
       </p:sp>
       <p:sp>
         <p:nvSpPr>
-          <p:cNvPr id="159" name="污染全局"/>
+          <p:cNvPr id="178" name="污染全局"/>
           <p:cNvSpPr txBox="1"/>
           <p:nvPr/>
         </p:nvSpPr>
         <p:spPr>
           <a:xfrm>
-            <a:off x="1790625" y="3667592"/>
-            <a:ext cx="1628141" cy="624841"/>
+            <a:off x="1790625" y="3667593"/>
+            <a:ext cx="1628139" cy="624839"/>
           </a:xfrm>
           <a:prstGeom prst="rect">
             <a:avLst/>
@@ -8444,7 +9938,7 @@
           </a:extLst>
         </p:spPr>
         <p:txBody>
-          <a:bodyPr wrap="none" lIns="45719" rIns="45719">
+          <a:bodyPr wrap="none" lIns="45718" tIns="45718" rIns="45718" bIns="45718">
             <a:spAutoFit/>
           </a:bodyPr>
           <a:lstStyle>
@@ -8453,6 +9947,10 @@
                 <a:solidFill>
                   <a:schemeClr val="accent1"/>
                 </a:solidFill>
+                <a:latin typeface="Arial"/>
+                <a:ea typeface="Arial"/>
+                <a:cs typeface="Arial"/>
+                <a:sym typeface="Arial"/>
               </a:defRPr>
             </a:lvl1pPr>
           </a:lstStyle>
@@ -8466,7 +9964,7 @@
       </p:sp>
       <p:pic>
         <p:nvPicPr>
-          <p:cNvPr id="160" name="question_fill.png" descr="question_fill.png"/>
+          <p:cNvPr id="179" name="question_fill.png" descr="question_fill.png"/>
           <p:cNvPicPr>
             <a:picLocks noChangeAspect="1"/>
           </p:cNvPicPr>
@@ -8482,8 +9980,8 @@
         </p:blipFill>
         <p:spPr>
           <a:xfrm>
-            <a:off x="7894319" y="2230119"/>
-            <a:ext cx="2153921" cy="2153921"/>
+            <a:off x="7894318" y="2230118"/>
+            <a:ext cx="2153922" cy="2153922"/>
           </a:xfrm>
           <a:prstGeom prst="rect">
             <a:avLst/>
@@ -8521,14 +10019,14 @@
       </p:grpSpPr>
       <p:sp>
         <p:nvSpPr>
-          <p:cNvPr id="162" name="直接连接符 6"/>
+          <p:cNvPr id="181" name="直接连接符 6"/>
           <p:cNvSpPr/>
           <p:nvPr/>
         </p:nvSpPr>
         <p:spPr>
           <a:xfrm>
             <a:off x="848233" y="2402250"/>
-            <a:ext cx="872434" cy="1"/>
+            <a:ext cx="872433" cy="2"/>
           </a:xfrm>
           <a:prstGeom prst="line">
             <a:avLst/>
@@ -8543,7 +10041,7 @@
           </a:ln>
         </p:spPr>
         <p:txBody>
-          <a:bodyPr lIns="45719" rIns="45719"/>
+          <a:bodyPr lIns="45718" tIns="45718" rIns="45718" bIns="45718"/>
           <a:lstStyle/>
           <a:p>
             <a:pPr/>
@@ -8552,14 +10050,14 @@
       </p:sp>
       <p:sp>
         <p:nvSpPr>
-          <p:cNvPr id="163" name="文本框 8"/>
+          <p:cNvPr id="182" name="文本框 8"/>
           <p:cNvSpPr txBox="1"/>
           <p:nvPr/>
         </p:nvSpPr>
         <p:spPr>
           <a:xfrm>
-            <a:off x="949245" y="1282961"/>
-            <a:ext cx="1207167" cy="1005841"/>
+            <a:off x="949244" y="1282961"/>
+            <a:ext cx="1207168" cy="1005839"/>
           </a:xfrm>
           <a:prstGeom prst="rect">
             <a:avLst/>
@@ -8574,7 +10072,7 @@
           </a:extLst>
         </p:spPr>
         <p:txBody>
-          <a:bodyPr lIns="45719" rIns="45719">
+          <a:bodyPr lIns="45718" tIns="45718" rIns="45718" bIns="45718">
             <a:spAutoFit/>
           </a:bodyPr>
           <a:lstStyle>
@@ -8583,10 +10081,6 @@
                 <a:solidFill>
                   <a:srgbClr val="FFFFFF"/>
                 </a:solidFill>
-                <a:latin typeface="+mn-lt"/>
-                <a:ea typeface="+mn-ea"/>
-                <a:cs typeface="+mn-cs"/>
-                <a:sym typeface="Helvetica"/>
               </a:defRPr>
             </a:lvl1pPr>
           </a:lstStyle>
@@ -8600,14 +10094,14 @@
       </p:sp>
       <p:sp>
         <p:nvSpPr>
-          <p:cNvPr id="164" name="文本框 13"/>
+          <p:cNvPr id="183" name="文本框 13"/>
           <p:cNvSpPr txBox="1"/>
           <p:nvPr/>
         </p:nvSpPr>
         <p:spPr>
           <a:xfrm>
-            <a:off x="8737214" y="1280654"/>
-            <a:ext cx="1248549" cy="1005840"/>
+            <a:off x="8737213" y="1280654"/>
+            <a:ext cx="1248550" cy="1005839"/>
           </a:xfrm>
           <a:prstGeom prst="rect">
             <a:avLst/>
@@ -8622,7 +10116,7 @@
           </a:extLst>
         </p:spPr>
         <p:txBody>
-          <a:bodyPr lIns="45719" rIns="45719">
+          <a:bodyPr lIns="45718" tIns="45718" rIns="45718" bIns="45718">
             <a:spAutoFit/>
           </a:bodyPr>
           <a:lstStyle>
@@ -8631,10 +10125,6 @@
                 <a:solidFill>
                   <a:srgbClr val="FFFFFF"/>
                 </a:solidFill>
-                <a:latin typeface="+mn-lt"/>
-                <a:ea typeface="+mn-ea"/>
-                <a:cs typeface="+mn-cs"/>
-                <a:sym typeface="Helvetica"/>
               </a:defRPr>
             </a:lvl1pPr>
           </a:lstStyle>
@@ -8648,7 +10138,7 @@
       </p:sp>
       <p:sp>
         <p:nvSpPr>
-          <p:cNvPr id="165" name="标题 2"/>
+          <p:cNvPr id="184" name="标题 2"/>
           <p:cNvSpPr txBox="1"/>
           <p:nvPr>
             <p:ph type="title"/>
@@ -8656,8 +10146,8 @@
         </p:nvSpPr>
         <p:spPr>
           <a:xfrm>
-            <a:off x="652671" y="67823"/>
-            <a:ext cx="9802416" cy="912883"/>
+            <a:off x="652671" y="67822"/>
+            <a:ext cx="9802416" cy="912885"/>
           </a:xfrm>
           <a:prstGeom prst="rect">
             <a:avLst/>
@@ -8676,16 +10166,16 @@
       </p:sp>
       <p:sp>
         <p:nvSpPr>
-          <p:cNvPr id="166" name="灯片编号占位符 1"/>
+          <p:cNvPr id="185" name="灯片编号占位符 1"/>
           <p:cNvSpPr txBox="1"/>
           <p:nvPr>
-            <p:ph type="sldNum" sz="quarter" idx="2"/>
+            <p:ph type="sldNum" sz="quarter" idx="4294967295"/>
           </p:nvPr>
         </p:nvSpPr>
         <p:spPr>
           <a:xfrm>
             <a:off x="11422994" y="6451502"/>
-            <a:ext cx="203025" cy="307341"/>
+            <a:ext cx="203022" cy="307339"/>
           </a:xfrm>
           <a:prstGeom prst="rect">
             <a:avLst/>
@@ -8707,14 +10197,14 @@
       </p:sp>
       <p:sp>
         <p:nvSpPr>
-          <p:cNvPr id="167" name="独立作用域…"/>
+          <p:cNvPr id="186" name="独立作用域…"/>
           <p:cNvSpPr txBox="1"/>
           <p:nvPr/>
         </p:nvSpPr>
         <p:spPr>
           <a:xfrm>
-            <a:off x="7597065" y="2365231"/>
-            <a:ext cx="1487773" cy="1584819"/>
+            <a:off x="7597064" y="2365231"/>
+            <a:ext cx="1487770" cy="1584818"/>
           </a:xfrm>
           <a:prstGeom prst="rect">
             <a:avLst/>
@@ -8729,7 +10219,7 @@
           </a:extLst>
         </p:spPr>
         <p:txBody>
-          <a:bodyPr wrap="none" lIns="45719" rIns="45719">
+          <a:bodyPr wrap="none" lIns="45718" tIns="45718" rIns="45718" bIns="45718">
             <a:spAutoFit/>
           </a:bodyPr>
           <a:lstStyle/>
@@ -8741,6 +10231,10 @@
                 <a:solidFill>
                   <a:schemeClr val="accent1"/>
                 </a:solidFill>
+                <a:latin typeface="Arial"/>
+                <a:ea typeface="Arial"/>
+                <a:cs typeface="Arial"/>
+                <a:sym typeface="Arial"/>
               </a:defRPr>
             </a:pPr>
             <a:r>
@@ -8753,6 +10247,10 @@
                 <a:solidFill>
                   <a:schemeClr val="accent1"/>
                 </a:solidFill>
+                <a:latin typeface="Arial"/>
+                <a:ea typeface="Arial"/>
+                <a:cs typeface="Arial"/>
+                <a:sym typeface="Arial"/>
               </a:defRPr>
             </a:pPr>
           </a:p>
@@ -8762,6 +10260,10 @@
                 <a:solidFill>
                   <a:schemeClr val="accent1"/>
                 </a:solidFill>
+                <a:latin typeface="Arial"/>
+                <a:ea typeface="Arial"/>
+                <a:cs typeface="Arial"/>
+                <a:sym typeface="Arial"/>
               </a:defRPr>
             </a:pPr>
             <a:r>
@@ -8774,6 +10276,10 @@
                 <a:solidFill>
                   <a:schemeClr val="accent1"/>
                 </a:solidFill>
+                <a:latin typeface="Arial"/>
+                <a:ea typeface="Arial"/>
+                <a:cs typeface="Arial"/>
+                <a:sym typeface="Arial"/>
               </a:defRPr>
             </a:pPr>
           </a:p>
@@ -8783,6 +10289,10 @@
                 <a:solidFill>
                   <a:schemeClr val="accent1"/>
                 </a:solidFill>
+                <a:latin typeface="Arial"/>
+                <a:ea typeface="Arial"/>
+                <a:cs typeface="Arial"/>
+                <a:sym typeface="Arial"/>
               </a:defRPr>
             </a:pPr>
             <a:r>
@@ -8793,7 +10303,7 @@
       </p:sp>
       <p:pic>
         <p:nvPicPr>
-          <p:cNvPr id="168" name="function.png" descr="function.png"/>
+          <p:cNvPr id="187" name="function.png" descr="function.png"/>
           <p:cNvPicPr>
             <a:picLocks noChangeAspect="1"/>
           </p:cNvPicPr>
@@ -8810,7 +10320,7 @@
         <p:spPr>
           <a:xfrm>
             <a:off x="1775460" y="2365231"/>
-            <a:ext cx="1981024" cy="1584819"/>
+            <a:ext cx="1981025" cy="1584819"/>
           </a:xfrm>
           <a:prstGeom prst="rect">
             <a:avLst/>
@@ -8848,14 +10358,14 @@
       </p:grpSpPr>
       <p:sp>
         <p:nvSpPr>
-          <p:cNvPr id="170" name="直接连接符 6"/>
+          <p:cNvPr id="189" name="直接连接符 6"/>
           <p:cNvSpPr/>
           <p:nvPr/>
         </p:nvSpPr>
         <p:spPr>
           <a:xfrm>
             <a:off x="848233" y="2402250"/>
-            <a:ext cx="872434" cy="1"/>
+            <a:ext cx="872433" cy="2"/>
           </a:xfrm>
           <a:prstGeom prst="line">
             <a:avLst/>
@@ -8870,7 +10380,7 @@
           </a:ln>
         </p:spPr>
         <p:txBody>
-          <a:bodyPr lIns="45719" rIns="45719"/>
+          <a:bodyPr lIns="45718" tIns="45718" rIns="45718" bIns="45718"/>
           <a:lstStyle/>
           <a:p>
             <a:pPr/>
@@ -8879,14 +10389,14 @@
       </p:sp>
       <p:sp>
         <p:nvSpPr>
-          <p:cNvPr id="171" name="文本框 8"/>
+          <p:cNvPr id="190" name="文本框 8"/>
           <p:cNvSpPr txBox="1"/>
           <p:nvPr/>
         </p:nvSpPr>
         <p:spPr>
           <a:xfrm>
-            <a:off x="949245" y="1282961"/>
-            <a:ext cx="1207167" cy="1005841"/>
+            <a:off x="949244" y="1282961"/>
+            <a:ext cx="1207168" cy="1005839"/>
           </a:xfrm>
           <a:prstGeom prst="rect">
             <a:avLst/>
@@ -8901,7 +10411,7 @@
           </a:extLst>
         </p:spPr>
         <p:txBody>
-          <a:bodyPr lIns="45719" rIns="45719">
+          <a:bodyPr lIns="45718" tIns="45718" rIns="45718" bIns="45718">
             <a:spAutoFit/>
           </a:bodyPr>
           <a:lstStyle>
@@ -8910,10 +10420,6 @@
                 <a:solidFill>
                   <a:srgbClr val="FFFFFF"/>
                 </a:solidFill>
-                <a:latin typeface="+mn-lt"/>
-                <a:ea typeface="+mn-ea"/>
-                <a:cs typeface="+mn-cs"/>
-                <a:sym typeface="Helvetica"/>
               </a:defRPr>
             </a:lvl1pPr>
           </a:lstStyle>
@@ -8927,14 +10433,14 @@
       </p:sp>
       <p:sp>
         <p:nvSpPr>
-          <p:cNvPr id="172" name="文本框 13"/>
+          <p:cNvPr id="191" name="文本框 13"/>
           <p:cNvSpPr txBox="1"/>
           <p:nvPr/>
         </p:nvSpPr>
         <p:spPr>
           <a:xfrm>
-            <a:off x="8737214" y="1280654"/>
-            <a:ext cx="1248549" cy="1005840"/>
+            <a:off x="8737213" y="1280654"/>
+            <a:ext cx="1248550" cy="1005839"/>
           </a:xfrm>
           <a:prstGeom prst="rect">
             <a:avLst/>
@@ -8949,7 +10455,7 @@
           </a:extLst>
         </p:spPr>
         <p:txBody>
-          <a:bodyPr lIns="45719" rIns="45719">
+          <a:bodyPr lIns="45718" tIns="45718" rIns="45718" bIns="45718">
             <a:spAutoFit/>
           </a:bodyPr>
           <a:lstStyle>
@@ -8958,10 +10464,6 @@
                 <a:solidFill>
                   <a:srgbClr val="FFFFFF"/>
                 </a:solidFill>
-                <a:latin typeface="+mn-lt"/>
-                <a:ea typeface="+mn-ea"/>
-                <a:cs typeface="+mn-cs"/>
-                <a:sym typeface="Helvetica"/>
               </a:defRPr>
             </a:lvl1pPr>
           </a:lstStyle>
@@ -8975,7 +10477,7 @@
       </p:sp>
       <p:sp>
         <p:nvSpPr>
-          <p:cNvPr id="173" name="标题 2"/>
+          <p:cNvPr id="192" name="标题 2"/>
           <p:cNvSpPr txBox="1"/>
           <p:nvPr>
             <p:ph type="title"/>
@@ -8983,8 +10485,8 @@
         </p:nvSpPr>
         <p:spPr>
           <a:xfrm>
-            <a:off x="652671" y="67823"/>
-            <a:ext cx="9802416" cy="912883"/>
+            <a:off x="652671" y="67822"/>
+            <a:ext cx="9802416" cy="912885"/>
           </a:xfrm>
           <a:prstGeom prst="rect">
             <a:avLst/>
@@ -9003,16 +10505,16 @@
       </p:sp>
       <p:sp>
         <p:nvSpPr>
-          <p:cNvPr id="174" name="灯片编号占位符 1"/>
+          <p:cNvPr id="193" name="灯片编号占位符 1"/>
           <p:cNvSpPr txBox="1"/>
           <p:nvPr>
-            <p:ph type="sldNum" sz="quarter" idx="2"/>
+            <p:ph type="sldNum" sz="quarter" idx="4294967295"/>
           </p:nvPr>
         </p:nvSpPr>
         <p:spPr>
           <a:xfrm>
             <a:off x="11422994" y="6451502"/>
-            <a:ext cx="203025" cy="307341"/>
+            <a:ext cx="203022" cy="307339"/>
           </a:xfrm>
           <a:prstGeom prst="rect">
             <a:avLst/>
@@ -9034,7 +10536,7 @@
       </p:sp>
       <p:pic>
         <p:nvPicPr>
-          <p:cNvPr id="175" name="node.png" descr="node.png"/>
+          <p:cNvPr id="194" name="node.png" descr="node.png"/>
           <p:cNvPicPr>
             <a:picLocks noChangeAspect="1"/>
           </p:cNvPicPr>
@@ -9051,7 +10553,7 @@
         <p:spPr>
           <a:xfrm>
             <a:off x="7139940" y="2260600"/>
-            <a:ext cx="2311401" cy="1849121"/>
+            <a:ext cx="2311402" cy="1849122"/>
           </a:xfrm>
           <a:prstGeom prst="rect">
             <a:avLst/>
@@ -9063,14 +10565,14 @@
       </p:pic>
       <p:sp>
         <p:nvSpPr>
-          <p:cNvPr id="176" name="一种模块化规范…"/>
+          <p:cNvPr id="195" name="一种模块化规范…"/>
           <p:cNvSpPr txBox="1"/>
           <p:nvPr/>
         </p:nvSpPr>
         <p:spPr>
           <a:xfrm>
-            <a:off x="1495985" y="2178191"/>
-            <a:ext cx="2339912" cy="2176498"/>
+            <a:off x="1495985" y="2178192"/>
+            <a:ext cx="2339909" cy="2176496"/>
           </a:xfrm>
           <a:prstGeom prst="rect">
             <a:avLst/>
@@ -9085,7 +10587,7 @@
           </a:extLst>
         </p:spPr>
         <p:txBody>
-          <a:bodyPr wrap="none" lIns="45719" rIns="45719">
+          <a:bodyPr wrap="none" lIns="45718" tIns="45718" rIns="45718" bIns="45718">
             <a:spAutoFit/>
           </a:bodyPr>
           <a:lstStyle/>
@@ -9097,6 +10599,10 @@
                 <a:solidFill>
                   <a:schemeClr val="accent1"/>
                 </a:solidFill>
+                <a:latin typeface="Arial"/>
+                <a:ea typeface="Arial"/>
+                <a:cs typeface="Arial"/>
+                <a:sym typeface="Arial"/>
               </a:defRPr>
             </a:pPr>
             <a:r>
@@ -9109,6 +10615,10 @@
                 <a:solidFill>
                   <a:schemeClr val="accent1"/>
                 </a:solidFill>
+                <a:latin typeface="Arial"/>
+                <a:ea typeface="Arial"/>
+                <a:cs typeface="Arial"/>
+                <a:sym typeface="Arial"/>
               </a:defRPr>
             </a:pPr>
           </a:p>
@@ -9118,6 +10628,10 @@
                 <a:solidFill>
                   <a:schemeClr val="accent1"/>
                 </a:solidFill>
+                <a:latin typeface="Arial"/>
+                <a:ea typeface="Arial"/>
+                <a:cs typeface="Arial"/>
+                <a:sym typeface="Arial"/>
               </a:defRPr>
             </a:pPr>
             <a:r>
@@ -9130,6 +10644,10 @@
                 <a:solidFill>
                   <a:schemeClr val="accent1"/>
                 </a:solidFill>
+                <a:latin typeface="Arial"/>
+                <a:ea typeface="Arial"/>
+                <a:cs typeface="Arial"/>
+                <a:sym typeface="Arial"/>
               </a:defRPr>
             </a:pPr>
           </a:p>
@@ -9139,6 +10657,10 @@
                 <a:solidFill>
                   <a:schemeClr val="accent1"/>
                 </a:solidFill>
+                <a:latin typeface="Arial"/>
+                <a:ea typeface="Arial"/>
+                <a:cs typeface="Arial"/>
+                <a:sym typeface="Arial"/>
               </a:defRPr>
             </a:pPr>
             <a:r>
@@ -9151,6 +10673,10 @@
                 <a:solidFill>
                   <a:schemeClr val="accent1"/>
                 </a:solidFill>
+                <a:latin typeface="Arial"/>
+                <a:ea typeface="Arial"/>
+                <a:cs typeface="Arial"/>
+                <a:sym typeface="Arial"/>
               </a:defRPr>
             </a:pPr>
           </a:p>
@@ -9160,6 +10686,10 @@
                 <a:solidFill>
                   <a:schemeClr val="accent1"/>
                 </a:solidFill>
+                <a:latin typeface="Arial"/>
+                <a:ea typeface="Arial"/>
+                <a:cs typeface="Arial"/>
+                <a:sym typeface="Arial"/>
               </a:defRPr>
             </a:pPr>
             <a:r>
@@ -9196,14 +10726,14 @@
       </p:grpSpPr>
       <p:sp>
         <p:nvSpPr>
-          <p:cNvPr id="178" name="直接连接符 6"/>
+          <p:cNvPr id="197" name="直接连接符 6"/>
           <p:cNvSpPr/>
           <p:nvPr/>
         </p:nvSpPr>
         <p:spPr>
           <a:xfrm>
             <a:off x="848233" y="2402250"/>
-            <a:ext cx="872434" cy="1"/>
+            <a:ext cx="872433" cy="2"/>
           </a:xfrm>
           <a:prstGeom prst="line">
             <a:avLst/>
@@ -9218,7 +10748,7 @@
           </a:ln>
         </p:spPr>
         <p:txBody>
-          <a:bodyPr lIns="45719" rIns="45719"/>
+          <a:bodyPr lIns="45718" tIns="45718" rIns="45718" bIns="45718"/>
           <a:lstStyle/>
           <a:p>
             <a:pPr/>
@@ -9227,14 +10757,14 @@
       </p:sp>
       <p:sp>
         <p:nvSpPr>
-          <p:cNvPr id="179" name="文本框 8"/>
+          <p:cNvPr id="198" name="文本框 8"/>
           <p:cNvSpPr txBox="1"/>
           <p:nvPr/>
         </p:nvSpPr>
         <p:spPr>
           <a:xfrm>
-            <a:off x="949245" y="1282961"/>
-            <a:ext cx="1207167" cy="1005841"/>
+            <a:off x="949244" y="1282961"/>
+            <a:ext cx="1207168" cy="1005839"/>
           </a:xfrm>
           <a:prstGeom prst="rect">
             <a:avLst/>
@@ -9249,7 +10779,7 @@
           </a:extLst>
         </p:spPr>
         <p:txBody>
-          <a:bodyPr lIns="45719" rIns="45719">
+          <a:bodyPr lIns="45718" tIns="45718" rIns="45718" bIns="45718">
             <a:spAutoFit/>
           </a:bodyPr>
           <a:lstStyle>
@@ -9258,10 +10788,6 @@
                 <a:solidFill>
                   <a:srgbClr val="FFFFFF"/>
                 </a:solidFill>
-                <a:latin typeface="+mn-lt"/>
-                <a:ea typeface="+mn-ea"/>
-                <a:cs typeface="+mn-cs"/>
-                <a:sym typeface="Helvetica"/>
               </a:defRPr>
             </a:lvl1pPr>
           </a:lstStyle>
@@ -9275,14 +10801,14 @@
       </p:sp>
       <p:sp>
         <p:nvSpPr>
-          <p:cNvPr id="180" name="文本框 13"/>
+          <p:cNvPr id="199" name="文本框 13"/>
           <p:cNvSpPr txBox="1"/>
           <p:nvPr/>
         </p:nvSpPr>
         <p:spPr>
           <a:xfrm>
-            <a:off x="8737214" y="1280654"/>
-            <a:ext cx="1248549" cy="1005840"/>
+            <a:off x="8737213" y="1280654"/>
+            <a:ext cx="1248550" cy="1005839"/>
           </a:xfrm>
           <a:prstGeom prst="rect">
             <a:avLst/>
@@ -9297,7 +10823,7 @@
           </a:extLst>
         </p:spPr>
         <p:txBody>
-          <a:bodyPr lIns="45719" rIns="45719">
+          <a:bodyPr lIns="45718" tIns="45718" rIns="45718" bIns="45718">
             <a:spAutoFit/>
           </a:bodyPr>
           <a:lstStyle>
@@ -9306,10 +10832,6 @@
                 <a:solidFill>
                   <a:srgbClr val="FFFFFF"/>
                 </a:solidFill>
-                <a:latin typeface="+mn-lt"/>
-                <a:ea typeface="+mn-ea"/>
-                <a:cs typeface="+mn-cs"/>
-                <a:sym typeface="Helvetica"/>
               </a:defRPr>
             </a:lvl1pPr>
           </a:lstStyle>
@@ -9323,7 +10845,7 @@
       </p:sp>
       <p:sp>
         <p:nvSpPr>
-          <p:cNvPr id="181" name="标题 2"/>
+          <p:cNvPr id="200" name="标题 2"/>
           <p:cNvSpPr txBox="1"/>
           <p:nvPr>
             <p:ph type="title"/>
@@ -9331,8 +10853,8 @@
         </p:nvSpPr>
         <p:spPr>
           <a:xfrm>
-            <a:off x="652671" y="67823"/>
-            <a:ext cx="9802416" cy="912883"/>
+            <a:off x="652671" y="67822"/>
+            <a:ext cx="9802416" cy="912885"/>
           </a:xfrm>
           <a:prstGeom prst="rect">
             <a:avLst/>
@@ -9351,16 +10873,16 @@
       </p:sp>
       <p:sp>
         <p:nvSpPr>
-          <p:cNvPr id="182" name="灯片编号占位符 1"/>
+          <p:cNvPr id="201" name="灯片编号占位符 1"/>
           <p:cNvSpPr txBox="1"/>
           <p:nvPr>
-            <p:ph type="sldNum" sz="quarter" idx="2"/>
+            <p:ph type="sldNum" sz="quarter" idx="4294967295"/>
           </p:nvPr>
         </p:nvSpPr>
         <p:spPr>
           <a:xfrm>
             <a:off x="11422994" y="6451502"/>
-            <a:ext cx="203025" cy="307341"/>
+            <a:ext cx="203022" cy="307339"/>
           </a:xfrm>
           <a:prstGeom prst="rect">
             <a:avLst/>
@@ -9382,7 +10904,7 @@
       </p:sp>
       <p:pic>
         <p:nvPicPr>
-          <p:cNvPr id="183" name="logo.png" descr="logo.png"/>
+          <p:cNvPr id="202" name="logo.png" descr="logo.png"/>
           <p:cNvPicPr>
             <a:picLocks noChangeAspect="1"/>
           </p:cNvPicPr>
@@ -9398,8 +10920,8 @@
         </p:blipFill>
         <p:spPr>
           <a:xfrm>
-            <a:off x="1356360" y="2515698"/>
-            <a:ext cx="2255297" cy="1414687"/>
+            <a:off x="1356360" y="2515697"/>
+            <a:ext cx="2255298" cy="1414688"/>
           </a:xfrm>
           <a:prstGeom prst="rect">
             <a:avLst/>
@@ -9411,14 +10933,14 @@
       </p:pic>
       <p:sp>
         <p:nvSpPr>
-          <p:cNvPr id="184" name="1. Asynchronous Module Definition 异步模块定义…"/>
+          <p:cNvPr id="203" name="1. Asynchronous Module Definition 异步模块定义…"/>
           <p:cNvSpPr txBox="1"/>
           <p:nvPr/>
         </p:nvSpPr>
         <p:spPr>
           <a:xfrm>
-            <a:off x="5417745" y="2237669"/>
-            <a:ext cx="5059225" cy="2125698"/>
+            <a:off x="5417744" y="2237670"/>
+            <a:ext cx="5059223" cy="2125696"/>
           </a:xfrm>
           <a:prstGeom prst="rect">
             <a:avLst/>
@@ -9433,7 +10955,7 @@
           </a:extLst>
         </p:spPr>
         <p:txBody>
-          <a:bodyPr wrap="none" lIns="45719" rIns="45719">
+          <a:bodyPr wrap="none" lIns="45718" tIns="45718" rIns="45718" bIns="45718">
             <a:spAutoFit/>
           </a:bodyPr>
           <a:lstStyle/>
@@ -9443,6 +10965,10 @@
                 <a:solidFill>
                   <a:schemeClr val="accent1"/>
                 </a:solidFill>
+                <a:latin typeface="Arial"/>
+                <a:ea typeface="Arial"/>
+                <a:cs typeface="Arial"/>
+                <a:sym typeface="Arial"/>
               </a:defRPr>
             </a:pPr>
             <a:r>
@@ -9455,6 +10981,10 @@
                 <a:solidFill>
                   <a:schemeClr val="accent1"/>
                 </a:solidFill>
+                <a:latin typeface="Arial"/>
+                <a:ea typeface="Arial"/>
+                <a:cs typeface="Arial"/>
+                <a:sym typeface="Arial"/>
               </a:defRPr>
             </a:pPr>
           </a:p>
@@ -9464,6 +10994,10 @@
                 <a:solidFill>
                   <a:schemeClr val="accent1"/>
                 </a:solidFill>
+                <a:latin typeface="Arial"/>
+                <a:ea typeface="Arial"/>
+                <a:cs typeface="Arial"/>
+                <a:sym typeface="Arial"/>
               </a:defRPr>
             </a:pPr>
             <a:r>
@@ -9476,6 +11010,10 @@
                 <a:solidFill>
                   <a:schemeClr val="accent1"/>
                 </a:solidFill>
+                <a:latin typeface="Arial"/>
+                <a:ea typeface="Arial"/>
+                <a:cs typeface="Arial"/>
+                <a:sym typeface="Arial"/>
               </a:defRPr>
             </a:pPr>
           </a:p>
@@ -9485,6 +11023,10 @@
                 <a:solidFill>
                   <a:schemeClr val="accent1"/>
                 </a:solidFill>
+                <a:latin typeface="Arial"/>
+                <a:ea typeface="Arial"/>
+                <a:cs typeface="Arial"/>
+                <a:sym typeface="Arial"/>
               </a:defRPr>
             </a:pPr>
             <a:r>
@@ -9497,6 +11039,10 @@
                 <a:solidFill>
                   <a:schemeClr val="accent1"/>
                 </a:solidFill>
+                <a:latin typeface="Arial"/>
+                <a:ea typeface="Arial"/>
+                <a:cs typeface="Arial"/>
+                <a:sym typeface="Arial"/>
               </a:defRPr>
             </a:pPr>
           </a:p>
@@ -9506,6 +11052,10 @@
                 <a:solidFill>
                   <a:schemeClr val="accent1"/>
                 </a:solidFill>
+                <a:latin typeface="Arial"/>
+                <a:ea typeface="Arial"/>
+                <a:cs typeface="Arial"/>
+                <a:sym typeface="Arial"/>
               </a:defRPr>
             </a:pPr>
             <a:r>
@@ -9542,14 +11092,14 @@
       </p:grpSpPr>
       <p:sp>
         <p:nvSpPr>
-          <p:cNvPr id="186" name="直接连接符 6"/>
+          <p:cNvPr id="205" name="直接连接符 6"/>
           <p:cNvSpPr/>
           <p:nvPr/>
         </p:nvSpPr>
         <p:spPr>
           <a:xfrm>
             <a:off x="848233" y="2402250"/>
-            <a:ext cx="872434" cy="1"/>
+            <a:ext cx="872433" cy="2"/>
           </a:xfrm>
           <a:prstGeom prst="line">
             <a:avLst/>
@@ -9564,7 +11114,7 @@
           </a:ln>
         </p:spPr>
         <p:txBody>
-          <a:bodyPr lIns="45719" rIns="45719"/>
+          <a:bodyPr lIns="45718" tIns="45718" rIns="45718" bIns="45718"/>
           <a:lstStyle/>
           <a:p>
             <a:pPr/>
@@ -9573,14 +11123,14 @@
       </p:sp>
       <p:sp>
         <p:nvSpPr>
-          <p:cNvPr id="187" name="文本框 8"/>
+          <p:cNvPr id="206" name="文本框 8"/>
           <p:cNvSpPr txBox="1"/>
           <p:nvPr/>
         </p:nvSpPr>
         <p:spPr>
           <a:xfrm>
-            <a:off x="949245" y="1282961"/>
-            <a:ext cx="1207167" cy="1005841"/>
+            <a:off x="949244" y="1282961"/>
+            <a:ext cx="1207168" cy="1005839"/>
           </a:xfrm>
           <a:prstGeom prst="rect">
             <a:avLst/>
@@ -9595,7 +11145,7 @@
           </a:extLst>
         </p:spPr>
         <p:txBody>
-          <a:bodyPr lIns="45719" rIns="45719">
+          <a:bodyPr lIns="45718" tIns="45718" rIns="45718" bIns="45718">
             <a:spAutoFit/>
           </a:bodyPr>
           <a:lstStyle>
@@ -9604,10 +11154,6 @@
                 <a:solidFill>
                   <a:srgbClr val="FFFFFF"/>
                 </a:solidFill>
-                <a:latin typeface="+mn-lt"/>
-                <a:ea typeface="+mn-ea"/>
-                <a:cs typeface="+mn-cs"/>
-                <a:sym typeface="Helvetica"/>
               </a:defRPr>
             </a:lvl1pPr>
           </a:lstStyle>
@@ -9621,7 +11167,7 @@
       </p:sp>
       <p:sp>
         <p:nvSpPr>
-          <p:cNvPr id="188" name="标题 2"/>
+          <p:cNvPr id="207" name="标题 2"/>
           <p:cNvSpPr txBox="1"/>
           <p:nvPr>
             <p:ph type="title"/>
@@ -9629,8 +11175,8 @@
         </p:nvSpPr>
         <p:spPr>
           <a:xfrm>
-            <a:off x="652671" y="67823"/>
-            <a:ext cx="9802416" cy="912883"/>
+            <a:off x="652671" y="67822"/>
+            <a:ext cx="9802416" cy="912885"/>
           </a:xfrm>
           <a:prstGeom prst="rect">
             <a:avLst/>
@@ -9649,16 +11195,16 @@
       </p:sp>
       <p:sp>
         <p:nvSpPr>
-          <p:cNvPr id="189" name="灯片编号占位符 1"/>
+          <p:cNvPr id="208" name="灯片编号占位符 1"/>
           <p:cNvSpPr txBox="1"/>
           <p:nvPr>
-            <p:ph type="sldNum" sz="quarter" idx="2"/>
+            <p:ph type="sldNum" sz="quarter" idx="4294967295"/>
           </p:nvPr>
         </p:nvSpPr>
         <p:spPr>
           <a:xfrm>
             <a:off x="11422994" y="6451502"/>
-            <a:ext cx="203025" cy="307341"/>
+            <a:ext cx="203022" cy="307339"/>
           </a:xfrm>
           <a:prstGeom prst="rect">
             <a:avLst/>
@@ -9680,14 +11226,14 @@
       </p:sp>
       <p:sp>
         <p:nvSpPr>
-          <p:cNvPr id="190" name="1. Common Module Definition 通用模块定义…"/>
+          <p:cNvPr id="209" name="1. Common Module Definition 通用模块定义…"/>
           <p:cNvSpPr txBox="1"/>
           <p:nvPr/>
         </p:nvSpPr>
         <p:spPr>
           <a:xfrm>
             <a:off x="1211505" y="2125909"/>
-            <a:ext cx="4550567" cy="2125698"/>
+            <a:ext cx="4550565" cy="2125697"/>
           </a:xfrm>
           <a:prstGeom prst="rect">
             <a:avLst/>
@@ -9702,7 +11248,7 @@
           </a:extLst>
         </p:spPr>
         <p:txBody>
-          <a:bodyPr wrap="none" lIns="45719" rIns="45719">
+          <a:bodyPr wrap="none" lIns="45718" tIns="45718" rIns="45718" bIns="45718">
             <a:spAutoFit/>
           </a:bodyPr>
           <a:lstStyle/>
@@ -9712,6 +11258,10 @@
                 <a:solidFill>
                   <a:schemeClr val="accent1"/>
                 </a:solidFill>
+                <a:latin typeface="Arial"/>
+                <a:ea typeface="Arial"/>
+                <a:cs typeface="Arial"/>
+                <a:sym typeface="Arial"/>
               </a:defRPr>
             </a:pPr>
             <a:r>
@@ -9724,6 +11274,10 @@
                 <a:solidFill>
                   <a:schemeClr val="accent1"/>
                 </a:solidFill>
+                <a:latin typeface="Arial"/>
+                <a:ea typeface="Arial"/>
+                <a:cs typeface="Arial"/>
+                <a:sym typeface="Arial"/>
               </a:defRPr>
             </a:pPr>
           </a:p>
@@ -9733,6 +11287,10 @@
                 <a:solidFill>
                   <a:schemeClr val="accent1"/>
                 </a:solidFill>
+                <a:latin typeface="Arial"/>
+                <a:ea typeface="Arial"/>
+                <a:cs typeface="Arial"/>
+                <a:sym typeface="Arial"/>
               </a:defRPr>
             </a:pPr>
             <a:r>
@@ -9745,6 +11303,10 @@
                 <a:solidFill>
                   <a:schemeClr val="accent1"/>
                 </a:solidFill>
+                <a:latin typeface="Arial"/>
+                <a:ea typeface="Arial"/>
+                <a:cs typeface="Arial"/>
+                <a:sym typeface="Arial"/>
               </a:defRPr>
             </a:pPr>
           </a:p>
@@ -9754,6 +11316,10 @@
                 <a:solidFill>
                   <a:schemeClr val="accent1"/>
                 </a:solidFill>
+                <a:latin typeface="Arial"/>
+                <a:ea typeface="Arial"/>
+                <a:cs typeface="Arial"/>
+                <a:sym typeface="Arial"/>
               </a:defRPr>
             </a:pPr>
             <a:r>
@@ -9766,6 +11332,10 @@
                 <a:solidFill>
                   <a:schemeClr val="accent1"/>
                 </a:solidFill>
+                <a:latin typeface="Arial"/>
+                <a:ea typeface="Arial"/>
+                <a:cs typeface="Arial"/>
+                <a:sym typeface="Arial"/>
               </a:defRPr>
             </a:pPr>
           </a:p>
@@ -9775,6 +11345,10 @@
                 <a:solidFill>
                   <a:schemeClr val="accent1"/>
                 </a:solidFill>
+                <a:latin typeface="Arial"/>
+                <a:ea typeface="Arial"/>
+                <a:cs typeface="Arial"/>
+                <a:sym typeface="Arial"/>
               </a:defRPr>
             </a:pPr>
             <a:r>
@@ -9785,7 +11359,7 @@
       </p:sp>
       <p:pic>
         <p:nvPicPr>
-          <p:cNvPr id="191" name="logo (1).png" descr="logo (1).png"/>
+          <p:cNvPr id="210" name="logo (1).png" descr="logo (1).png"/>
           <p:cNvPicPr>
             <a:picLocks noChangeAspect="1"/>
           </p:cNvPicPr>
@@ -9801,8 +11375,8 @@
         </p:blipFill>
         <p:spPr>
           <a:xfrm>
-            <a:off x="7518400" y="2779778"/>
-            <a:ext cx="2355719" cy="817959"/>
+            <a:off x="7518400" y="2779777"/>
+            <a:ext cx="2355720" cy="817960"/>
           </a:xfrm>
           <a:prstGeom prst="rect">
             <a:avLst/>
@@ -10014,17 +11588,17 @@
         <a:solidFill>
           <a:srgbClr val="FFFFFF"/>
         </a:solidFill>
-        <a:ln w="12700" cap="flat">
+        <a:ln w="25400" cap="flat">
           <a:solidFill>
             <a:schemeClr val="accent1"/>
           </a:solidFill>
           <a:prstDash val="solid"/>
-          <a:miter lim="800000"/>
+          <a:round/>
         </a:ln>
         <a:effectLst/>
         <a:sp3d/>
       </a:spPr>
-      <a:bodyPr rot="0" spcFirstLastPara="1" vertOverflow="overflow" horzOverflow="overflow" vert="horz" wrap="square" lIns="45719" tIns="45719" rIns="45719" bIns="45719" numCol="1" spcCol="38100" rtlCol="0" anchor="ctr" upright="0">
+      <a:bodyPr rot="0" spcFirstLastPara="1" vertOverflow="overflow" horzOverflow="overflow" vert="horz" wrap="square" lIns="45718" tIns="45718" rIns="45718" bIns="45718" numCol="1" spcCol="38100" rtlCol="0" anchor="ctr" upright="0">
         <a:spAutoFit/>
       </a:bodyPr>
       <a:lstStyle>
@@ -10052,10 +11626,10 @@
             </a:solidFill>
             <a:effectLst/>
             <a:uFillTx/>
-            <a:latin typeface="Arial"/>
-            <a:ea typeface="Arial"/>
-            <a:cs typeface="Arial"/>
-            <a:sym typeface="Arial"/>
+            <a:latin typeface="+mn-lt"/>
+            <a:ea typeface="+mn-ea"/>
+            <a:cs typeface="+mn-cs"/>
+            <a:sym typeface="Helvetica"/>
           </a:defRPr>
         </a:defPPr>
         <a:lvl1pPr marL="0" marR="0" indent="0" algn="l" defTabSz="914400" rtl="0" fontAlgn="auto" latinLnBrk="1" hangingPunct="0">
@@ -10303,12 +11877,12 @@
     <a:lnDef>
       <a:spPr>
         <a:noFill/>
-        <a:ln w="12700" cap="flat">
+        <a:ln w="25400" cap="flat">
           <a:solidFill>
             <a:schemeClr val="accent1"/>
           </a:solidFill>
           <a:prstDash val="solid"/>
-          <a:miter lim="800000"/>
+          <a:round/>
         </a:ln>
         <a:effectLst/>
         <a:sp3d/>
@@ -10595,7 +12169,7 @@
         <a:effectLst/>
         <a:sp3d/>
       </a:spPr>
-      <a:bodyPr rot="0" spcFirstLastPara="1" vertOverflow="overflow" horzOverflow="overflow" vert="horz" wrap="square" lIns="45719" tIns="45719" rIns="45719" bIns="45719" numCol="1" spcCol="38100" rtlCol="0" anchor="t" upright="0">
+      <a:bodyPr rot="0" spcFirstLastPara="1" vertOverflow="overflow" horzOverflow="overflow" vert="horz" wrap="square" lIns="45718" tIns="45718" rIns="45718" bIns="45718" numCol="1" spcCol="38100" rtlCol="0" anchor="t" upright="0">
         <a:spAutoFit/>
       </a:bodyPr>
       <a:lstStyle>
@@ -10623,10 +12197,10 @@
             </a:solidFill>
             <a:effectLst/>
             <a:uFillTx/>
-            <a:latin typeface="Arial"/>
-            <a:ea typeface="Arial"/>
-            <a:cs typeface="Arial"/>
-            <a:sym typeface="Arial"/>
+            <a:latin typeface="+mn-lt"/>
+            <a:ea typeface="+mn-ea"/>
+            <a:cs typeface="+mn-cs"/>
+            <a:sym typeface="Helvetica"/>
           </a:defRPr>
         </a:defPPr>
         <a:lvl1pPr marL="0" marR="0" indent="0" algn="l" defTabSz="914400" rtl="0" fontAlgn="auto" latinLnBrk="1" hangingPunct="0">
@@ -11068,17 +12642,17 @@
         <a:solidFill>
           <a:srgbClr val="FFFFFF"/>
         </a:solidFill>
-        <a:ln w="12700" cap="flat">
+        <a:ln w="25400" cap="flat">
           <a:solidFill>
             <a:schemeClr val="accent1"/>
           </a:solidFill>
           <a:prstDash val="solid"/>
-          <a:miter lim="800000"/>
+          <a:round/>
         </a:ln>
         <a:effectLst/>
         <a:sp3d/>
       </a:spPr>
-      <a:bodyPr rot="0" spcFirstLastPara="1" vertOverflow="overflow" horzOverflow="overflow" vert="horz" wrap="square" lIns="45719" tIns="45719" rIns="45719" bIns="45719" numCol="1" spcCol="38100" rtlCol="0" anchor="ctr" upright="0">
+      <a:bodyPr rot="0" spcFirstLastPara="1" vertOverflow="overflow" horzOverflow="overflow" vert="horz" wrap="square" lIns="45718" tIns="45718" rIns="45718" bIns="45718" numCol="1" spcCol="38100" rtlCol="0" anchor="ctr" upright="0">
         <a:spAutoFit/>
       </a:bodyPr>
       <a:lstStyle>
@@ -11106,10 +12680,10 @@
             </a:solidFill>
             <a:effectLst/>
             <a:uFillTx/>
-            <a:latin typeface="Arial"/>
-            <a:ea typeface="Arial"/>
-            <a:cs typeface="Arial"/>
-            <a:sym typeface="Arial"/>
+            <a:latin typeface="+mn-lt"/>
+            <a:ea typeface="+mn-ea"/>
+            <a:cs typeface="+mn-cs"/>
+            <a:sym typeface="Helvetica"/>
           </a:defRPr>
         </a:defPPr>
         <a:lvl1pPr marL="0" marR="0" indent="0" algn="l" defTabSz="914400" rtl="0" fontAlgn="auto" latinLnBrk="1" hangingPunct="0">
@@ -11357,12 +12931,12 @@
     <a:lnDef>
       <a:spPr>
         <a:noFill/>
-        <a:ln w="12700" cap="flat">
+        <a:ln w="25400" cap="flat">
           <a:solidFill>
             <a:schemeClr val="accent1"/>
           </a:solidFill>
           <a:prstDash val="solid"/>
-          <a:miter lim="800000"/>
+          <a:round/>
         </a:ln>
         <a:effectLst/>
         <a:sp3d/>
@@ -11649,7 +13223,7 @@
         <a:effectLst/>
         <a:sp3d/>
       </a:spPr>
-      <a:bodyPr rot="0" spcFirstLastPara="1" vertOverflow="overflow" horzOverflow="overflow" vert="horz" wrap="square" lIns="45719" tIns="45719" rIns="45719" bIns="45719" numCol="1" spcCol="38100" rtlCol="0" anchor="t" upright="0">
+      <a:bodyPr rot="0" spcFirstLastPara="1" vertOverflow="overflow" horzOverflow="overflow" vert="horz" wrap="square" lIns="45718" tIns="45718" rIns="45718" bIns="45718" numCol="1" spcCol="38100" rtlCol="0" anchor="t" upright="0">
         <a:spAutoFit/>
       </a:bodyPr>
       <a:lstStyle>
@@ -11677,10 +13251,10 @@
             </a:solidFill>
             <a:effectLst/>
             <a:uFillTx/>
-            <a:latin typeface="Arial"/>
-            <a:ea typeface="Arial"/>
-            <a:cs typeface="Arial"/>
-            <a:sym typeface="Arial"/>
+            <a:latin typeface="+mn-lt"/>
+            <a:ea typeface="+mn-ea"/>
+            <a:cs typeface="+mn-cs"/>
+            <a:sym typeface="Helvetica"/>
           </a:defRPr>
         </a:defPPr>
         <a:lvl1pPr marL="0" marR="0" indent="0" algn="l" defTabSz="914400" rtl="0" fontAlgn="auto" latinLnBrk="1" hangingPunct="0">
